--- a/hrf/mass_shooting.pptx
+++ b/hrf/mass_shooting.pptx
@@ -6384,7 +6384,7 @@
             </a:pPr>
             <a:r>
               <a:rPr lang="en"/>
-              <a:t>Motive</a:t>
+              <a:t>Motive (10296)</a:t>
             </a:r>
             <a:endParaRPr/>
           </a:p>
@@ -6424,7 +6424,7 @@
             </a:pPr>
             <a:r>
               <a:rPr b="1" lang="en"/>
-              <a:t>Failure</a:t>
+              <a:t>Failure (10303)</a:t>
             </a:r>
             <a:r>
               <a:rPr lang="en"/>
@@ -6444,7 +6444,7 @@
             </a:pPr>
             <a:r>
               <a:rPr b="1" lang="en"/>
-              <a:t>Social conflict</a:t>
+              <a:t>Social conflict (10301)</a:t>
             </a:r>
             <a:r>
               <a:rPr lang="en"/>
@@ -6464,7 +6464,7 @@
             </a:pPr>
             <a:r>
               <a:rPr b="1" lang="en"/>
-              <a:t>Revenge</a:t>
+              <a:t>Revenge (10302)</a:t>
             </a:r>
             <a:r>
               <a:rPr lang="en"/>
@@ -6561,7 +6561,7 @@
             </a:pPr>
             <a:r>
               <a:rPr lang="en"/>
-              <a:t>Planning</a:t>
+              <a:t>Planning (10297)</a:t>
             </a:r>
             <a:endParaRPr/>
           </a:p>
@@ -6601,7 +6601,7 @@
             </a:pPr>
             <a:r>
               <a:rPr b="1" lang="en"/>
-              <a:t>Intentional human activity</a:t>
+              <a:t>Intentional human activity (10304)</a:t>
             </a:r>
             <a:r>
               <a:rPr lang="en"/>
@@ -6621,7 +6621,7 @@
             </a:pPr>
             <a:r>
               <a:rPr b="1" lang="en"/>
-              <a:t>Decision</a:t>
+              <a:t>Decision (10305)</a:t>
             </a:r>
             <a:r>
               <a:rPr lang="en"/>
@@ -6641,7 +6641,7 @@
             </a:pPr>
             <a:r>
               <a:rPr b="1" lang="en"/>
-              <a:t>Buy</a:t>
+              <a:t>Buy (10306)</a:t>
             </a:r>
             <a:r>
               <a:rPr lang="en"/>
@@ -6661,7 +6661,7 @@
             </a:pPr>
             <a:r>
               <a:rPr b="1" lang="en"/>
-              <a:t>Announcement</a:t>
+              <a:t>Announcement (10307)</a:t>
             </a:r>
             <a:r>
               <a:rPr lang="en"/>
@@ -6758,7 +6758,7 @@
             </a:pPr>
             <a:r>
               <a:rPr lang="en"/>
-              <a:t>Attack</a:t>
+              <a:t>Attack (10298)</a:t>
             </a:r>
             <a:endParaRPr/>
           </a:p>
@@ -6783,7 +6783,7 @@
         </p:spPr>
         <p:txBody>
           <a:bodyPr anchorCtr="0" anchor="t" bIns="91425" lIns="91425" spcFirstLastPara="1" rIns="91425" wrap="square" tIns="91425">
-            <a:normAutofit fontScale="92500" lnSpcReduction="20000"/>
+            <a:normAutofit fontScale="85000" lnSpcReduction="10000"/>
           </a:bodyPr>
           <a:lstStyle/>
           <a:p>
@@ -6798,7 +6798,7 @@
             </a:pPr>
             <a:r>
               <a:rPr b="1" lang="en"/>
-              <a:t>Motion</a:t>
+              <a:t>Motion (10308)</a:t>
             </a:r>
             <a:r>
               <a:rPr lang="en"/>
@@ -6818,7 +6818,7 @@
             </a:pPr>
             <a:r>
               <a:rPr b="1" lang="en"/>
-              <a:t>Gun violence</a:t>
+              <a:t>Gun violence (10309)</a:t>
             </a:r>
             <a:r>
               <a:rPr lang="en"/>
@@ -6838,7 +6838,7 @@
             </a:pPr>
             <a:r>
               <a:rPr b="1" lang="en"/>
-              <a:t>Injury</a:t>
+              <a:t>Injury (10312)</a:t>
             </a:r>
             <a:r>
               <a:rPr lang="en"/>
@@ -6858,7 +6858,7 @@
             </a:pPr>
             <a:r>
               <a:rPr b="1" lang="en"/>
-              <a:t>Killing</a:t>
+              <a:t>Killing (10311)</a:t>
             </a:r>
             <a:r>
               <a:rPr lang="en"/>
@@ -6878,7 +6878,7 @@
             </a:pPr>
             <a:r>
               <a:rPr b="1" lang="en"/>
-              <a:t>Survival</a:t>
+              <a:t>Survival (10313)</a:t>
             </a:r>
             <a:r>
               <a:rPr lang="en"/>
@@ -6898,7 +6898,7 @@
             </a:pPr>
             <a:r>
               <a:rPr b="1" lang="en"/>
-              <a:t>Violent death</a:t>
+              <a:t>Violent death (10310)</a:t>
             </a:r>
             <a:r>
               <a:rPr lang="en"/>
@@ -6972,7 +6972,7 @@
         <p:spPr>
           <a:xfrm>
             <a:off x="311700" y="555600"/>
-            <a:ext cx="2808000" cy="755700"/>
+            <a:ext cx="3654900" cy="755700"/>
           </a:xfrm>
           <a:prstGeom prst="rect">
             <a:avLst/>
@@ -6980,7 +6980,7 @@
         </p:spPr>
         <p:txBody>
           <a:bodyPr anchorCtr="0" anchor="b" bIns="91425" lIns="91425" spcFirstLastPara="1" rIns="91425" wrap="square" tIns="91425">
-            <a:normAutofit/>
+            <a:normAutofit fontScale="90000"/>
           </a:bodyPr>
           <a:lstStyle/>
           <a:p>
@@ -6995,7 +6995,7 @@
             </a:pPr>
             <a:r>
               <a:rPr lang="en"/>
-              <a:t>Medical Response</a:t>
+              <a:t>Medical Response (10299)</a:t>
             </a:r>
             <a:endParaRPr/>
           </a:p>
@@ -7020,7 +7020,7 @@
         </p:spPr>
         <p:txBody>
           <a:bodyPr anchorCtr="0" anchor="t" bIns="91425" lIns="91425" spcFirstLastPara="1" rIns="91425" wrap="square" tIns="91425">
-            <a:normAutofit/>
+            <a:normAutofit lnSpcReduction="10000"/>
           </a:bodyPr>
           <a:lstStyle/>
           <a:p>
@@ -7035,7 +7035,7 @@
             </a:pPr>
             <a:r>
               <a:rPr b="1" lang="en"/>
-              <a:t>Emergency call</a:t>
+              <a:t>Emergency call (10314)</a:t>
             </a:r>
             <a:r>
               <a:rPr lang="en"/>
@@ -7055,7 +7055,7 @@
             </a:pPr>
             <a:r>
               <a:rPr b="1" lang="en"/>
-              <a:t>Driving</a:t>
+              <a:t>Driving (10315)</a:t>
             </a:r>
             <a:r>
               <a:rPr lang="en"/>
@@ -7075,7 +7075,7 @@
             </a:pPr>
             <a:r>
               <a:rPr b="1" lang="en"/>
-              <a:t>First aid</a:t>
+              <a:t>First aid (10316)</a:t>
             </a:r>
             <a:r>
               <a:rPr lang="en"/>
@@ -7095,7 +7095,7 @@
             </a:pPr>
             <a:r>
               <a:rPr b="1" lang="en"/>
-              <a:t>Rescue</a:t>
+              <a:t>Rescue (10317)</a:t>
             </a:r>
             <a:r>
               <a:rPr lang="en"/>
@@ -7169,7 +7169,7 @@
         <p:spPr>
           <a:xfrm>
             <a:off x="311700" y="-87800"/>
-            <a:ext cx="2808000" cy="755700"/>
+            <a:ext cx="4867200" cy="755700"/>
           </a:xfrm>
           <a:prstGeom prst="rect">
             <a:avLst/>
@@ -7177,7 +7177,7 @@
         </p:spPr>
         <p:txBody>
           <a:bodyPr anchorCtr="0" anchor="b" bIns="91425" lIns="91425" spcFirstLastPara="1" rIns="91425" wrap="square" tIns="91425">
-            <a:normAutofit fontScale="90000"/>
+            <a:normAutofit/>
           </a:bodyPr>
           <a:lstStyle/>
           <a:p>
@@ -7192,7 +7192,7 @@
             </a:pPr>
             <a:r>
               <a:rPr lang="en"/>
-              <a:t>Criminal Investigation</a:t>
+              <a:t>Criminal Investigation (10300)</a:t>
             </a:r>
             <a:endParaRPr/>
           </a:p>
@@ -7217,7 +7217,7 @@
         </p:spPr>
         <p:txBody>
           <a:bodyPr anchorCtr="0" anchor="t" bIns="91425" lIns="91425" spcFirstLastPara="1" rIns="91425" wrap="square" tIns="91425">
-            <a:normAutofit/>
+            <a:normAutofit lnSpcReduction="10000"/>
           </a:bodyPr>
           <a:lstStyle/>
           <a:p>
@@ -7236,7 +7236,7 @@
             </a:pPr>
             <a:r>
               <a:rPr b="1" lang="en" sz="820"/>
-              <a:t>Accusation</a:t>
+              <a:t>Accusation (10318)</a:t>
             </a:r>
             <a:r>
               <a:rPr lang="en" sz="820"/>
@@ -7260,7 +7260,7 @@
             </a:pPr>
             <a:r>
               <a:rPr b="1" lang="en" sz="820"/>
-              <a:t>Arrest</a:t>
+              <a:t>Arrest (10319)</a:t>
             </a:r>
             <a:r>
               <a:rPr lang="en" sz="820"/>
@@ -7292,7 +7292,7 @@
             </a:pPr>
             <a:r>
               <a:rPr b="1" lang="en" sz="820"/>
-              <a:t>Detention</a:t>
+              <a:t>Detention (10320)</a:t>
             </a:r>
             <a:r>
               <a:rPr lang="en" sz="820"/>
@@ -7316,7 +7316,7 @@
             </a:pPr>
             <a:r>
               <a:rPr b="1" lang="en" sz="820"/>
-              <a:t>Conviction</a:t>
+              <a:t>Conviction (10321)</a:t>
             </a:r>
             <a:r>
               <a:rPr lang="en" sz="820"/>
@@ -7340,7 +7340,7 @@
             </a:pPr>
             <a:r>
               <a:rPr b="1" lang="en" sz="820"/>
-              <a:t>Plea</a:t>
+              <a:t>Plea (10322)</a:t>
             </a:r>
             <a:r>
               <a:rPr lang="en" sz="820"/>
@@ -7364,7 +7364,7 @@
             </a:pPr>
             <a:r>
               <a:rPr b="1" lang="en" sz="820"/>
-              <a:t>Trial</a:t>
+              <a:t>Trial (10323)</a:t>
             </a:r>
             <a:r>
               <a:rPr lang="en" sz="820"/>
@@ -7439,7 +7439,7 @@
             </a:pPr>
             <a:r>
               <a:rPr b="1" lang="en" sz="800"/>
-              <a:t>Legal hearing</a:t>
+              <a:t>Legal hearing (10324)</a:t>
             </a:r>
             <a:r>
               <a:rPr lang="en" sz="800"/>
@@ -7462,7 +7462,7 @@
             </a:pPr>
             <a:r>
               <a:rPr b="1" lang="en" sz="800"/>
-              <a:t>Court decision</a:t>
+              <a:t>Court decision (10325)</a:t>
             </a:r>
             <a:r>
               <a:rPr lang="en" sz="800"/>
@@ -7485,7 +7485,7 @@
             </a:pPr>
             <a:r>
               <a:rPr b="1" lang="en" sz="800"/>
-              <a:t>Acquittal</a:t>
+              <a:t>Acquittal (10327)</a:t>
             </a:r>
             <a:r>
               <a:rPr lang="en" sz="800"/>
@@ -7508,7 +7508,7 @@
             </a:pPr>
             <a:r>
               <a:rPr b="1" lang="en" sz="800"/>
-              <a:t>Sentence</a:t>
+              <a:t>Sentence (10326)</a:t>
             </a:r>
             <a:r>
               <a:rPr lang="en" sz="800"/>
@@ -7531,7 +7531,7 @@
             </a:pPr>
             <a:r>
               <a:rPr b="1" lang="en" sz="800"/>
-              <a:t>Imprisonment</a:t>
+              <a:t>Imprisonment (10328)</a:t>
             </a:r>
             <a:r>
               <a:rPr lang="en" sz="800"/>
@@ -7554,7 +7554,7 @@
             </a:pPr>
             <a:r>
               <a:rPr b="1" lang="en" sz="800"/>
-              <a:t>Execution</a:t>
+              <a:t>Execution (10329)</a:t>
             </a:r>
             <a:r>
               <a:rPr lang="en" sz="800"/>

--- a/hrf/mass_shooting.pptx
+++ b/hrf/mass_shooting.pptx
@@ -1,25 +1,25 @@
 
 <file path=ppt/presentation.xml><?xml version="1.0" encoding="utf-8"?>
-<p:presentation xmlns:a="http://schemas.openxmlformats.org/drawingml/2006/main" xmlns:r="http://schemas.openxmlformats.org/officeDocument/2006/relationships" xmlns:mc="http://schemas.openxmlformats.org/markup-compatibility/2006" xmlns:mv="urn:schemas-microsoft-com:mac:vml" xmlns:p="http://schemas.openxmlformats.org/presentationml/2006/main" xmlns:c="http://schemas.openxmlformats.org/drawingml/2006/chart" xmlns:dgm="http://schemas.openxmlformats.org/drawingml/2006/diagram" xmlns:o="urn:schemas-microsoft-com:office:office" xmlns:v="urn:schemas-microsoft-com:vml" xmlns:pvml="urn:schemas-microsoft-com:office:powerpoint" xmlns:com="http://schemas.openxmlformats.org/drawingml/2006/compatibility" xmlns:p14="http://schemas.microsoft.com/office/powerpoint/2010/main" xmlns:p15="http://schemas.microsoft.com/office/powerpoint/2012/main" xmlns:ahyp="http://schemas.microsoft.com/office/drawing/2018/hyperlinkcolor" autoCompressPictures="0" strictFirstAndLastChars="0" saveSubsetFonts="1">
+<p:presentation xmlns:a="http://schemas.openxmlformats.org/drawingml/2006/main" xmlns:r="http://schemas.openxmlformats.org/officeDocument/2006/relationships" xmlns:p="http://schemas.openxmlformats.org/presentationml/2006/main" strictFirstAndLastChars="0" saveSubsetFonts="1" autoCompressPictures="0">
   <p:sldMasterIdLst>
-    <p:sldMasterId id="2147483659" r:id="rId4"/>
+    <p:sldMasterId id="2147483659" r:id="rId1"/>
   </p:sldMasterIdLst>
   <p:notesMasterIdLst>
-    <p:notesMasterId r:id="rId5"/>
+    <p:notesMasterId r:id="rId9"/>
   </p:notesMasterIdLst>
   <p:sldIdLst>
-    <p:sldId id="256" r:id="rId6"/>
-    <p:sldId id="257" r:id="rId7"/>
-    <p:sldId id="258" r:id="rId8"/>
-    <p:sldId id="259" r:id="rId9"/>
-    <p:sldId id="260" r:id="rId10"/>
-    <p:sldId id="261" r:id="rId11"/>
-    <p:sldId id="262" r:id="rId12"/>
+    <p:sldId id="256" r:id="rId2"/>
+    <p:sldId id="257" r:id="rId3"/>
+    <p:sldId id="258" r:id="rId4"/>
+    <p:sldId id="259" r:id="rId5"/>
+    <p:sldId id="260" r:id="rId6"/>
+    <p:sldId id="261" r:id="rId7"/>
+    <p:sldId id="262" r:id="rId8"/>
   </p:sldIdLst>
-  <p:sldSz cy="5143500" cx="9144000"/>
+  <p:sldSz cx="9144000" cy="5143500" type="screen16x9"/>
   <p:notesSz cx="6858000" cy="9144000"/>
   <p:defaultTextStyle>
-    <a:defPPr lvl="0" marR="0" rtl="0" algn="l">
+    <a:defPPr marR="0" lvl="0" algn="l" rtl="0">
       <a:lnSpc>
         <a:spcPct val="100000"/>
       </a:lnSpc>
@@ -30,7 +30,7 @@
         <a:spcPts val="0"/>
       </a:spcAft>
     </a:defPPr>
-    <a:lvl1pPr lvl="0" marR="0" rtl="0" algn="l">
+    <a:lvl1pPr marR="0" lvl="0" algn="l" rtl="0">
       <a:lnSpc>
         <a:spcPct val="100000"/>
       </a:lnSpc>
@@ -44,7 +44,7 @@
         <a:srgbClr val="000000"/>
       </a:buClr>
       <a:buFont typeface="Arial"/>
-      <a:defRPr b="0" i="0" sz="1400" u="none" cap="none" strike="noStrike">
+      <a:defRPr sz="1400" b="0" i="0" u="none" strike="noStrike" cap="none">
         <a:solidFill>
           <a:srgbClr val="000000"/>
         </a:solidFill>
@@ -54,7 +54,7 @@
         <a:sym typeface="Arial"/>
       </a:defRPr>
     </a:lvl1pPr>
-    <a:lvl2pPr lvl="1" marR="0" rtl="0" algn="l">
+    <a:lvl2pPr marR="0" lvl="1" algn="l" rtl="0">
       <a:lnSpc>
         <a:spcPct val="100000"/>
       </a:lnSpc>
@@ -68,7 +68,7 @@
         <a:srgbClr val="000000"/>
       </a:buClr>
       <a:buFont typeface="Arial"/>
-      <a:defRPr b="0" i="0" sz="1400" u="none" cap="none" strike="noStrike">
+      <a:defRPr sz="1400" b="0" i="0" u="none" strike="noStrike" cap="none">
         <a:solidFill>
           <a:srgbClr val="000000"/>
         </a:solidFill>
@@ -78,7 +78,7 @@
         <a:sym typeface="Arial"/>
       </a:defRPr>
     </a:lvl2pPr>
-    <a:lvl3pPr lvl="2" marR="0" rtl="0" algn="l">
+    <a:lvl3pPr marR="0" lvl="2" algn="l" rtl="0">
       <a:lnSpc>
         <a:spcPct val="100000"/>
       </a:lnSpc>
@@ -92,7 +92,7 @@
         <a:srgbClr val="000000"/>
       </a:buClr>
       <a:buFont typeface="Arial"/>
-      <a:defRPr b="0" i="0" sz="1400" u="none" cap="none" strike="noStrike">
+      <a:defRPr sz="1400" b="0" i="0" u="none" strike="noStrike" cap="none">
         <a:solidFill>
           <a:srgbClr val="000000"/>
         </a:solidFill>
@@ -102,7 +102,7 @@
         <a:sym typeface="Arial"/>
       </a:defRPr>
     </a:lvl3pPr>
-    <a:lvl4pPr lvl="3" marR="0" rtl="0" algn="l">
+    <a:lvl4pPr marR="0" lvl="3" algn="l" rtl="0">
       <a:lnSpc>
         <a:spcPct val="100000"/>
       </a:lnSpc>
@@ -116,7 +116,7 @@
         <a:srgbClr val="000000"/>
       </a:buClr>
       <a:buFont typeface="Arial"/>
-      <a:defRPr b="0" i="0" sz="1400" u="none" cap="none" strike="noStrike">
+      <a:defRPr sz="1400" b="0" i="0" u="none" strike="noStrike" cap="none">
         <a:solidFill>
           <a:srgbClr val="000000"/>
         </a:solidFill>
@@ -126,7 +126,7 @@
         <a:sym typeface="Arial"/>
       </a:defRPr>
     </a:lvl4pPr>
-    <a:lvl5pPr lvl="4" marR="0" rtl="0" algn="l">
+    <a:lvl5pPr marR="0" lvl="4" algn="l" rtl="0">
       <a:lnSpc>
         <a:spcPct val="100000"/>
       </a:lnSpc>
@@ -140,7 +140,7 @@
         <a:srgbClr val="000000"/>
       </a:buClr>
       <a:buFont typeface="Arial"/>
-      <a:defRPr b="0" i="0" sz="1400" u="none" cap="none" strike="noStrike">
+      <a:defRPr sz="1400" b="0" i="0" u="none" strike="noStrike" cap="none">
         <a:solidFill>
           <a:srgbClr val="000000"/>
         </a:solidFill>
@@ -150,7 +150,7 @@
         <a:sym typeface="Arial"/>
       </a:defRPr>
     </a:lvl5pPr>
-    <a:lvl6pPr lvl="5" marR="0" rtl="0" algn="l">
+    <a:lvl6pPr marR="0" lvl="5" algn="l" rtl="0">
       <a:lnSpc>
         <a:spcPct val="100000"/>
       </a:lnSpc>
@@ -164,7 +164,7 @@
         <a:srgbClr val="000000"/>
       </a:buClr>
       <a:buFont typeface="Arial"/>
-      <a:defRPr b="0" i="0" sz="1400" u="none" cap="none" strike="noStrike">
+      <a:defRPr sz="1400" b="0" i="0" u="none" strike="noStrike" cap="none">
         <a:solidFill>
           <a:srgbClr val="000000"/>
         </a:solidFill>
@@ -174,7 +174,7 @@
         <a:sym typeface="Arial"/>
       </a:defRPr>
     </a:lvl6pPr>
-    <a:lvl7pPr lvl="6" marR="0" rtl="0" algn="l">
+    <a:lvl7pPr marR="0" lvl="6" algn="l" rtl="0">
       <a:lnSpc>
         <a:spcPct val="100000"/>
       </a:lnSpc>
@@ -188,7 +188,7 @@
         <a:srgbClr val="000000"/>
       </a:buClr>
       <a:buFont typeface="Arial"/>
-      <a:defRPr b="0" i="0" sz="1400" u="none" cap="none" strike="noStrike">
+      <a:defRPr sz="1400" b="0" i="0" u="none" strike="noStrike" cap="none">
         <a:solidFill>
           <a:srgbClr val="000000"/>
         </a:solidFill>
@@ -198,7 +198,7 @@
         <a:sym typeface="Arial"/>
       </a:defRPr>
     </a:lvl7pPr>
-    <a:lvl8pPr lvl="7" marR="0" rtl="0" algn="l">
+    <a:lvl8pPr marR="0" lvl="7" algn="l" rtl="0">
       <a:lnSpc>
         <a:spcPct val="100000"/>
       </a:lnSpc>
@@ -212,7 +212,7 @@
         <a:srgbClr val="000000"/>
       </a:buClr>
       <a:buFont typeface="Arial"/>
-      <a:defRPr b="0" i="0" sz="1400" u="none" cap="none" strike="noStrike">
+      <a:defRPr sz="1400" b="0" i="0" u="none" strike="noStrike" cap="none">
         <a:solidFill>
           <a:srgbClr val="000000"/>
         </a:solidFill>
@@ -222,7 +222,7 @@
         <a:sym typeface="Arial"/>
       </a:defRPr>
     </a:lvl8pPr>
-    <a:lvl9pPr lvl="8" marR="0" rtl="0" algn="l">
+    <a:lvl9pPr marR="0" lvl="8" algn="l" rtl="0">
       <a:lnSpc>
         <a:spcPct val="100000"/>
       </a:lnSpc>
@@ -236,7 +236,7 @@
         <a:srgbClr val="000000"/>
       </a:buClr>
       <a:buFont typeface="Arial"/>
-      <a:defRPr b="0" i="0" sz="1400" u="none" cap="none" strike="noStrike">
+      <a:defRPr sz="1400" b="0" i="0" u="none" strike="noStrike" cap="none">
         <a:solidFill>
           <a:srgbClr val="000000"/>
         </a:solidFill>
@@ -249,7 +249,7 @@
   </p:defaultTextStyle>
   <p:extLst>
     <p:ext uri="{EFAFB233-063F-42B5-8137-9DF3F51BA10A}">
-      <p15:sldGuideLst>
+      <p15:sldGuideLst xmlns:p15="http://schemas.microsoft.com/office/powerpoint/2012/main">
         <p15:guide id="1" orient="horz" pos="1620">
           <p15:clr>
             <a:srgbClr val="A4A3A4"/>
@@ -267,11 +267,16 @@
 </file>
 
 <file path=ppt/notesMasters/notesMaster1.xml><?xml version="1.0" encoding="utf-8"?>
-<p:notesMaster xmlns:a="http://schemas.openxmlformats.org/drawingml/2006/main" xmlns:r="http://schemas.openxmlformats.org/officeDocument/2006/relationships" xmlns:mc="http://schemas.openxmlformats.org/markup-compatibility/2006" xmlns:mv="urn:schemas-microsoft-com:mac:vml" xmlns:p="http://schemas.openxmlformats.org/presentationml/2006/main" xmlns:c="http://schemas.openxmlformats.org/drawingml/2006/chart" xmlns:dgm="http://schemas.openxmlformats.org/drawingml/2006/diagram" xmlns:o="urn:schemas-microsoft-com:office:office" xmlns:v="urn:schemas-microsoft-com:vml" xmlns:pvml="urn:schemas-microsoft-com:office:powerpoint" xmlns:com="http://schemas.openxmlformats.org/drawingml/2006/compatibility" xmlns:p14="http://schemas.microsoft.com/office/powerpoint/2010/main" xmlns:p15="http://schemas.microsoft.com/office/powerpoint/2012/main" xmlns:ahyp="http://schemas.microsoft.com/office/drawing/2018/hyperlinkcolor">
+<p:notesMaster xmlns:a="http://schemas.openxmlformats.org/drawingml/2006/main" xmlns:r="http://schemas.openxmlformats.org/officeDocument/2006/relationships" xmlns:p="http://schemas.openxmlformats.org/presentationml/2006/main">
   <p:cSld>
+    <p:bg>
+      <p:bgRef idx="1001">
+        <a:schemeClr val="bg1"/>
+      </p:bgRef>
+    </p:bg>
     <p:spTree>
       <p:nvGrpSpPr>
-        <p:cNvPr id="2" name="Shape 2"/>
+        <p:cNvPr id="1" name="Shape 2"/>
         <p:cNvGrpSpPr/>
         <p:nvPr/>
       </p:nvGrpSpPr>
@@ -286,9 +291,11 @@
       <p:sp>
         <p:nvSpPr>
           <p:cNvPr id="3" name="Google Shape;3;n"/>
-          <p:cNvSpPr/>
+          <p:cNvSpPr>
+            <a:spLocks noGrp="1" noRot="1" noChangeAspect="1"/>
+          </p:cNvSpPr>
           <p:nvPr>
-            <p:ph idx="2" type="sldImg"/>
+            <p:ph type="sldImg" idx="2"/>
           </p:nvPr>
         </p:nvSpPr>
         <p:spPr>
@@ -297,9 +304,13 @@
             <a:ext cx="6096075" cy="3429000"/>
           </a:xfrm>
           <a:custGeom>
-            <a:rect b="b" l="l" r="r" t="t"/>
+            <a:avLst/>
+            <a:gdLst/>
+            <a:ahLst/>
+            <a:cxnLst/>
+            <a:rect l="l" t="t" r="r" b="b"/>
             <a:pathLst>
-              <a:path extrusionOk="0" h="120000" w="120000">
+              <a:path w="120000" h="120000" extrusionOk="0">
                 <a:moveTo>
                   <a:pt x="0" y="0"/>
                 </a:moveTo>
@@ -317,23 +328,25 @@
             </a:pathLst>
           </a:custGeom>
           <a:noFill/>
-          <a:ln cap="flat" cmpd="sng" w="9525">
+          <a:ln w="9525" cap="flat" cmpd="sng">
             <a:solidFill>
               <a:srgbClr val="000000"/>
             </a:solidFill>
             <a:prstDash val="solid"/>
             <a:round/>
-            <a:headEnd len="sm" w="sm" type="none"/>
-            <a:tailEnd len="sm" w="sm" type="none"/>
+            <a:headEnd type="none" w="sm" len="sm"/>
+            <a:tailEnd type="none" w="sm" len="sm"/>
           </a:ln>
         </p:spPr>
       </p:sp>
       <p:sp>
         <p:nvSpPr>
           <p:cNvPr id="4" name="Google Shape;4;n"/>
-          <p:cNvSpPr txBox="1"/>
+          <p:cNvSpPr txBox="1">
+            <a:spLocks noGrp="1"/>
+          </p:cNvSpPr>
           <p:nvPr>
-            <p:ph idx="1" type="body"/>
+            <p:ph type="body" idx="1"/>
           </p:nvPr>
         </p:nvSpPr>
         <p:spPr>
@@ -350,11 +363,11 @@
           </a:ln>
         </p:spPr>
         <p:txBody>
-          <a:bodyPr anchorCtr="0" anchor="t" bIns="91425" lIns="91425" spcFirstLastPara="1" rIns="91425" wrap="square" tIns="91425">
+          <a:bodyPr spcFirstLastPara="1" wrap="square" lIns="91425" tIns="91425" rIns="91425" bIns="91425" anchor="t" anchorCtr="0">
             <a:noAutofit/>
           </a:bodyPr>
           <a:lstStyle>
-            <a:lvl1pPr indent="-298450" lvl="0" marL="457200">
+            <a:lvl1pPr marL="457200" lvl="0" indent="-298450">
               <a:spcBef>
                 <a:spcPts val="0"/>
               </a:spcBef>
@@ -365,7 +378,7 @@
               <a:buChar char="●"/>
               <a:defRPr sz="1100"/>
             </a:lvl1pPr>
-            <a:lvl2pPr indent="-298450" lvl="1" marL="914400">
+            <a:lvl2pPr marL="914400" lvl="1" indent="-298450">
               <a:spcBef>
                 <a:spcPts val="0"/>
               </a:spcBef>
@@ -376,7 +389,7 @@
               <a:buChar char="○"/>
               <a:defRPr sz="1100"/>
             </a:lvl2pPr>
-            <a:lvl3pPr indent="-298450" lvl="2" marL="1371600">
+            <a:lvl3pPr marL="1371600" lvl="2" indent="-298450">
               <a:spcBef>
                 <a:spcPts val="0"/>
               </a:spcBef>
@@ -387,7 +400,7 @@
               <a:buChar char="■"/>
               <a:defRPr sz="1100"/>
             </a:lvl3pPr>
-            <a:lvl4pPr indent="-298450" lvl="3" marL="1828800">
+            <a:lvl4pPr marL="1828800" lvl="3" indent="-298450">
               <a:spcBef>
                 <a:spcPts val="0"/>
               </a:spcBef>
@@ -398,7 +411,7 @@
               <a:buChar char="●"/>
               <a:defRPr sz="1100"/>
             </a:lvl4pPr>
-            <a:lvl5pPr indent="-298450" lvl="4" marL="2286000">
+            <a:lvl5pPr marL="2286000" lvl="4" indent="-298450">
               <a:spcBef>
                 <a:spcPts val="0"/>
               </a:spcBef>
@@ -409,7 +422,7 @@
               <a:buChar char="○"/>
               <a:defRPr sz="1100"/>
             </a:lvl5pPr>
-            <a:lvl6pPr indent="-298450" lvl="5" marL="2743200">
+            <a:lvl6pPr marL="2743200" lvl="5" indent="-298450">
               <a:spcBef>
                 <a:spcPts val="0"/>
               </a:spcBef>
@@ -420,7 +433,7 @@
               <a:buChar char="■"/>
               <a:defRPr sz="1100"/>
             </a:lvl6pPr>
-            <a:lvl7pPr indent="-298450" lvl="6" marL="3200400">
+            <a:lvl7pPr marL="3200400" lvl="6" indent="-298450">
               <a:spcBef>
                 <a:spcPts val="0"/>
               </a:spcBef>
@@ -431,7 +444,7 @@
               <a:buChar char="●"/>
               <a:defRPr sz="1100"/>
             </a:lvl7pPr>
-            <a:lvl8pPr indent="-298450" lvl="7" marL="3657600">
+            <a:lvl8pPr marL="3657600" lvl="7" indent="-298450">
               <a:spcBef>
                 <a:spcPts val="0"/>
               </a:spcBef>
@@ -442,7 +455,7 @@
               <a:buChar char="○"/>
               <a:defRPr sz="1100"/>
             </a:lvl8pPr>
-            <a:lvl9pPr indent="-298450" lvl="8" marL="4114800">
+            <a:lvl9pPr marL="4114800" lvl="8" indent="-298450">
               <a:spcBef>
                 <a:spcPts val="0"/>
               </a:spcBef>
@@ -454,14 +467,16 @@
               <a:defRPr sz="1100"/>
             </a:lvl9pPr>
           </a:lstStyle>
-          <a:p/>
+          <a:p>
+            <a:endParaRPr/>
+          </a:p>
         </p:txBody>
       </p:sp>
     </p:spTree>
   </p:cSld>
-  <p:clrMap accent1="accent1" accent2="accent2" accent3="accent3" accent4="accent4" accent5="accent5" accent6="accent6" bg1="lt1" bg2="dk2" tx1="dk1" tx2="lt2" folHlink="folHlink" hlink="hlink"/>
+  <p:clrMap bg1="lt1" tx1="dk1" bg2="dk2" tx2="lt2" accent1="accent1" accent2="accent2" accent3="accent3" accent4="accent4" accent5="accent5" accent6="accent6" hlink="hlink" folHlink="folHlink"/>
   <p:notesStyle>
-    <a:defPPr lvl="0" marR="0" rtl="0" algn="l">
+    <a:defPPr marR="0" lvl="0" algn="l" rtl="0">
       <a:lnSpc>
         <a:spcPct val="100000"/>
       </a:lnSpc>
@@ -472,7 +487,7 @@
         <a:spcPts val="0"/>
       </a:spcAft>
     </a:defPPr>
-    <a:lvl1pPr lvl="0" marR="0" rtl="0" algn="l">
+    <a:lvl1pPr marR="0" lvl="0" algn="l" rtl="0">
       <a:lnSpc>
         <a:spcPct val="100000"/>
       </a:lnSpc>
@@ -486,7 +501,7 @@
         <a:srgbClr val="000000"/>
       </a:buClr>
       <a:buFont typeface="Arial"/>
-      <a:defRPr b="0" i="0" sz="1400" u="none" cap="none" strike="noStrike">
+      <a:defRPr sz="1400" b="0" i="0" u="none" strike="noStrike" cap="none">
         <a:solidFill>
           <a:srgbClr val="000000"/>
         </a:solidFill>
@@ -496,7 +511,7 @@
         <a:sym typeface="Arial"/>
       </a:defRPr>
     </a:lvl1pPr>
-    <a:lvl2pPr lvl="1" marR="0" rtl="0" algn="l">
+    <a:lvl2pPr marR="0" lvl="1" algn="l" rtl="0">
       <a:lnSpc>
         <a:spcPct val="100000"/>
       </a:lnSpc>
@@ -510,7 +525,7 @@
         <a:srgbClr val="000000"/>
       </a:buClr>
       <a:buFont typeface="Arial"/>
-      <a:defRPr b="0" i="0" sz="1400" u="none" cap="none" strike="noStrike">
+      <a:defRPr sz="1400" b="0" i="0" u="none" strike="noStrike" cap="none">
         <a:solidFill>
           <a:srgbClr val="000000"/>
         </a:solidFill>
@@ -520,7 +535,7 @@
         <a:sym typeface="Arial"/>
       </a:defRPr>
     </a:lvl2pPr>
-    <a:lvl3pPr lvl="2" marR="0" rtl="0" algn="l">
+    <a:lvl3pPr marR="0" lvl="2" algn="l" rtl="0">
       <a:lnSpc>
         <a:spcPct val="100000"/>
       </a:lnSpc>
@@ -534,7 +549,7 @@
         <a:srgbClr val="000000"/>
       </a:buClr>
       <a:buFont typeface="Arial"/>
-      <a:defRPr b="0" i="0" sz="1400" u="none" cap="none" strike="noStrike">
+      <a:defRPr sz="1400" b="0" i="0" u="none" strike="noStrike" cap="none">
         <a:solidFill>
           <a:srgbClr val="000000"/>
         </a:solidFill>
@@ -544,7 +559,7 @@
         <a:sym typeface="Arial"/>
       </a:defRPr>
     </a:lvl3pPr>
-    <a:lvl4pPr lvl="3" marR="0" rtl="0" algn="l">
+    <a:lvl4pPr marR="0" lvl="3" algn="l" rtl="0">
       <a:lnSpc>
         <a:spcPct val="100000"/>
       </a:lnSpc>
@@ -558,7 +573,7 @@
         <a:srgbClr val="000000"/>
       </a:buClr>
       <a:buFont typeface="Arial"/>
-      <a:defRPr b="0" i="0" sz="1400" u="none" cap="none" strike="noStrike">
+      <a:defRPr sz="1400" b="0" i="0" u="none" strike="noStrike" cap="none">
         <a:solidFill>
           <a:srgbClr val="000000"/>
         </a:solidFill>
@@ -568,7 +583,7 @@
         <a:sym typeface="Arial"/>
       </a:defRPr>
     </a:lvl4pPr>
-    <a:lvl5pPr lvl="4" marR="0" rtl="0" algn="l">
+    <a:lvl5pPr marR="0" lvl="4" algn="l" rtl="0">
       <a:lnSpc>
         <a:spcPct val="100000"/>
       </a:lnSpc>
@@ -582,7 +597,7 @@
         <a:srgbClr val="000000"/>
       </a:buClr>
       <a:buFont typeface="Arial"/>
-      <a:defRPr b="0" i="0" sz="1400" u="none" cap="none" strike="noStrike">
+      <a:defRPr sz="1400" b="0" i="0" u="none" strike="noStrike" cap="none">
         <a:solidFill>
           <a:srgbClr val="000000"/>
         </a:solidFill>
@@ -592,7 +607,7 @@
         <a:sym typeface="Arial"/>
       </a:defRPr>
     </a:lvl5pPr>
-    <a:lvl6pPr lvl="5" marR="0" rtl="0" algn="l">
+    <a:lvl6pPr marR="0" lvl="5" algn="l" rtl="0">
       <a:lnSpc>
         <a:spcPct val="100000"/>
       </a:lnSpc>
@@ -606,7 +621,7 @@
         <a:srgbClr val="000000"/>
       </a:buClr>
       <a:buFont typeface="Arial"/>
-      <a:defRPr b="0" i="0" sz="1400" u="none" cap="none" strike="noStrike">
+      <a:defRPr sz="1400" b="0" i="0" u="none" strike="noStrike" cap="none">
         <a:solidFill>
           <a:srgbClr val="000000"/>
         </a:solidFill>
@@ -616,7 +631,7 @@
         <a:sym typeface="Arial"/>
       </a:defRPr>
     </a:lvl6pPr>
-    <a:lvl7pPr lvl="6" marR="0" rtl="0" algn="l">
+    <a:lvl7pPr marR="0" lvl="6" algn="l" rtl="0">
       <a:lnSpc>
         <a:spcPct val="100000"/>
       </a:lnSpc>
@@ -630,7 +645,7 @@
         <a:srgbClr val="000000"/>
       </a:buClr>
       <a:buFont typeface="Arial"/>
-      <a:defRPr b="0" i="0" sz="1400" u="none" cap="none" strike="noStrike">
+      <a:defRPr sz="1400" b="0" i="0" u="none" strike="noStrike" cap="none">
         <a:solidFill>
           <a:srgbClr val="000000"/>
         </a:solidFill>
@@ -640,7 +655,7 @@
         <a:sym typeface="Arial"/>
       </a:defRPr>
     </a:lvl7pPr>
-    <a:lvl8pPr lvl="7" marR="0" rtl="0" algn="l">
+    <a:lvl8pPr marR="0" lvl="7" algn="l" rtl="0">
       <a:lnSpc>
         <a:spcPct val="100000"/>
       </a:lnSpc>
@@ -654,7 +669,7 @@
         <a:srgbClr val="000000"/>
       </a:buClr>
       <a:buFont typeface="Arial"/>
-      <a:defRPr b="0" i="0" sz="1400" u="none" cap="none" strike="noStrike">
+      <a:defRPr sz="1400" b="0" i="0" u="none" strike="noStrike" cap="none">
         <a:solidFill>
           <a:srgbClr val="000000"/>
         </a:solidFill>
@@ -664,7 +679,7 @@
         <a:sym typeface="Arial"/>
       </a:defRPr>
     </a:lvl8pPr>
-    <a:lvl9pPr lvl="8" marR="0" rtl="0" algn="l">
+    <a:lvl9pPr marR="0" lvl="8" algn="l" rtl="0">
       <a:lnSpc>
         <a:spcPct val="100000"/>
       </a:lnSpc>
@@ -678,7 +693,7 @@
         <a:srgbClr val="000000"/>
       </a:buClr>
       <a:buFont typeface="Arial"/>
-      <a:defRPr b="0" i="0" sz="1400" u="none" cap="none" strike="noStrike">
+      <a:defRPr sz="1400" b="0" i="0" u="none" strike="noStrike" cap="none">
         <a:solidFill>
           <a:srgbClr val="000000"/>
         </a:solidFill>
@@ -693,11 +708,11 @@
 </file>
 
 <file path=ppt/notesSlides/notesSlide1.xml><?xml version="1.0" encoding="utf-8"?>
-<p:notes xmlns:a="http://schemas.openxmlformats.org/drawingml/2006/main" xmlns:r="http://schemas.openxmlformats.org/officeDocument/2006/relationships" xmlns:mc="http://schemas.openxmlformats.org/markup-compatibility/2006" xmlns:mv="urn:schemas-microsoft-com:mac:vml" xmlns:p="http://schemas.openxmlformats.org/presentationml/2006/main" xmlns:c="http://schemas.openxmlformats.org/drawingml/2006/chart" xmlns:dgm="http://schemas.openxmlformats.org/drawingml/2006/diagram" xmlns:o="urn:schemas-microsoft-com:office:office" xmlns:v="urn:schemas-microsoft-com:vml" xmlns:pvml="urn:schemas-microsoft-com:office:powerpoint" xmlns:com="http://schemas.openxmlformats.org/drawingml/2006/compatibility" xmlns:p14="http://schemas.microsoft.com/office/powerpoint/2010/main" xmlns:p15="http://schemas.microsoft.com/office/powerpoint/2012/main" xmlns:ahyp="http://schemas.microsoft.com/office/drawing/2018/hyperlinkcolor" showMasterPhAnim="0" showMasterSp="0">
+<p:notes xmlns:a="http://schemas.openxmlformats.org/drawingml/2006/main" xmlns:r="http://schemas.openxmlformats.org/officeDocument/2006/relationships" xmlns:p="http://schemas.openxmlformats.org/presentationml/2006/main" showMasterSp="0" showMasterPhAnim="0">
   <p:cSld>
     <p:spTree>
       <p:nvGrpSpPr>
-        <p:cNvPr id="50" name="Shape 50"/>
+        <p:cNvPr id="1" name="Shape 50"/>
         <p:cNvGrpSpPr/>
         <p:nvPr/>
       </p:nvGrpSpPr>
@@ -712,9 +727,11 @@
       <p:sp>
         <p:nvSpPr>
           <p:cNvPr id="51" name="Google Shape;51;g1101a2ab91c_0_0:notes"/>
-          <p:cNvSpPr/>
+          <p:cNvSpPr>
+            <a:spLocks noGrp="1" noRot="1" noChangeAspect="1"/>
+          </p:cNvSpPr>
           <p:nvPr>
-            <p:ph idx="2" type="sldImg"/>
+            <p:ph type="sldImg" idx="2"/>
           </p:nvPr>
         </p:nvSpPr>
         <p:spPr>
@@ -723,9 +740,13 @@
             <a:ext cx="6096000" cy="3429000"/>
           </a:xfrm>
           <a:custGeom>
-            <a:rect b="b" l="l" r="r" t="t"/>
+            <a:avLst/>
+            <a:gdLst/>
+            <a:ahLst/>
+            <a:cxnLst/>
+            <a:rect l="l" t="t" r="r" b="b"/>
             <a:pathLst>
-              <a:path extrusionOk="0" h="120000" w="120000">
+              <a:path w="120000" h="120000" extrusionOk="0">
                 <a:moveTo>
                   <a:pt x="0" y="0"/>
                 </a:moveTo>
@@ -743,23 +764,25 @@
             </a:pathLst>
           </a:custGeom>
           <a:noFill/>
-          <a:ln cap="flat" cmpd="sng" w="9525">
+          <a:ln w="9525" cap="flat" cmpd="sng">
             <a:solidFill>
               <a:srgbClr val="000000"/>
             </a:solidFill>
             <a:prstDash val="solid"/>
             <a:round/>
-            <a:headEnd len="sm" w="sm" type="none"/>
-            <a:tailEnd len="sm" w="sm" type="none"/>
+            <a:headEnd type="none" w="sm" len="sm"/>
+            <a:tailEnd type="none" w="sm" len="sm"/>
           </a:ln>
         </p:spPr>
       </p:sp>
       <p:sp>
         <p:nvSpPr>
           <p:cNvPr id="52" name="Google Shape;52;g1101a2ab91c_0_0:notes"/>
-          <p:cNvSpPr txBox="1"/>
+          <p:cNvSpPr txBox="1">
+            <a:spLocks noGrp="1"/>
+          </p:cNvSpPr>
           <p:nvPr>
-            <p:ph idx="1" type="body"/>
+            <p:ph type="body" idx="1"/>
           </p:nvPr>
         </p:nvSpPr>
         <p:spPr>
@@ -776,12 +799,12 @@
           </a:ln>
         </p:spPr>
         <p:txBody>
-          <a:bodyPr anchorCtr="0" anchor="t" bIns="91425" lIns="91425" spcFirstLastPara="1" rIns="91425" wrap="square" tIns="91425">
+          <a:bodyPr spcFirstLastPara="1" wrap="square" lIns="91425" tIns="91425" rIns="91425" bIns="91425" anchor="t" anchorCtr="0">
             <a:noAutofit/>
           </a:bodyPr>
           <a:lstStyle/>
           <a:p>
-            <a:pPr indent="0" lvl="0" marL="0" rtl="0" algn="l">
+            <a:pPr marL="0" lvl="0" indent="0" algn="l" rtl="0">
               <a:lnSpc>
                 <a:spcPct val="100000"/>
               </a:lnSpc>
@@ -794,9 +817,6 @@
               <a:buSzPts val="1100"/>
               <a:buNone/>
             </a:pPr>
-            <a:r>
-              <a:t/>
-            </a:r>
             <a:endParaRPr/>
           </a:p>
         </p:txBody>
@@ -810,11 +830,11 @@
 </file>
 
 <file path=ppt/notesSlides/notesSlide2.xml><?xml version="1.0" encoding="utf-8"?>
-<p:notes xmlns:a="http://schemas.openxmlformats.org/drawingml/2006/main" xmlns:r="http://schemas.openxmlformats.org/officeDocument/2006/relationships" xmlns:mc="http://schemas.openxmlformats.org/markup-compatibility/2006" xmlns:mv="urn:schemas-microsoft-com:mac:vml" xmlns:p="http://schemas.openxmlformats.org/presentationml/2006/main" xmlns:c="http://schemas.openxmlformats.org/drawingml/2006/chart" xmlns:dgm="http://schemas.openxmlformats.org/drawingml/2006/diagram" xmlns:o="urn:schemas-microsoft-com:office:office" xmlns:v="urn:schemas-microsoft-com:vml" xmlns:pvml="urn:schemas-microsoft-com:office:powerpoint" xmlns:com="http://schemas.openxmlformats.org/drawingml/2006/compatibility" xmlns:p14="http://schemas.microsoft.com/office/powerpoint/2010/main" xmlns:p15="http://schemas.microsoft.com/office/powerpoint/2012/main" xmlns:ahyp="http://schemas.microsoft.com/office/drawing/2018/hyperlinkcolor" showMasterPhAnim="0" showMasterSp="0">
+<p:notes xmlns:a="http://schemas.openxmlformats.org/drawingml/2006/main" xmlns:r="http://schemas.openxmlformats.org/officeDocument/2006/relationships" xmlns:p="http://schemas.openxmlformats.org/presentationml/2006/main" showMasterSp="0" showMasterPhAnim="0">
   <p:cSld>
     <p:spTree>
       <p:nvGrpSpPr>
-        <p:cNvPr id="56" name="Shape 56"/>
+        <p:cNvPr id="1" name="Shape 56"/>
         <p:cNvGrpSpPr/>
         <p:nvPr/>
       </p:nvGrpSpPr>
@@ -829,9 +849,11 @@
       <p:sp>
         <p:nvSpPr>
           <p:cNvPr id="57" name="Google Shape;57;g1101a2ab91c_0_50:notes"/>
-          <p:cNvSpPr/>
+          <p:cNvSpPr>
+            <a:spLocks noGrp="1" noRot="1" noChangeAspect="1"/>
+          </p:cNvSpPr>
           <p:nvPr>
-            <p:ph idx="2" type="sldImg"/>
+            <p:ph type="sldImg" idx="2"/>
           </p:nvPr>
         </p:nvSpPr>
         <p:spPr>
@@ -840,9 +862,13 @@
             <a:ext cx="6096000" cy="3429000"/>
           </a:xfrm>
           <a:custGeom>
-            <a:rect b="b" l="l" r="r" t="t"/>
+            <a:avLst/>
+            <a:gdLst/>
+            <a:ahLst/>
+            <a:cxnLst/>
+            <a:rect l="l" t="t" r="r" b="b"/>
             <a:pathLst>
-              <a:path extrusionOk="0" h="120000" w="120000">
+              <a:path w="120000" h="120000" extrusionOk="0">
                 <a:moveTo>
                   <a:pt x="0" y="0"/>
                 </a:moveTo>
@@ -864,9 +890,11 @@
       <p:sp>
         <p:nvSpPr>
           <p:cNvPr id="58" name="Google Shape;58;g1101a2ab91c_0_50:notes"/>
-          <p:cNvSpPr txBox="1"/>
+          <p:cNvSpPr txBox="1">
+            <a:spLocks noGrp="1"/>
+          </p:cNvSpPr>
           <p:nvPr>
-            <p:ph idx="1" type="body"/>
+            <p:ph type="body" idx="1"/>
           </p:nvPr>
         </p:nvSpPr>
         <p:spPr>
@@ -879,12 +907,12 @@
           </a:prstGeom>
         </p:spPr>
         <p:txBody>
-          <a:bodyPr anchorCtr="0" anchor="t" bIns="91425" lIns="91425" spcFirstLastPara="1" rIns="91425" wrap="square" tIns="91425">
+          <a:bodyPr spcFirstLastPara="1" wrap="square" lIns="91425" tIns="91425" rIns="91425" bIns="91425" anchor="t" anchorCtr="0">
             <a:noAutofit/>
           </a:bodyPr>
           <a:lstStyle/>
           <a:p>
-            <a:pPr indent="0" lvl="0" marL="0" rtl="0" algn="l">
+            <a:pPr marL="0" lvl="0" indent="0" algn="l" rtl="0">
               <a:spcBef>
                 <a:spcPts val="0"/>
               </a:spcBef>
@@ -893,9 +921,6 @@
               </a:spcAft>
               <a:buNone/>
             </a:pPr>
-            <a:r>
-              <a:t/>
-            </a:r>
             <a:endParaRPr/>
           </a:p>
         </p:txBody>
@@ -909,11 +934,11 @@
 </file>
 
 <file path=ppt/notesSlides/notesSlide3.xml><?xml version="1.0" encoding="utf-8"?>
-<p:notes xmlns:a="http://schemas.openxmlformats.org/drawingml/2006/main" xmlns:r="http://schemas.openxmlformats.org/officeDocument/2006/relationships" xmlns:mc="http://schemas.openxmlformats.org/markup-compatibility/2006" xmlns:mv="urn:schemas-microsoft-com:mac:vml" xmlns:p="http://schemas.openxmlformats.org/presentationml/2006/main" xmlns:c="http://schemas.openxmlformats.org/drawingml/2006/chart" xmlns:dgm="http://schemas.openxmlformats.org/drawingml/2006/diagram" xmlns:o="urn:schemas-microsoft-com:office:office" xmlns:v="urn:schemas-microsoft-com:vml" xmlns:pvml="urn:schemas-microsoft-com:office:powerpoint" xmlns:com="http://schemas.openxmlformats.org/drawingml/2006/compatibility" xmlns:p14="http://schemas.microsoft.com/office/powerpoint/2010/main" xmlns:p15="http://schemas.microsoft.com/office/powerpoint/2012/main" xmlns:ahyp="http://schemas.microsoft.com/office/drawing/2018/hyperlinkcolor" showMasterPhAnim="0" showMasterSp="0">
+<p:notes xmlns:a="http://schemas.openxmlformats.org/drawingml/2006/main" xmlns:r="http://schemas.openxmlformats.org/officeDocument/2006/relationships" xmlns:p="http://schemas.openxmlformats.org/presentationml/2006/main" showMasterSp="0" showMasterPhAnim="0">
   <p:cSld>
     <p:spTree>
       <p:nvGrpSpPr>
-        <p:cNvPr id="63" name="Shape 63"/>
+        <p:cNvPr id="1" name="Shape 63"/>
         <p:cNvGrpSpPr/>
         <p:nvPr/>
       </p:nvGrpSpPr>
@@ -928,20 +953,26 @@
       <p:sp>
         <p:nvSpPr>
           <p:cNvPr id="64" name="Google Shape;64;g1101a2ab91c_0_56:notes"/>
-          <p:cNvSpPr/>
+          <p:cNvSpPr>
+            <a:spLocks noGrp="1" noRot="1" noChangeAspect="1"/>
+          </p:cNvSpPr>
           <p:nvPr>
-            <p:ph idx="2" type="sldImg"/>
+            <p:ph type="sldImg" idx="2"/>
           </p:nvPr>
         </p:nvSpPr>
         <p:spPr>
           <a:xfrm>
-            <a:off x="381300" y="685800"/>
+            <a:off x="381000" y="685800"/>
             <a:ext cx="6096000" cy="3429000"/>
           </a:xfrm>
           <a:custGeom>
-            <a:rect b="b" l="l" r="r" t="t"/>
+            <a:avLst/>
+            <a:gdLst/>
+            <a:ahLst/>
+            <a:cxnLst/>
+            <a:rect l="l" t="t" r="r" b="b"/>
             <a:pathLst>
-              <a:path extrusionOk="0" h="120000" w="120000">
+              <a:path w="120000" h="120000" extrusionOk="0">
                 <a:moveTo>
                   <a:pt x="0" y="0"/>
                 </a:moveTo>
@@ -963,9 +994,11 @@
       <p:sp>
         <p:nvSpPr>
           <p:cNvPr id="65" name="Google Shape;65;g1101a2ab91c_0_56:notes"/>
-          <p:cNvSpPr txBox="1"/>
+          <p:cNvSpPr txBox="1">
+            <a:spLocks noGrp="1"/>
+          </p:cNvSpPr>
           <p:nvPr>
-            <p:ph idx="1" type="body"/>
+            <p:ph type="body" idx="1"/>
           </p:nvPr>
         </p:nvSpPr>
         <p:spPr>
@@ -978,12 +1011,12 @@
           </a:prstGeom>
         </p:spPr>
         <p:txBody>
-          <a:bodyPr anchorCtr="0" anchor="t" bIns="91425" lIns="91425" spcFirstLastPara="1" rIns="91425" wrap="square" tIns="91425">
+          <a:bodyPr spcFirstLastPara="1" wrap="square" lIns="91425" tIns="91425" rIns="91425" bIns="91425" anchor="t" anchorCtr="0">
             <a:noAutofit/>
           </a:bodyPr>
           <a:lstStyle/>
           <a:p>
-            <a:pPr indent="0" lvl="0" marL="0" rtl="0" algn="l">
+            <a:pPr marL="0" lvl="0" indent="0" algn="l" rtl="0">
               <a:spcBef>
                 <a:spcPts val="0"/>
               </a:spcBef>
@@ -992,9 +1025,6 @@
               </a:spcAft>
               <a:buNone/>
             </a:pPr>
-            <a:r>
-              <a:t/>
-            </a:r>
             <a:endParaRPr/>
           </a:p>
         </p:txBody>
@@ -1008,11 +1038,11 @@
 </file>
 
 <file path=ppt/notesSlides/notesSlide4.xml><?xml version="1.0" encoding="utf-8"?>
-<p:notes xmlns:a="http://schemas.openxmlformats.org/drawingml/2006/main" xmlns:r="http://schemas.openxmlformats.org/officeDocument/2006/relationships" xmlns:mc="http://schemas.openxmlformats.org/markup-compatibility/2006" xmlns:mv="urn:schemas-microsoft-com:mac:vml" xmlns:p="http://schemas.openxmlformats.org/presentationml/2006/main" xmlns:c="http://schemas.openxmlformats.org/drawingml/2006/chart" xmlns:dgm="http://schemas.openxmlformats.org/drawingml/2006/diagram" xmlns:o="urn:schemas-microsoft-com:office:office" xmlns:v="urn:schemas-microsoft-com:vml" xmlns:pvml="urn:schemas-microsoft-com:office:powerpoint" xmlns:com="http://schemas.openxmlformats.org/drawingml/2006/compatibility" xmlns:p14="http://schemas.microsoft.com/office/powerpoint/2010/main" xmlns:p15="http://schemas.microsoft.com/office/powerpoint/2012/main" xmlns:ahyp="http://schemas.microsoft.com/office/drawing/2018/hyperlinkcolor" showMasterPhAnim="0" showMasterSp="0">
+<p:notes xmlns:a="http://schemas.openxmlformats.org/drawingml/2006/main" xmlns:r="http://schemas.openxmlformats.org/officeDocument/2006/relationships" xmlns:p="http://schemas.openxmlformats.org/presentationml/2006/main" showMasterSp="0" showMasterPhAnim="0">
   <p:cSld>
     <p:spTree>
       <p:nvGrpSpPr>
-        <p:cNvPr id="70" name="Shape 70"/>
+        <p:cNvPr id="1" name="Shape 70"/>
         <p:cNvGrpSpPr/>
         <p:nvPr/>
       </p:nvGrpSpPr>
@@ -1027,20 +1057,26 @@
       <p:sp>
         <p:nvSpPr>
           <p:cNvPr id="71" name="Google Shape;71;g1101a2ab91c_0_62:notes"/>
-          <p:cNvSpPr/>
+          <p:cNvSpPr>
+            <a:spLocks noGrp="1" noRot="1" noChangeAspect="1"/>
+          </p:cNvSpPr>
           <p:nvPr>
-            <p:ph idx="2" type="sldImg"/>
+            <p:ph type="sldImg" idx="2"/>
           </p:nvPr>
         </p:nvSpPr>
         <p:spPr>
           <a:xfrm>
-            <a:off x="381300" y="685800"/>
+            <a:off x="381000" y="685800"/>
             <a:ext cx="6096000" cy="3429000"/>
           </a:xfrm>
           <a:custGeom>
-            <a:rect b="b" l="l" r="r" t="t"/>
+            <a:avLst/>
+            <a:gdLst/>
+            <a:ahLst/>
+            <a:cxnLst/>
+            <a:rect l="l" t="t" r="r" b="b"/>
             <a:pathLst>
-              <a:path extrusionOk="0" h="120000" w="120000">
+              <a:path w="120000" h="120000" extrusionOk="0">
                 <a:moveTo>
                   <a:pt x="0" y="0"/>
                 </a:moveTo>
@@ -1062,9 +1098,11 @@
       <p:sp>
         <p:nvSpPr>
           <p:cNvPr id="72" name="Google Shape;72;g1101a2ab91c_0_62:notes"/>
-          <p:cNvSpPr txBox="1"/>
+          <p:cNvSpPr txBox="1">
+            <a:spLocks noGrp="1"/>
+          </p:cNvSpPr>
           <p:nvPr>
-            <p:ph idx="1" type="body"/>
+            <p:ph type="body" idx="1"/>
           </p:nvPr>
         </p:nvSpPr>
         <p:spPr>
@@ -1077,12 +1115,12 @@
           </a:prstGeom>
         </p:spPr>
         <p:txBody>
-          <a:bodyPr anchorCtr="0" anchor="t" bIns="91425" lIns="91425" spcFirstLastPara="1" rIns="91425" wrap="square" tIns="91425">
+          <a:bodyPr spcFirstLastPara="1" wrap="square" lIns="91425" tIns="91425" rIns="91425" bIns="91425" anchor="t" anchorCtr="0">
             <a:noAutofit/>
           </a:bodyPr>
           <a:lstStyle/>
           <a:p>
-            <a:pPr indent="0" lvl="0" marL="0" rtl="0" algn="l">
+            <a:pPr marL="0" lvl="0" indent="0" algn="l" rtl="0">
               <a:spcBef>
                 <a:spcPts val="0"/>
               </a:spcBef>
@@ -1091,9 +1129,6 @@
               </a:spcAft>
               <a:buNone/>
             </a:pPr>
-            <a:r>
-              <a:t/>
-            </a:r>
             <a:endParaRPr/>
           </a:p>
         </p:txBody>
@@ -1107,11 +1142,11 @@
 </file>
 
 <file path=ppt/notesSlides/notesSlide5.xml><?xml version="1.0" encoding="utf-8"?>
-<p:notes xmlns:a="http://schemas.openxmlformats.org/drawingml/2006/main" xmlns:r="http://schemas.openxmlformats.org/officeDocument/2006/relationships" xmlns:mc="http://schemas.openxmlformats.org/markup-compatibility/2006" xmlns:mv="urn:schemas-microsoft-com:mac:vml" xmlns:p="http://schemas.openxmlformats.org/presentationml/2006/main" xmlns:c="http://schemas.openxmlformats.org/drawingml/2006/chart" xmlns:dgm="http://schemas.openxmlformats.org/drawingml/2006/diagram" xmlns:o="urn:schemas-microsoft-com:office:office" xmlns:v="urn:schemas-microsoft-com:vml" xmlns:pvml="urn:schemas-microsoft-com:office:powerpoint" xmlns:com="http://schemas.openxmlformats.org/drawingml/2006/compatibility" xmlns:p14="http://schemas.microsoft.com/office/powerpoint/2010/main" xmlns:p15="http://schemas.microsoft.com/office/powerpoint/2012/main" xmlns:ahyp="http://schemas.microsoft.com/office/drawing/2018/hyperlinkcolor" showMasterPhAnim="0" showMasterSp="0">
+<p:notes xmlns:a="http://schemas.openxmlformats.org/drawingml/2006/main" xmlns:r="http://schemas.openxmlformats.org/officeDocument/2006/relationships" xmlns:p="http://schemas.openxmlformats.org/presentationml/2006/main" showMasterSp="0" showMasterPhAnim="0">
   <p:cSld>
     <p:spTree>
       <p:nvGrpSpPr>
-        <p:cNvPr id="77" name="Shape 77"/>
+        <p:cNvPr id="1" name="Shape 77"/>
         <p:cNvGrpSpPr/>
         <p:nvPr/>
       </p:nvGrpSpPr>
@@ -1126,20 +1161,26 @@
       <p:sp>
         <p:nvSpPr>
           <p:cNvPr id="78" name="Google Shape;78;g1101a2ab91c_0_68:notes"/>
-          <p:cNvSpPr/>
+          <p:cNvSpPr>
+            <a:spLocks noGrp="1" noRot="1" noChangeAspect="1"/>
+          </p:cNvSpPr>
           <p:nvPr>
-            <p:ph idx="2" type="sldImg"/>
+            <p:ph type="sldImg" idx="2"/>
           </p:nvPr>
         </p:nvSpPr>
         <p:spPr>
           <a:xfrm>
-            <a:off x="381300" y="685800"/>
+            <a:off x="381000" y="685800"/>
             <a:ext cx="6096000" cy="3429000"/>
           </a:xfrm>
           <a:custGeom>
-            <a:rect b="b" l="l" r="r" t="t"/>
+            <a:avLst/>
+            <a:gdLst/>
+            <a:ahLst/>
+            <a:cxnLst/>
+            <a:rect l="l" t="t" r="r" b="b"/>
             <a:pathLst>
-              <a:path extrusionOk="0" h="120000" w="120000">
+              <a:path w="120000" h="120000" extrusionOk="0">
                 <a:moveTo>
                   <a:pt x="0" y="0"/>
                 </a:moveTo>
@@ -1161,9 +1202,11 @@
       <p:sp>
         <p:nvSpPr>
           <p:cNvPr id="79" name="Google Shape;79;g1101a2ab91c_0_68:notes"/>
-          <p:cNvSpPr txBox="1"/>
+          <p:cNvSpPr txBox="1">
+            <a:spLocks noGrp="1"/>
+          </p:cNvSpPr>
           <p:nvPr>
-            <p:ph idx="1" type="body"/>
+            <p:ph type="body" idx="1"/>
           </p:nvPr>
         </p:nvSpPr>
         <p:spPr>
@@ -1176,12 +1219,12 @@
           </a:prstGeom>
         </p:spPr>
         <p:txBody>
-          <a:bodyPr anchorCtr="0" anchor="t" bIns="91425" lIns="91425" spcFirstLastPara="1" rIns="91425" wrap="square" tIns="91425">
+          <a:bodyPr spcFirstLastPara="1" wrap="square" lIns="91425" tIns="91425" rIns="91425" bIns="91425" anchor="t" anchorCtr="0">
             <a:noAutofit/>
           </a:bodyPr>
           <a:lstStyle/>
           <a:p>
-            <a:pPr indent="0" lvl="0" marL="0" rtl="0" algn="l">
+            <a:pPr marL="0" lvl="0" indent="0" algn="l" rtl="0">
               <a:spcBef>
                 <a:spcPts val="0"/>
               </a:spcBef>
@@ -1190,9 +1233,6 @@
               </a:spcAft>
               <a:buNone/>
             </a:pPr>
-            <a:r>
-              <a:t/>
-            </a:r>
             <a:endParaRPr/>
           </a:p>
         </p:txBody>
@@ -1206,11 +1246,11 @@
 </file>
 
 <file path=ppt/notesSlides/notesSlide6.xml><?xml version="1.0" encoding="utf-8"?>
-<p:notes xmlns:a="http://schemas.openxmlformats.org/drawingml/2006/main" xmlns:r="http://schemas.openxmlformats.org/officeDocument/2006/relationships" xmlns:mc="http://schemas.openxmlformats.org/markup-compatibility/2006" xmlns:mv="urn:schemas-microsoft-com:mac:vml" xmlns:p="http://schemas.openxmlformats.org/presentationml/2006/main" xmlns:c="http://schemas.openxmlformats.org/drawingml/2006/chart" xmlns:dgm="http://schemas.openxmlformats.org/drawingml/2006/diagram" xmlns:o="urn:schemas-microsoft-com:office:office" xmlns:v="urn:schemas-microsoft-com:vml" xmlns:pvml="urn:schemas-microsoft-com:office:powerpoint" xmlns:com="http://schemas.openxmlformats.org/drawingml/2006/compatibility" xmlns:p14="http://schemas.microsoft.com/office/powerpoint/2010/main" xmlns:p15="http://schemas.microsoft.com/office/powerpoint/2012/main" xmlns:ahyp="http://schemas.microsoft.com/office/drawing/2018/hyperlinkcolor" showMasterPhAnim="0" showMasterSp="0">
+<p:notes xmlns:a="http://schemas.openxmlformats.org/drawingml/2006/main" xmlns:r="http://schemas.openxmlformats.org/officeDocument/2006/relationships" xmlns:p="http://schemas.openxmlformats.org/presentationml/2006/main" showMasterSp="0" showMasterPhAnim="0">
   <p:cSld>
     <p:spTree>
       <p:nvGrpSpPr>
-        <p:cNvPr id="84" name="Shape 84"/>
+        <p:cNvPr id="1" name="Shape 84"/>
         <p:cNvGrpSpPr/>
         <p:nvPr/>
       </p:nvGrpSpPr>
@@ -1225,20 +1265,26 @@
       <p:sp>
         <p:nvSpPr>
           <p:cNvPr id="85" name="Google Shape;85;g1101a2ab91c_0_86:notes"/>
-          <p:cNvSpPr/>
+          <p:cNvSpPr>
+            <a:spLocks noGrp="1" noRot="1" noChangeAspect="1"/>
+          </p:cNvSpPr>
           <p:nvPr>
-            <p:ph idx="2" type="sldImg"/>
+            <p:ph type="sldImg" idx="2"/>
           </p:nvPr>
         </p:nvSpPr>
         <p:spPr>
           <a:xfrm>
-            <a:off x="381300" y="685800"/>
+            <a:off x="381000" y="685800"/>
             <a:ext cx="6096000" cy="3429000"/>
           </a:xfrm>
           <a:custGeom>
-            <a:rect b="b" l="l" r="r" t="t"/>
+            <a:avLst/>
+            <a:gdLst/>
+            <a:ahLst/>
+            <a:cxnLst/>
+            <a:rect l="l" t="t" r="r" b="b"/>
             <a:pathLst>
-              <a:path extrusionOk="0" h="120000" w="120000">
+              <a:path w="120000" h="120000" extrusionOk="0">
                 <a:moveTo>
                   <a:pt x="0" y="0"/>
                 </a:moveTo>
@@ -1260,9 +1306,11 @@
       <p:sp>
         <p:nvSpPr>
           <p:cNvPr id="86" name="Google Shape;86;g1101a2ab91c_0_86:notes"/>
-          <p:cNvSpPr txBox="1"/>
+          <p:cNvSpPr txBox="1">
+            <a:spLocks noGrp="1"/>
+          </p:cNvSpPr>
           <p:nvPr>
-            <p:ph idx="1" type="body"/>
+            <p:ph type="body" idx="1"/>
           </p:nvPr>
         </p:nvSpPr>
         <p:spPr>
@@ -1275,12 +1323,12 @@
           </a:prstGeom>
         </p:spPr>
         <p:txBody>
-          <a:bodyPr anchorCtr="0" anchor="t" bIns="91425" lIns="91425" spcFirstLastPara="1" rIns="91425" wrap="square" tIns="91425">
+          <a:bodyPr spcFirstLastPara="1" wrap="square" lIns="91425" tIns="91425" rIns="91425" bIns="91425" anchor="t" anchorCtr="0">
             <a:noAutofit/>
           </a:bodyPr>
           <a:lstStyle/>
           <a:p>
-            <a:pPr indent="0" lvl="0" marL="0" rtl="0" algn="l">
+            <a:pPr marL="0" lvl="0" indent="0" algn="l" rtl="0">
               <a:spcBef>
                 <a:spcPts val="0"/>
               </a:spcBef>
@@ -1289,9 +1337,6 @@
               </a:spcAft>
               <a:buNone/>
             </a:pPr>
-            <a:r>
-              <a:t/>
-            </a:r>
             <a:endParaRPr/>
           </a:p>
         </p:txBody>
@@ -1305,11 +1350,11 @@
 </file>
 
 <file path=ppt/notesSlides/notesSlide7.xml><?xml version="1.0" encoding="utf-8"?>
-<p:notes xmlns:a="http://schemas.openxmlformats.org/drawingml/2006/main" xmlns:r="http://schemas.openxmlformats.org/officeDocument/2006/relationships" xmlns:mc="http://schemas.openxmlformats.org/markup-compatibility/2006" xmlns:mv="urn:schemas-microsoft-com:mac:vml" xmlns:p="http://schemas.openxmlformats.org/presentationml/2006/main" xmlns:c="http://schemas.openxmlformats.org/drawingml/2006/chart" xmlns:dgm="http://schemas.openxmlformats.org/drawingml/2006/diagram" xmlns:o="urn:schemas-microsoft-com:office:office" xmlns:v="urn:schemas-microsoft-com:vml" xmlns:pvml="urn:schemas-microsoft-com:office:powerpoint" xmlns:com="http://schemas.openxmlformats.org/drawingml/2006/compatibility" xmlns:p14="http://schemas.microsoft.com/office/powerpoint/2010/main" xmlns:p15="http://schemas.microsoft.com/office/powerpoint/2012/main" xmlns:ahyp="http://schemas.microsoft.com/office/drawing/2018/hyperlinkcolor" showMasterPhAnim="0" showMasterSp="0">
+<p:notes xmlns:a="http://schemas.openxmlformats.org/drawingml/2006/main" xmlns:r="http://schemas.openxmlformats.org/officeDocument/2006/relationships" xmlns:p="http://schemas.openxmlformats.org/presentationml/2006/main" showMasterSp="0" showMasterPhAnim="0">
   <p:cSld>
     <p:spTree>
       <p:nvGrpSpPr>
-        <p:cNvPr id="91" name="Shape 91"/>
+        <p:cNvPr id="1" name="Shape 91"/>
         <p:cNvGrpSpPr/>
         <p:nvPr/>
       </p:nvGrpSpPr>
@@ -1324,20 +1369,26 @@
       <p:sp>
         <p:nvSpPr>
           <p:cNvPr id="92" name="Google Shape;92;g11285b97459_0_31:notes"/>
-          <p:cNvSpPr/>
+          <p:cNvSpPr>
+            <a:spLocks noGrp="1" noRot="1" noChangeAspect="1"/>
+          </p:cNvSpPr>
           <p:nvPr>
-            <p:ph idx="2" type="sldImg"/>
+            <p:ph type="sldImg" idx="2"/>
           </p:nvPr>
         </p:nvSpPr>
         <p:spPr>
           <a:xfrm>
-            <a:off x="381300" y="685800"/>
+            <a:off x="381000" y="685800"/>
             <a:ext cx="6096000" cy="3429000"/>
           </a:xfrm>
           <a:custGeom>
-            <a:rect b="b" l="l" r="r" t="t"/>
+            <a:avLst/>
+            <a:gdLst/>
+            <a:ahLst/>
+            <a:cxnLst/>
+            <a:rect l="l" t="t" r="r" b="b"/>
             <a:pathLst>
-              <a:path extrusionOk="0" h="120000" w="120000">
+              <a:path w="120000" h="120000" extrusionOk="0">
                 <a:moveTo>
                   <a:pt x="0" y="0"/>
                 </a:moveTo>
@@ -1359,9 +1410,11 @@
       <p:sp>
         <p:nvSpPr>
           <p:cNvPr id="93" name="Google Shape;93;g11285b97459_0_31:notes"/>
-          <p:cNvSpPr txBox="1"/>
+          <p:cNvSpPr txBox="1">
+            <a:spLocks noGrp="1"/>
+          </p:cNvSpPr>
           <p:nvPr>
-            <p:ph idx="1" type="body"/>
+            <p:ph type="body" idx="1"/>
           </p:nvPr>
         </p:nvSpPr>
         <p:spPr>
@@ -1374,12 +1427,12 @@
           </a:prstGeom>
         </p:spPr>
         <p:txBody>
-          <a:bodyPr anchorCtr="0" anchor="t" bIns="91425" lIns="91425" spcFirstLastPara="1" rIns="91425" wrap="square" tIns="91425">
+          <a:bodyPr spcFirstLastPara="1" wrap="square" lIns="91425" tIns="91425" rIns="91425" bIns="91425" anchor="t" anchorCtr="0">
             <a:noAutofit/>
           </a:bodyPr>
           <a:lstStyle/>
           <a:p>
-            <a:pPr indent="0" lvl="0" marL="0" rtl="0" algn="l">
+            <a:pPr marL="0" lvl="0" indent="0" algn="l" rtl="0">
               <a:spcBef>
                 <a:spcPts val="0"/>
               </a:spcBef>
@@ -1388,9 +1441,6 @@
               </a:spcAft>
               <a:buNone/>
             </a:pPr>
-            <a:r>
-              <a:t/>
-            </a:r>
             <a:endParaRPr/>
           </a:p>
         </p:txBody>
@@ -1404,11 +1454,11 @@
 </file>
 
 <file path=ppt/slideLayouts/slideLayout1.xml><?xml version="1.0" encoding="utf-8"?>
-<p:sldLayout xmlns:a="http://schemas.openxmlformats.org/drawingml/2006/main" xmlns:r="http://schemas.openxmlformats.org/officeDocument/2006/relationships" xmlns:mc="http://schemas.openxmlformats.org/markup-compatibility/2006" xmlns:mv="urn:schemas-microsoft-com:mac:vml" xmlns:p="http://schemas.openxmlformats.org/presentationml/2006/main" xmlns:c="http://schemas.openxmlformats.org/drawingml/2006/chart" xmlns:dgm="http://schemas.openxmlformats.org/drawingml/2006/diagram" xmlns:o="urn:schemas-microsoft-com:office:office" xmlns:v="urn:schemas-microsoft-com:vml" xmlns:pvml="urn:schemas-microsoft-com:office:powerpoint" xmlns:com="http://schemas.openxmlformats.org/drawingml/2006/compatibility" xmlns:p14="http://schemas.microsoft.com/office/powerpoint/2010/main" xmlns:p15="http://schemas.microsoft.com/office/powerpoint/2012/main" xmlns:ahyp="http://schemas.microsoft.com/office/drawing/2018/hyperlinkcolor" matchingName="Title slide" type="title">
+<p:sldLayout xmlns:a="http://schemas.openxmlformats.org/drawingml/2006/main" xmlns:r="http://schemas.openxmlformats.org/officeDocument/2006/relationships" xmlns:p="http://schemas.openxmlformats.org/presentationml/2006/main" matchingName="Title slide" type="title">
   <p:cSld name="TITLE">
     <p:spTree>
       <p:nvGrpSpPr>
-        <p:cNvPr id="9" name="Shape 9"/>
+        <p:cNvPr id="1" name="Shape 9"/>
         <p:cNvGrpSpPr/>
         <p:nvPr/>
       </p:nvGrpSpPr>
@@ -1423,7 +1473,9 @@
       <p:sp>
         <p:nvSpPr>
           <p:cNvPr id="10" name="Google Shape;10;p2"/>
-          <p:cNvSpPr txBox="1"/>
+          <p:cNvSpPr txBox="1">
+            <a:spLocks noGrp="1"/>
+          </p:cNvSpPr>
           <p:nvPr>
             <p:ph type="ctrTitle"/>
           </p:nvPr>
@@ -1438,7 +1490,7 @@
           </a:prstGeom>
         </p:spPr>
         <p:txBody>
-          <a:bodyPr anchorCtr="0" anchor="b" bIns="91425" lIns="91425" spcFirstLastPara="1" rIns="91425" wrap="square" tIns="91425">
+          <a:bodyPr spcFirstLastPara="1" wrap="square" lIns="91425" tIns="91425" rIns="91425" bIns="91425" anchor="b" anchorCtr="0">
             <a:normAutofit/>
           </a:bodyPr>
           <a:lstStyle>
@@ -1542,15 +1594,19 @@
               <a:defRPr sz="5200"/>
             </a:lvl9pPr>
           </a:lstStyle>
-          <a:p/>
+          <a:p>
+            <a:endParaRPr/>
+          </a:p>
         </p:txBody>
       </p:sp>
       <p:sp>
         <p:nvSpPr>
           <p:cNvPr id="11" name="Google Shape;11;p2"/>
-          <p:cNvSpPr txBox="1"/>
+          <p:cNvSpPr txBox="1">
+            <a:spLocks noGrp="1"/>
+          </p:cNvSpPr>
           <p:nvPr>
-            <p:ph idx="1" type="subTitle"/>
+            <p:ph type="subTitle" idx="1"/>
           </p:nvPr>
         </p:nvSpPr>
         <p:spPr>
@@ -1563,7 +1619,7 @@
           </a:prstGeom>
         </p:spPr>
         <p:txBody>
-          <a:bodyPr anchorCtr="0" anchor="t" bIns="91425" lIns="91425" spcFirstLastPara="1" rIns="91425" wrap="square" tIns="91425">
+          <a:bodyPr spcFirstLastPara="1" wrap="square" lIns="91425" tIns="91425" rIns="91425" bIns="91425" anchor="t" anchorCtr="0">
             <a:normAutofit/>
           </a:bodyPr>
           <a:lstStyle>
@@ -1694,15 +1750,19 @@
               <a:defRPr sz="2800"/>
             </a:lvl9pPr>
           </a:lstStyle>
-          <a:p/>
+          <a:p>
+            <a:endParaRPr/>
+          </a:p>
         </p:txBody>
       </p:sp>
       <p:sp>
         <p:nvSpPr>
           <p:cNvPr id="12" name="Google Shape;12;p2"/>
-          <p:cNvSpPr txBox="1"/>
+          <p:cNvSpPr txBox="1">
+            <a:spLocks noGrp="1"/>
+          </p:cNvSpPr>
           <p:nvPr>
-            <p:ph idx="12" type="sldNum"/>
+            <p:ph type="sldNum" idx="12"/>
           </p:nvPr>
         </p:nvSpPr>
         <p:spPr>
@@ -1715,7 +1775,7 @@
           </a:prstGeom>
         </p:spPr>
         <p:txBody>
-          <a:bodyPr anchorCtr="0" anchor="ctr" bIns="91425" lIns="91425" spcFirstLastPara="1" rIns="91425" wrap="square" tIns="91425">
+          <a:bodyPr spcFirstLastPara="1" wrap="square" lIns="91425" tIns="91425" rIns="91425" bIns="91425" anchor="ctr" anchorCtr="0">
             <a:normAutofit/>
           </a:bodyPr>
           <a:lstStyle>
@@ -1757,7 +1817,7 @@
             </a:lvl9pPr>
           </a:lstStyle>
           <a:p>
-            <a:pPr indent="0" lvl="0" marL="0" rtl="0" algn="r">
+            <a:pPr marL="0" lvl="0" indent="0" algn="r" rtl="0">
               <a:spcBef>
                 <a:spcPts val="0"/>
               </a:spcBef>
@@ -1783,11 +1843,11 @@
 </file>
 
 <file path=ppt/slideLayouts/slideLayout10.xml><?xml version="1.0" encoding="utf-8"?>
-<p:sldLayout xmlns:a="http://schemas.openxmlformats.org/drawingml/2006/main" xmlns:r="http://schemas.openxmlformats.org/officeDocument/2006/relationships" xmlns:mc="http://schemas.openxmlformats.org/markup-compatibility/2006" xmlns:mv="urn:schemas-microsoft-com:mac:vml" xmlns:p="http://schemas.openxmlformats.org/presentationml/2006/main" xmlns:c="http://schemas.openxmlformats.org/drawingml/2006/chart" xmlns:dgm="http://schemas.openxmlformats.org/drawingml/2006/diagram" xmlns:o="urn:schemas-microsoft-com:office:office" xmlns:v="urn:schemas-microsoft-com:vml" xmlns:pvml="urn:schemas-microsoft-com:office:powerpoint" xmlns:com="http://schemas.openxmlformats.org/drawingml/2006/compatibility" xmlns:p14="http://schemas.microsoft.com/office/powerpoint/2010/main" xmlns:p15="http://schemas.microsoft.com/office/powerpoint/2012/main" xmlns:ahyp="http://schemas.microsoft.com/office/drawing/2018/hyperlinkcolor" matchingName="Big number">
+<p:sldLayout xmlns:a="http://schemas.openxmlformats.org/drawingml/2006/main" xmlns:r="http://schemas.openxmlformats.org/officeDocument/2006/relationships" xmlns:p="http://schemas.openxmlformats.org/presentationml/2006/main" matchingName="Big number">
   <p:cSld name="BIG_NUMBER">
     <p:spTree>
       <p:nvGrpSpPr>
-        <p:cNvPr id="44" name="Shape 44"/>
+        <p:cNvPr id="1" name="Shape 44"/>
         <p:cNvGrpSpPr/>
         <p:nvPr/>
       </p:nvGrpSpPr>
@@ -1802,9 +1862,11 @@
       <p:sp>
         <p:nvSpPr>
           <p:cNvPr id="45" name="Google Shape;45;p11"/>
-          <p:cNvSpPr txBox="1"/>
+          <p:cNvSpPr txBox="1">
+            <a:spLocks noGrp="1"/>
+          </p:cNvSpPr>
           <p:nvPr>
-            <p:ph hasCustomPrompt="1" type="title"/>
+            <p:ph type="title" hasCustomPrompt="1"/>
           </p:nvPr>
         </p:nvSpPr>
         <p:spPr>
@@ -1817,7 +1879,7 @@
           </a:prstGeom>
         </p:spPr>
         <p:txBody>
-          <a:bodyPr anchorCtr="0" anchor="b" bIns="91425" lIns="91425" spcFirstLastPara="1" rIns="91425" wrap="square" tIns="91425">
+          <a:bodyPr spcFirstLastPara="1" wrap="square" lIns="91425" tIns="91425" rIns="91425" bIns="91425" anchor="b" anchorCtr="0">
             <a:normAutofit/>
           </a:bodyPr>
           <a:lstStyle>
@@ -1931,9 +1993,11 @@
       <p:sp>
         <p:nvSpPr>
           <p:cNvPr id="46" name="Google Shape;46;p11"/>
-          <p:cNvSpPr txBox="1"/>
+          <p:cNvSpPr txBox="1">
+            <a:spLocks noGrp="1"/>
+          </p:cNvSpPr>
           <p:nvPr>
-            <p:ph idx="1" type="body"/>
+            <p:ph type="body" idx="1"/>
           </p:nvPr>
         </p:nvSpPr>
         <p:spPr>
@@ -1946,11 +2010,11 @@
           </a:prstGeom>
         </p:spPr>
         <p:txBody>
-          <a:bodyPr anchorCtr="0" anchor="t" bIns="91425" lIns="91425" spcFirstLastPara="1" rIns="91425" wrap="square" tIns="91425">
+          <a:bodyPr spcFirstLastPara="1" wrap="square" lIns="91425" tIns="91425" rIns="91425" bIns="91425" anchor="t" anchorCtr="0">
             <a:normAutofit/>
           </a:bodyPr>
           <a:lstStyle>
-            <a:lvl1pPr indent="-342900" lvl="0" marL="457200" algn="ctr">
+            <a:lvl1pPr marL="457200" lvl="0" indent="-342900" algn="ctr">
               <a:spcBef>
                 <a:spcPts val="0"/>
               </a:spcBef>
@@ -1961,7 +2025,7 @@
               <a:buChar char="●"/>
               <a:defRPr/>
             </a:lvl1pPr>
-            <a:lvl2pPr indent="-317500" lvl="1" marL="914400" algn="ctr">
+            <a:lvl2pPr marL="914400" lvl="1" indent="-317500" algn="ctr">
               <a:spcBef>
                 <a:spcPts val="0"/>
               </a:spcBef>
@@ -1972,7 +2036,7 @@
               <a:buChar char="○"/>
               <a:defRPr/>
             </a:lvl2pPr>
-            <a:lvl3pPr indent="-317500" lvl="2" marL="1371600" algn="ctr">
+            <a:lvl3pPr marL="1371600" lvl="2" indent="-317500" algn="ctr">
               <a:spcBef>
                 <a:spcPts val="0"/>
               </a:spcBef>
@@ -1983,7 +2047,7 @@
               <a:buChar char="■"/>
               <a:defRPr/>
             </a:lvl3pPr>
-            <a:lvl4pPr indent="-317500" lvl="3" marL="1828800" algn="ctr">
+            <a:lvl4pPr marL="1828800" lvl="3" indent="-317500" algn="ctr">
               <a:spcBef>
                 <a:spcPts val="0"/>
               </a:spcBef>
@@ -1994,7 +2058,7 @@
               <a:buChar char="●"/>
               <a:defRPr/>
             </a:lvl4pPr>
-            <a:lvl5pPr indent="-317500" lvl="4" marL="2286000" algn="ctr">
+            <a:lvl5pPr marL="2286000" lvl="4" indent="-317500" algn="ctr">
               <a:spcBef>
                 <a:spcPts val="0"/>
               </a:spcBef>
@@ -2005,7 +2069,7 @@
               <a:buChar char="○"/>
               <a:defRPr/>
             </a:lvl5pPr>
-            <a:lvl6pPr indent="-317500" lvl="5" marL="2743200" algn="ctr">
+            <a:lvl6pPr marL="2743200" lvl="5" indent="-317500" algn="ctr">
               <a:spcBef>
                 <a:spcPts val="0"/>
               </a:spcBef>
@@ -2016,7 +2080,7 @@
               <a:buChar char="■"/>
               <a:defRPr/>
             </a:lvl6pPr>
-            <a:lvl7pPr indent="-317500" lvl="6" marL="3200400" algn="ctr">
+            <a:lvl7pPr marL="3200400" lvl="6" indent="-317500" algn="ctr">
               <a:spcBef>
                 <a:spcPts val="0"/>
               </a:spcBef>
@@ -2027,7 +2091,7 @@
               <a:buChar char="●"/>
               <a:defRPr/>
             </a:lvl7pPr>
-            <a:lvl8pPr indent="-317500" lvl="7" marL="3657600" algn="ctr">
+            <a:lvl8pPr marL="3657600" lvl="7" indent="-317500" algn="ctr">
               <a:spcBef>
                 <a:spcPts val="0"/>
               </a:spcBef>
@@ -2038,7 +2102,7 @@
               <a:buChar char="○"/>
               <a:defRPr/>
             </a:lvl8pPr>
-            <a:lvl9pPr indent="-317500" lvl="8" marL="4114800" algn="ctr">
+            <a:lvl9pPr marL="4114800" lvl="8" indent="-317500" algn="ctr">
               <a:spcBef>
                 <a:spcPts val="0"/>
               </a:spcBef>
@@ -2050,15 +2114,19 @@
               <a:defRPr/>
             </a:lvl9pPr>
           </a:lstStyle>
-          <a:p/>
+          <a:p>
+            <a:endParaRPr/>
+          </a:p>
         </p:txBody>
       </p:sp>
       <p:sp>
         <p:nvSpPr>
           <p:cNvPr id="47" name="Google Shape;47;p11"/>
-          <p:cNvSpPr txBox="1"/>
+          <p:cNvSpPr txBox="1">
+            <a:spLocks noGrp="1"/>
+          </p:cNvSpPr>
           <p:nvPr>
-            <p:ph idx="12" type="sldNum"/>
+            <p:ph type="sldNum" idx="12"/>
           </p:nvPr>
         </p:nvSpPr>
         <p:spPr>
@@ -2071,7 +2139,7 @@
           </a:prstGeom>
         </p:spPr>
         <p:txBody>
-          <a:bodyPr anchorCtr="0" anchor="ctr" bIns="91425" lIns="91425" spcFirstLastPara="1" rIns="91425" wrap="square" tIns="91425">
+          <a:bodyPr spcFirstLastPara="1" wrap="square" lIns="91425" tIns="91425" rIns="91425" bIns="91425" anchor="ctr" anchorCtr="0">
             <a:normAutofit/>
           </a:bodyPr>
           <a:lstStyle>
@@ -2113,7 +2181,7 @@
             </a:lvl9pPr>
           </a:lstStyle>
           <a:p>
-            <a:pPr indent="0" lvl="0" marL="0" rtl="0" algn="r">
+            <a:pPr marL="0" lvl="0" indent="0" algn="r" rtl="0">
               <a:spcBef>
                 <a:spcPts val="0"/>
               </a:spcBef>
@@ -2139,11 +2207,11 @@
 </file>
 
 <file path=ppt/slideLayouts/slideLayout11.xml><?xml version="1.0" encoding="utf-8"?>
-<p:sldLayout xmlns:a="http://schemas.openxmlformats.org/drawingml/2006/main" xmlns:r="http://schemas.openxmlformats.org/officeDocument/2006/relationships" xmlns:mc="http://schemas.openxmlformats.org/markup-compatibility/2006" xmlns:mv="urn:schemas-microsoft-com:mac:vml" xmlns:p="http://schemas.openxmlformats.org/presentationml/2006/main" xmlns:c="http://schemas.openxmlformats.org/drawingml/2006/chart" xmlns:dgm="http://schemas.openxmlformats.org/drawingml/2006/diagram" xmlns:o="urn:schemas-microsoft-com:office:office" xmlns:v="urn:schemas-microsoft-com:vml" xmlns:pvml="urn:schemas-microsoft-com:office:powerpoint" xmlns:com="http://schemas.openxmlformats.org/drawingml/2006/compatibility" xmlns:p14="http://schemas.microsoft.com/office/powerpoint/2010/main" xmlns:p15="http://schemas.microsoft.com/office/powerpoint/2012/main" xmlns:ahyp="http://schemas.microsoft.com/office/drawing/2018/hyperlinkcolor" matchingName="Blank" type="blank">
+<p:sldLayout xmlns:a="http://schemas.openxmlformats.org/drawingml/2006/main" xmlns:r="http://schemas.openxmlformats.org/officeDocument/2006/relationships" xmlns:p="http://schemas.openxmlformats.org/presentationml/2006/main" matchingName="Blank" type="blank">
   <p:cSld name="BLANK">
     <p:spTree>
       <p:nvGrpSpPr>
-        <p:cNvPr id="48" name="Shape 48"/>
+        <p:cNvPr id="1" name="Shape 48"/>
         <p:cNvGrpSpPr/>
         <p:nvPr/>
       </p:nvGrpSpPr>
@@ -2158,9 +2226,11 @@
       <p:sp>
         <p:nvSpPr>
           <p:cNvPr id="49" name="Google Shape;49;p12"/>
-          <p:cNvSpPr txBox="1"/>
+          <p:cNvSpPr txBox="1">
+            <a:spLocks noGrp="1"/>
+          </p:cNvSpPr>
           <p:nvPr>
-            <p:ph idx="12" type="sldNum"/>
+            <p:ph type="sldNum" idx="12"/>
           </p:nvPr>
         </p:nvSpPr>
         <p:spPr>
@@ -2173,7 +2243,7 @@
           </a:prstGeom>
         </p:spPr>
         <p:txBody>
-          <a:bodyPr anchorCtr="0" anchor="ctr" bIns="91425" lIns="91425" spcFirstLastPara="1" rIns="91425" wrap="square" tIns="91425">
+          <a:bodyPr spcFirstLastPara="1" wrap="square" lIns="91425" tIns="91425" rIns="91425" bIns="91425" anchor="ctr" anchorCtr="0">
             <a:normAutofit/>
           </a:bodyPr>
           <a:lstStyle>
@@ -2215,7 +2285,7 @@
             </a:lvl9pPr>
           </a:lstStyle>
           <a:p>
-            <a:pPr indent="0" lvl="0" marL="0" rtl="0" algn="r">
+            <a:pPr marL="0" lvl="0" indent="0" algn="r" rtl="0">
               <a:spcBef>
                 <a:spcPts val="0"/>
               </a:spcBef>
@@ -2241,11 +2311,11 @@
 </file>
 
 <file path=ppt/slideLayouts/slideLayout2.xml><?xml version="1.0" encoding="utf-8"?>
-<p:sldLayout xmlns:a="http://schemas.openxmlformats.org/drawingml/2006/main" xmlns:r="http://schemas.openxmlformats.org/officeDocument/2006/relationships" xmlns:mc="http://schemas.openxmlformats.org/markup-compatibility/2006" xmlns:mv="urn:schemas-microsoft-com:mac:vml" xmlns:p="http://schemas.openxmlformats.org/presentationml/2006/main" xmlns:c="http://schemas.openxmlformats.org/drawingml/2006/chart" xmlns:dgm="http://schemas.openxmlformats.org/drawingml/2006/diagram" xmlns:o="urn:schemas-microsoft-com:office:office" xmlns:v="urn:schemas-microsoft-com:vml" xmlns:pvml="urn:schemas-microsoft-com:office:powerpoint" xmlns:com="http://schemas.openxmlformats.org/drawingml/2006/compatibility" xmlns:p14="http://schemas.microsoft.com/office/powerpoint/2010/main" xmlns:p15="http://schemas.microsoft.com/office/powerpoint/2012/main" xmlns:ahyp="http://schemas.microsoft.com/office/drawing/2018/hyperlinkcolor" matchingName="Section header" type="secHead">
+<p:sldLayout xmlns:a="http://schemas.openxmlformats.org/drawingml/2006/main" xmlns:r="http://schemas.openxmlformats.org/officeDocument/2006/relationships" xmlns:p="http://schemas.openxmlformats.org/presentationml/2006/main" matchingName="Section header" type="secHead">
   <p:cSld name="SECTION_HEADER">
     <p:spTree>
       <p:nvGrpSpPr>
-        <p:cNvPr id="13" name="Shape 13"/>
+        <p:cNvPr id="1" name="Shape 13"/>
         <p:cNvGrpSpPr/>
         <p:nvPr/>
       </p:nvGrpSpPr>
@@ -2260,7 +2330,9 @@
       <p:sp>
         <p:nvSpPr>
           <p:cNvPr id="14" name="Google Shape;14;p3"/>
-          <p:cNvSpPr txBox="1"/>
+          <p:cNvSpPr txBox="1">
+            <a:spLocks noGrp="1"/>
+          </p:cNvSpPr>
           <p:nvPr>
             <p:ph type="title"/>
           </p:nvPr>
@@ -2275,7 +2347,7 @@
           </a:prstGeom>
         </p:spPr>
         <p:txBody>
-          <a:bodyPr anchorCtr="0" anchor="ctr" bIns="91425" lIns="91425" spcFirstLastPara="1" rIns="91425" wrap="square" tIns="91425">
+          <a:bodyPr spcFirstLastPara="1" wrap="square" lIns="91425" tIns="91425" rIns="91425" bIns="91425" anchor="ctr" anchorCtr="0">
             <a:normAutofit/>
           </a:bodyPr>
           <a:lstStyle>
@@ -2379,15 +2451,19 @@
               <a:defRPr sz="3600"/>
             </a:lvl9pPr>
           </a:lstStyle>
-          <a:p/>
+          <a:p>
+            <a:endParaRPr/>
+          </a:p>
         </p:txBody>
       </p:sp>
       <p:sp>
         <p:nvSpPr>
           <p:cNvPr id="15" name="Google Shape;15;p3"/>
-          <p:cNvSpPr txBox="1"/>
+          <p:cNvSpPr txBox="1">
+            <a:spLocks noGrp="1"/>
+          </p:cNvSpPr>
           <p:nvPr>
-            <p:ph idx="12" type="sldNum"/>
+            <p:ph type="sldNum" idx="12"/>
           </p:nvPr>
         </p:nvSpPr>
         <p:spPr>
@@ -2400,7 +2476,7 @@
           </a:prstGeom>
         </p:spPr>
         <p:txBody>
-          <a:bodyPr anchorCtr="0" anchor="ctr" bIns="91425" lIns="91425" spcFirstLastPara="1" rIns="91425" wrap="square" tIns="91425">
+          <a:bodyPr spcFirstLastPara="1" wrap="square" lIns="91425" tIns="91425" rIns="91425" bIns="91425" anchor="ctr" anchorCtr="0">
             <a:normAutofit/>
           </a:bodyPr>
           <a:lstStyle>
@@ -2442,7 +2518,7 @@
             </a:lvl9pPr>
           </a:lstStyle>
           <a:p>
-            <a:pPr indent="0" lvl="0" marL="0" rtl="0" algn="r">
+            <a:pPr marL="0" lvl="0" indent="0" algn="r" rtl="0">
               <a:spcBef>
                 <a:spcPts val="0"/>
               </a:spcBef>
@@ -2468,11 +2544,11 @@
 </file>
 
 <file path=ppt/slideLayouts/slideLayout3.xml><?xml version="1.0" encoding="utf-8"?>
-<p:sldLayout xmlns:a="http://schemas.openxmlformats.org/drawingml/2006/main" xmlns:r="http://schemas.openxmlformats.org/officeDocument/2006/relationships" xmlns:mc="http://schemas.openxmlformats.org/markup-compatibility/2006" xmlns:mv="urn:schemas-microsoft-com:mac:vml" xmlns:p="http://schemas.openxmlformats.org/presentationml/2006/main" xmlns:c="http://schemas.openxmlformats.org/drawingml/2006/chart" xmlns:dgm="http://schemas.openxmlformats.org/drawingml/2006/diagram" xmlns:o="urn:schemas-microsoft-com:office:office" xmlns:v="urn:schemas-microsoft-com:vml" xmlns:pvml="urn:schemas-microsoft-com:office:powerpoint" xmlns:com="http://schemas.openxmlformats.org/drawingml/2006/compatibility" xmlns:p14="http://schemas.microsoft.com/office/powerpoint/2010/main" xmlns:p15="http://schemas.microsoft.com/office/powerpoint/2012/main" xmlns:ahyp="http://schemas.microsoft.com/office/drawing/2018/hyperlinkcolor" matchingName="Title and body" type="tx">
+<p:sldLayout xmlns:a="http://schemas.openxmlformats.org/drawingml/2006/main" xmlns:r="http://schemas.openxmlformats.org/officeDocument/2006/relationships" xmlns:p="http://schemas.openxmlformats.org/presentationml/2006/main" matchingName="Title and body" type="tx">
   <p:cSld name="TITLE_AND_BODY">
     <p:spTree>
       <p:nvGrpSpPr>
-        <p:cNvPr id="16" name="Shape 16"/>
+        <p:cNvPr id="1" name="Shape 16"/>
         <p:cNvGrpSpPr/>
         <p:nvPr/>
       </p:nvGrpSpPr>
@@ -2487,7 +2563,9 @@
       <p:sp>
         <p:nvSpPr>
           <p:cNvPr id="17" name="Google Shape;17;p4"/>
-          <p:cNvSpPr txBox="1"/>
+          <p:cNvSpPr txBox="1">
+            <a:spLocks noGrp="1"/>
+          </p:cNvSpPr>
           <p:nvPr>
             <p:ph type="title"/>
           </p:nvPr>
@@ -2502,7 +2580,7 @@
           </a:prstGeom>
         </p:spPr>
         <p:txBody>
-          <a:bodyPr anchorCtr="0" anchor="t" bIns="91425" lIns="91425" spcFirstLastPara="1" rIns="91425" wrap="square" tIns="91425">
+          <a:bodyPr spcFirstLastPara="1" wrap="square" lIns="91425" tIns="91425" rIns="91425" bIns="91425" anchor="t" anchorCtr="0">
             <a:normAutofit/>
           </a:bodyPr>
           <a:lstStyle>
@@ -2606,15 +2684,19 @@
               <a:defRPr/>
             </a:lvl9pPr>
           </a:lstStyle>
-          <a:p/>
+          <a:p>
+            <a:endParaRPr/>
+          </a:p>
         </p:txBody>
       </p:sp>
       <p:sp>
         <p:nvSpPr>
           <p:cNvPr id="18" name="Google Shape;18;p4"/>
-          <p:cNvSpPr txBox="1"/>
+          <p:cNvSpPr txBox="1">
+            <a:spLocks noGrp="1"/>
+          </p:cNvSpPr>
           <p:nvPr>
-            <p:ph idx="1" type="body"/>
+            <p:ph type="body" idx="1"/>
           </p:nvPr>
         </p:nvSpPr>
         <p:spPr>
@@ -2627,11 +2709,11 @@
           </a:prstGeom>
         </p:spPr>
         <p:txBody>
-          <a:bodyPr anchorCtr="0" anchor="t" bIns="91425" lIns="91425" spcFirstLastPara="1" rIns="91425" wrap="square" tIns="91425">
+          <a:bodyPr spcFirstLastPara="1" wrap="square" lIns="91425" tIns="91425" rIns="91425" bIns="91425" anchor="t" anchorCtr="0">
             <a:normAutofit/>
           </a:bodyPr>
           <a:lstStyle>
-            <a:lvl1pPr indent="-342900" lvl="0" marL="457200">
+            <a:lvl1pPr marL="457200" lvl="0" indent="-342900">
               <a:spcBef>
                 <a:spcPts val="0"/>
               </a:spcBef>
@@ -2642,7 +2724,7 @@
               <a:buChar char="●"/>
               <a:defRPr/>
             </a:lvl1pPr>
-            <a:lvl2pPr indent="-317500" lvl="1" marL="914400">
+            <a:lvl2pPr marL="914400" lvl="1" indent="-317500">
               <a:spcBef>
                 <a:spcPts val="0"/>
               </a:spcBef>
@@ -2653,7 +2735,7 @@
               <a:buChar char="○"/>
               <a:defRPr/>
             </a:lvl2pPr>
-            <a:lvl3pPr indent="-317500" lvl="2" marL="1371600">
+            <a:lvl3pPr marL="1371600" lvl="2" indent="-317500">
               <a:spcBef>
                 <a:spcPts val="0"/>
               </a:spcBef>
@@ -2664,7 +2746,7 @@
               <a:buChar char="■"/>
               <a:defRPr/>
             </a:lvl3pPr>
-            <a:lvl4pPr indent="-317500" lvl="3" marL="1828800">
+            <a:lvl4pPr marL="1828800" lvl="3" indent="-317500">
               <a:spcBef>
                 <a:spcPts val="0"/>
               </a:spcBef>
@@ -2675,7 +2757,7 @@
               <a:buChar char="●"/>
               <a:defRPr/>
             </a:lvl4pPr>
-            <a:lvl5pPr indent="-317500" lvl="4" marL="2286000">
+            <a:lvl5pPr marL="2286000" lvl="4" indent="-317500">
               <a:spcBef>
                 <a:spcPts val="0"/>
               </a:spcBef>
@@ -2686,7 +2768,7 @@
               <a:buChar char="○"/>
               <a:defRPr/>
             </a:lvl5pPr>
-            <a:lvl6pPr indent="-317500" lvl="5" marL="2743200">
+            <a:lvl6pPr marL="2743200" lvl="5" indent="-317500">
               <a:spcBef>
                 <a:spcPts val="0"/>
               </a:spcBef>
@@ -2697,7 +2779,7 @@
               <a:buChar char="■"/>
               <a:defRPr/>
             </a:lvl6pPr>
-            <a:lvl7pPr indent="-317500" lvl="6" marL="3200400">
+            <a:lvl7pPr marL="3200400" lvl="6" indent="-317500">
               <a:spcBef>
                 <a:spcPts val="0"/>
               </a:spcBef>
@@ -2708,7 +2790,7 @@
               <a:buChar char="●"/>
               <a:defRPr/>
             </a:lvl7pPr>
-            <a:lvl8pPr indent="-317500" lvl="7" marL="3657600">
+            <a:lvl8pPr marL="3657600" lvl="7" indent="-317500">
               <a:spcBef>
                 <a:spcPts val="0"/>
               </a:spcBef>
@@ -2719,7 +2801,7 @@
               <a:buChar char="○"/>
               <a:defRPr/>
             </a:lvl8pPr>
-            <a:lvl9pPr indent="-317500" lvl="8" marL="4114800">
+            <a:lvl9pPr marL="4114800" lvl="8" indent="-317500">
               <a:spcBef>
                 <a:spcPts val="0"/>
               </a:spcBef>
@@ -2731,15 +2813,19 @@
               <a:defRPr/>
             </a:lvl9pPr>
           </a:lstStyle>
-          <a:p/>
+          <a:p>
+            <a:endParaRPr/>
+          </a:p>
         </p:txBody>
       </p:sp>
       <p:sp>
         <p:nvSpPr>
           <p:cNvPr id="19" name="Google Shape;19;p4"/>
-          <p:cNvSpPr txBox="1"/>
+          <p:cNvSpPr txBox="1">
+            <a:spLocks noGrp="1"/>
+          </p:cNvSpPr>
           <p:nvPr>
-            <p:ph idx="12" type="sldNum"/>
+            <p:ph type="sldNum" idx="12"/>
           </p:nvPr>
         </p:nvSpPr>
         <p:spPr>
@@ -2752,7 +2838,7 @@
           </a:prstGeom>
         </p:spPr>
         <p:txBody>
-          <a:bodyPr anchorCtr="0" anchor="ctr" bIns="91425" lIns="91425" spcFirstLastPara="1" rIns="91425" wrap="square" tIns="91425">
+          <a:bodyPr spcFirstLastPara="1" wrap="square" lIns="91425" tIns="91425" rIns="91425" bIns="91425" anchor="ctr" anchorCtr="0">
             <a:normAutofit/>
           </a:bodyPr>
           <a:lstStyle>
@@ -2794,7 +2880,7 @@
             </a:lvl9pPr>
           </a:lstStyle>
           <a:p>
-            <a:pPr indent="0" lvl="0" marL="0" rtl="0" algn="r">
+            <a:pPr marL="0" lvl="0" indent="0" algn="r" rtl="0">
               <a:spcBef>
                 <a:spcPts val="0"/>
               </a:spcBef>
@@ -2820,11 +2906,11 @@
 </file>
 
 <file path=ppt/slideLayouts/slideLayout4.xml><?xml version="1.0" encoding="utf-8"?>
-<p:sldLayout xmlns:a="http://schemas.openxmlformats.org/drawingml/2006/main" xmlns:r="http://schemas.openxmlformats.org/officeDocument/2006/relationships" xmlns:mc="http://schemas.openxmlformats.org/markup-compatibility/2006" xmlns:mv="urn:schemas-microsoft-com:mac:vml" xmlns:p="http://schemas.openxmlformats.org/presentationml/2006/main" xmlns:c="http://schemas.openxmlformats.org/drawingml/2006/chart" xmlns:dgm="http://schemas.openxmlformats.org/drawingml/2006/diagram" xmlns:o="urn:schemas-microsoft-com:office:office" xmlns:v="urn:schemas-microsoft-com:vml" xmlns:pvml="urn:schemas-microsoft-com:office:powerpoint" xmlns:com="http://schemas.openxmlformats.org/drawingml/2006/compatibility" xmlns:p14="http://schemas.microsoft.com/office/powerpoint/2010/main" xmlns:p15="http://schemas.microsoft.com/office/powerpoint/2012/main" xmlns:ahyp="http://schemas.microsoft.com/office/drawing/2018/hyperlinkcolor" matchingName="Title and two columns" type="twoColTx">
+<p:sldLayout xmlns:a="http://schemas.openxmlformats.org/drawingml/2006/main" xmlns:r="http://schemas.openxmlformats.org/officeDocument/2006/relationships" xmlns:p="http://schemas.openxmlformats.org/presentationml/2006/main" matchingName="Title and two columns" type="twoColTx">
   <p:cSld name="TITLE_AND_TWO_COLUMNS">
     <p:spTree>
       <p:nvGrpSpPr>
-        <p:cNvPr id="20" name="Shape 20"/>
+        <p:cNvPr id="1" name="Shape 20"/>
         <p:cNvGrpSpPr/>
         <p:nvPr/>
       </p:nvGrpSpPr>
@@ -2839,7 +2925,9 @@
       <p:sp>
         <p:nvSpPr>
           <p:cNvPr id="21" name="Google Shape;21;p5"/>
-          <p:cNvSpPr txBox="1"/>
+          <p:cNvSpPr txBox="1">
+            <a:spLocks noGrp="1"/>
+          </p:cNvSpPr>
           <p:nvPr>
             <p:ph type="title"/>
           </p:nvPr>
@@ -2854,7 +2942,7 @@
           </a:prstGeom>
         </p:spPr>
         <p:txBody>
-          <a:bodyPr anchorCtr="0" anchor="t" bIns="91425" lIns="91425" spcFirstLastPara="1" rIns="91425" wrap="square" tIns="91425">
+          <a:bodyPr spcFirstLastPara="1" wrap="square" lIns="91425" tIns="91425" rIns="91425" bIns="91425" anchor="t" anchorCtr="0">
             <a:normAutofit/>
           </a:bodyPr>
           <a:lstStyle>
@@ -2958,15 +3046,19 @@
               <a:defRPr/>
             </a:lvl9pPr>
           </a:lstStyle>
-          <a:p/>
+          <a:p>
+            <a:endParaRPr/>
+          </a:p>
         </p:txBody>
       </p:sp>
       <p:sp>
         <p:nvSpPr>
           <p:cNvPr id="22" name="Google Shape;22;p5"/>
-          <p:cNvSpPr txBox="1"/>
+          <p:cNvSpPr txBox="1">
+            <a:spLocks noGrp="1"/>
+          </p:cNvSpPr>
           <p:nvPr>
-            <p:ph idx="1" type="body"/>
+            <p:ph type="body" idx="1"/>
           </p:nvPr>
         </p:nvSpPr>
         <p:spPr>
@@ -2979,11 +3071,11 @@
           </a:prstGeom>
         </p:spPr>
         <p:txBody>
-          <a:bodyPr anchorCtr="0" anchor="t" bIns="91425" lIns="91425" spcFirstLastPara="1" rIns="91425" wrap="square" tIns="91425">
+          <a:bodyPr spcFirstLastPara="1" wrap="square" lIns="91425" tIns="91425" rIns="91425" bIns="91425" anchor="t" anchorCtr="0">
             <a:normAutofit/>
           </a:bodyPr>
           <a:lstStyle>
-            <a:lvl1pPr indent="-317500" lvl="0" marL="457200">
+            <a:lvl1pPr marL="457200" lvl="0" indent="-317500">
               <a:spcBef>
                 <a:spcPts val="0"/>
               </a:spcBef>
@@ -2994,7 +3086,7 @@
               <a:buChar char="●"/>
               <a:defRPr sz="1400"/>
             </a:lvl1pPr>
-            <a:lvl2pPr indent="-304800" lvl="1" marL="914400">
+            <a:lvl2pPr marL="914400" lvl="1" indent="-304800">
               <a:spcBef>
                 <a:spcPts val="0"/>
               </a:spcBef>
@@ -3005,7 +3097,7 @@
               <a:buChar char="○"/>
               <a:defRPr sz="1200"/>
             </a:lvl2pPr>
-            <a:lvl3pPr indent="-304800" lvl="2" marL="1371600">
+            <a:lvl3pPr marL="1371600" lvl="2" indent="-304800">
               <a:spcBef>
                 <a:spcPts val="0"/>
               </a:spcBef>
@@ -3016,7 +3108,7 @@
               <a:buChar char="■"/>
               <a:defRPr sz="1200"/>
             </a:lvl3pPr>
-            <a:lvl4pPr indent="-304800" lvl="3" marL="1828800">
+            <a:lvl4pPr marL="1828800" lvl="3" indent="-304800">
               <a:spcBef>
                 <a:spcPts val="0"/>
               </a:spcBef>
@@ -3027,7 +3119,7 @@
               <a:buChar char="●"/>
               <a:defRPr sz="1200"/>
             </a:lvl4pPr>
-            <a:lvl5pPr indent="-304800" lvl="4" marL="2286000">
+            <a:lvl5pPr marL="2286000" lvl="4" indent="-304800">
               <a:spcBef>
                 <a:spcPts val="0"/>
               </a:spcBef>
@@ -3038,7 +3130,7 @@
               <a:buChar char="○"/>
               <a:defRPr sz="1200"/>
             </a:lvl5pPr>
-            <a:lvl6pPr indent="-304800" lvl="5" marL="2743200">
+            <a:lvl6pPr marL="2743200" lvl="5" indent="-304800">
               <a:spcBef>
                 <a:spcPts val="0"/>
               </a:spcBef>
@@ -3049,7 +3141,7 @@
               <a:buChar char="■"/>
               <a:defRPr sz="1200"/>
             </a:lvl6pPr>
-            <a:lvl7pPr indent="-304800" lvl="6" marL="3200400">
+            <a:lvl7pPr marL="3200400" lvl="6" indent="-304800">
               <a:spcBef>
                 <a:spcPts val="0"/>
               </a:spcBef>
@@ -3060,7 +3152,7 @@
               <a:buChar char="●"/>
               <a:defRPr sz="1200"/>
             </a:lvl7pPr>
-            <a:lvl8pPr indent="-304800" lvl="7" marL="3657600">
+            <a:lvl8pPr marL="3657600" lvl="7" indent="-304800">
               <a:spcBef>
                 <a:spcPts val="0"/>
               </a:spcBef>
@@ -3071,7 +3163,7 @@
               <a:buChar char="○"/>
               <a:defRPr sz="1200"/>
             </a:lvl8pPr>
-            <a:lvl9pPr indent="-304800" lvl="8" marL="4114800">
+            <a:lvl9pPr marL="4114800" lvl="8" indent="-304800">
               <a:spcBef>
                 <a:spcPts val="0"/>
               </a:spcBef>
@@ -3083,15 +3175,19 @@
               <a:defRPr sz="1200"/>
             </a:lvl9pPr>
           </a:lstStyle>
-          <a:p/>
+          <a:p>
+            <a:endParaRPr/>
+          </a:p>
         </p:txBody>
       </p:sp>
       <p:sp>
         <p:nvSpPr>
           <p:cNvPr id="23" name="Google Shape;23;p5"/>
-          <p:cNvSpPr txBox="1"/>
+          <p:cNvSpPr txBox="1">
+            <a:spLocks noGrp="1"/>
+          </p:cNvSpPr>
           <p:nvPr>
-            <p:ph idx="2" type="body"/>
+            <p:ph type="body" idx="2"/>
           </p:nvPr>
         </p:nvSpPr>
         <p:spPr>
@@ -3104,11 +3200,11 @@
           </a:prstGeom>
         </p:spPr>
         <p:txBody>
-          <a:bodyPr anchorCtr="0" anchor="t" bIns="91425" lIns="91425" spcFirstLastPara="1" rIns="91425" wrap="square" tIns="91425">
+          <a:bodyPr spcFirstLastPara="1" wrap="square" lIns="91425" tIns="91425" rIns="91425" bIns="91425" anchor="t" anchorCtr="0">
             <a:normAutofit/>
           </a:bodyPr>
           <a:lstStyle>
-            <a:lvl1pPr indent="-317500" lvl="0" marL="457200">
+            <a:lvl1pPr marL="457200" lvl="0" indent="-317500">
               <a:spcBef>
                 <a:spcPts val="0"/>
               </a:spcBef>
@@ -3119,7 +3215,7 @@
               <a:buChar char="●"/>
               <a:defRPr sz="1400"/>
             </a:lvl1pPr>
-            <a:lvl2pPr indent="-304800" lvl="1" marL="914400">
+            <a:lvl2pPr marL="914400" lvl="1" indent="-304800">
               <a:spcBef>
                 <a:spcPts val="0"/>
               </a:spcBef>
@@ -3130,7 +3226,7 @@
               <a:buChar char="○"/>
               <a:defRPr sz="1200"/>
             </a:lvl2pPr>
-            <a:lvl3pPr indent="-304800" lvl="2" marL="1371600">
+            <a:lvl3pPr marL="1371600" lvl="2" indent="-304800">
               <a:spcBef>
                 <a:spcPts val="0"/>
               </a:spcBef>
@@ -3141,7 +3237,7 @@
               <a:buChar char="■"/>
               <a:defRPr sz="1200"/>
             </a:lvl3pPr>
-            <a:lvl4pPr indent="-304800" lvl="3" marL="1828800">
+            <a:lvl4pPr marL="1828800" lvl="3" indent="-304800">
               <a:spcBef>
                 <a:spcPts val="0"/>
               </a:spcBef>
@@ -3152,7 +3248,7 @@
               <a:buChar char="●"/>
               <a:defRPr sz="1200"/>
             </a:lvl4pPr>
-            <a:lvl5pPr indent="-304800" lvl="4" marL="2286000">
+            <a:lvl5pPr marL="2286000" lvl="4" indent="-304800">
               <a:spcBef>
                 <a:spcPts val="0"/>
               </a:spcBef>
@@ -3163,7 +3259,7 @@
               <a:buChar char="○"/>
               <a:defRPr sz="1200"/>
             </a:lvl5pPr>
-            <a:lvl6pPr indent="-304800" lvl="5" marL="2743200">
+            <a:lvl6pPr marL="2743200" lvl="5" indent="-304800">
               <a:spcBef>
                 <a:spcPts val="0"/>
               </a:spcBef>
@@ -3174,7 +3270,7 @@
               <a:buChar char="■"/>
               <a:defRPr sz="1200"/>
             </a:lvl6pPr>
-            <a:lvl7pPr indent="-304800" lvl="6" marL="3200400">
+            <a:lvl7pPr marL="3200400" lvl="6" indent="-304800">
               <a:spcBef>
                 <a:spcPts val="0"/>
               </a:spcBef>
@@ -3185,7 +3281,7 @@
               <a:buChar char="●"/>
               <a:defRPr sz="1200"/>
             </a:lvl7pPr>
-            <a:lvl8pPr indent="-304800" lvl="7" marL="3657600">
+            <a:lvl8pPr marL="3657600" lvl="7" indent="-304800">
               <a:spcBef>
                 <a:spcPts val="0"/>
               </a:spcBef>
@@ -3196,7 +3292,7 @@
               <a:buChar char="○"/>
               <a:defRPr sz="1200"/>
             </a:lvl8pPr>
-            <a:lvl9pPr indent="-304800" lvl="8" marL="4114800">
+            <a:lvl9pPr marL="4114800" lvl="8" indent="-304800">
               <a:spcBef>
                 <a:spcPts val="0"/>
               </a:spcBef>
@@ -3208,15 +3304,19 @@
               <a:defRPr sz="1200"/>
             </a:lvl9pPr>
           </a:lstStyle>
-          <a:p/>
+          <a:p>
+            <a:endParaRPr/>
+          </a:p>
         </p:txBody>
       </p:sp>
       <p:sp>
         <p:nvSpPr>
           <p:cNvPr id="24" name="Google Shape;24;p5"/>
-          <p:cNvSpPr txBox="1"/>
+          <p:cNvSpPr txBox="1">
+            <a:spLocks noGrp="1"/>
+          </p:cNvSpPr>
           <p:nvPr>
-            <p:ph idx="12" type="sldNum"/>
+            <p:ph type="sldNum" idx="12"/>
           </p:nvPr>
         </p:nvSpPr>
         <p:spPr>
@@ -3229,7 +3329,7 @@
           </a:prstGeom>
         </p:spPr>
         <p:txBody>
-          <a:bodyPr anchorCtr="0" anchor="ctr" bIns="91425" lIns="91425" spcFirstLastPara="1" rIns="91425" wrap="square" tIns="91425">
+          <a:bodyPr spcFirstLastPara="1" wrap="square" lIns="91425" tIns="91425" rIns="91425" bIns="91425" anchor="ctr" anchorCtr="0">
             <a:normAutofit/>
           </a:bodyPr>
           <a:lstStyle>
@@ -3271,7 +3371,7 @@
             </a:lvl9pPr>
           </a:lstStyle>
           <a:p>
-            <a:pPr indent="0" lvl="0" marL="0" rtl="0" algn="r">
+            <a:pPr marL="0" lvl="0" indent="0" algn="r" rtl="0">
               <a:spcBef>
                 <a:spcPts val="0"/>
               </a:spcBef>
@@ -3297,11 +3397,11 @@
 </file>
 
 <file path=ppt/slideLayouts/slideLayout5.xml><?xml version="1.0" encoding="utf-8"?>
-<p:sldLayout xmlns:a="http://schemas.openxmlformats.org/drawingml/2006/main" xmlns:r="http://schemas.openxmlformats.org/officeDocument/2006/relationships" xmlns:mc="http://schemas.openxmlformats.org/markup-compatibility/2006" xmlns:mv="urn:schemas-microsoft-com:mac:vml" xmlns:p="http://schemas.openxmlformats.org/presentationml/2006/main" xmlns:c="http://schemas.openxmlformats.org/drawingml/2006/chart" xmlns:dgm="http://schemas.openxmlformats.org/drawingml/2006/diagram" xmlns:o="urn:schemas-microsoft-com:office:office" xmlns:v="urn:schemas-microsoft-com:vml" xmlns:pvml="urn:schemas-microsoft-com:office:powerpoint" xmlns:com="http://schemas.openxmlformats.org/drawingml/2006/compatibility" xmlns:p14="http://schemas.microsoft.com/office/powerpoint/2010/main" xmlns:p15="http://schemas.microsoft.com/office/powerpoint/2012/main" xmlns:ahyp="http://schemas.microsoft.com/office/drawing/2018/hyperlinkcolor" matchingName="Title only" type="titleOnly">
+<p:sldLayout xmlns:a="http://schemas.openxmlformats.org/drawingml/2006/main" xmlns:r="http://schemas.openxmlformats.org/officeDocument/2006/relationships" xmlns:p="http://schemas.openxmlformats.org/presentationml/2006/main" matchingName="Title only" type="titleOnly">
   <p:cSld name="TITLE_ONLY">
     <p:spTree>
       <p:nvGrpSpPr>
-        <p:cNvPr id="25" name="Shape 25"/>
+        <p:cNvPr id="1" name="Shape 25"/>
         <p:cNvGrpSpPr/>
         <p:nvPr/>
       </p:nvGrpSpPr>
@@ -3316,7 +3416,9 @@
       <p:sp>
         <p:nvSpPr>
           <p:cNvPr id="26" name="Google Shape;26;p6"/>
-          <p:cNvSpPr txBox="1"/>
+          <p:cNvSpPr txBox="1">
+            <a:spLocks noGrp="1"/>
+          </p:cNvSpPr>
           <p:nvPr>
             <p:ph type="title"/>
           </p:nvPr>
@@ -3331,7 +3433,7 @@
           </a:prstGeom>
         </p:spPr>
         <p:txBody>
-          <a:bodyPr anchorCtr="0" anchor="t" bIns="91425" lIns="91425" spcFirstLastPara="1" rIns="91425" wrap="square" tIns="91425">
+          <a:bodyPr spcFirstLastPara="1" wrap="square" lIns="91425" tIns="91425" rIns="91425" bIns="91425" anchor="t" anchorCtr="0">
             <a:normAutofit/>
           </a:bodyPr>
           <a:lstStyle>
@@ -3435,15 +3537,19 @@
               <a:defRPr/>
             </a:lvl9pPr>
           </a:lstStyle>
-          <a:p/>
+          <a:p>
+            <a:endParaRPr/>
+          </a:p>
         </p:txBody>
       </p:sp>
       <p:sp>
         <p:nvSpPr>
           <p:cNvPr id="27" name="Google Shape;27;p6"/>
-          <p:cNvSpPr txBox="1"/>
+          <p:cNvSpPr txBox="1">
+            <a:spLocks noGrp="1"/>
+          </p:cNvSpPr>
           <p:nvPr>
-            <p:ph idx="12" type="sldNum"/>
+            <p:ph type="sldNum" idx="12"/>
           </p:nvPr>
         </p:nvSpPr>
         <p:spPr>
@@ -3456,7 +3562,7 @@
           </a:prstGeom>
         </p:spPr>
         <p:txBody>
-          <a:bodyPr anchorCtr="0" anchor="ctr" bIns="91425" lIns="91425" spcFirstLastPara="1" rIns="91425" wrap="square" tIns="91425">
+          <a:bodyPr spcFirstLastPara="1" wrap="square" lIns="91425" tIns="91425" rIns="91425" bIns="91425" anchor="ctr" anchorCtr="0">
             <a:normAutofit/>
           </a:bodyPr>
           <a:lstStyle>
@@ -3498,7 +3604,7 @@
             </a:lvl9pPr>
           </a:lstStyle>
           <a:p>
-            <a:pPr indent="0" lvl="0" marL="0" rtl="0" algn="r">
+            <a:pPr marL="0" lvl="0" indent="0" algn="r" rtl="0">
               <a:spcBef>
                 <a:spcPts val="0"/>
               </a:spcBef>
@@ -3524,11 +3630,11 @@
 </file>
 
 <file path=ppt/slideLayouts/slideLayout6.xml><?xml version="1.0" encoding="utf-8"?>
-<p:sldLayout xmlns:a="http://schemas.openxmlformats.org/drawingml/2006/main" xmlns:r="http://schemas.openxmlformats.org/officeDocument/2006/relationships" xmlns:mc="http://schemas.openxmlformats.org/markup-compatibility/2006" xmlns:mv="urn:schemas-microsoft-com:mac:vml" xmlns:p="http://schemas.openxmlformats.org/presentationml/2006/main" xmlns:c="http://schemas.openxmlformats.org/drawingml/2006/chart" xmlns:dgm="http://schemas.openxmlformats.org/drawingml/2006/diagram" xmlns:o="urn:schemas-microsoft-com:office:office" xmlns:v="urn:schemas-microsoft-com:vml" xmlns:pvml="urn:schemas-microsoft-com:office:powerpoint" xmlns:com="http://schemas.openxmlformats.org/drawingml/2006/compatibility" xmlns:p14="http://schemas.microsoft.com/office/powerpoint/2010/main" xmlns:p15="http://schemas.microsoft.com/office/powerpoint/2012/main" xmlns:ahyp="http://schemas.microsoft.com/office/drawing/2018/hyperlinkcolor" matchingName="One column text">
+<p:sldLayout xmlns:a="http://schemas.openxmlformats.org/drawingml/2006/main" xmlns:r="http://schemas.openxmlformats.org/officeDocument/2006/relationships" xmlns:p="http://schemas.openxmlformats.org/presentationml/2006/main" matchingName="One column text">
   <p:cSld name="ONE_COLUMN_TEXT">
     <p:spTree>
       <p:nvGrpSpPr>
-        <p:cNvPr id="28" name="Shape 28"/>
+        <p:cNvPr id="1" name="Shape 28"/>
         <p:cNvGrpSpPr/>
         <p:nvPr/>
       </p:nvGrpSpPr>
@@ -3543,7 +3649,9 @@
       <p:sp>
         <p:nvSpPr>
           <p:cNvPr id="29" name="Google Shape;29;p7"/>
-          <p:cNvSpPr txBox="1"/>
+          <p:cNvSpPr txBox="1">
+            <a:spLocks noGrp="1"/>
+          </p:cNvSpPr>
           <p:nvPr>
             <p:ph type="title"/>
           </p:nvPr>
@@ -3558,7 +3666,7 @@
           </a:prstGeom>
         </p:spPr>
         <p:txBody>
-          <a:bodyPr anchorCtr="0" anchor="b" bIns="91425" lIns="91425" spcFirstLastPara="1" rIns="91425" wrap="square" tIns="91425">
+          <a:bodyPr spcFirstLastPara="1" wrap="square" lIns="91425" tIns="91425" rIns="91425" bIns="91425" anchor="b" anchorCtr="0">
             <a:normAutofit/>
           </a:bodyPr>
           <a:lstStyle>
@@ -3662,15 +3770,19 @@
               <a:defRPr sz="2400"/>
             </a:lvl9pPr>
           </a:lstStyle>
-          <a:p/>
+          <a:p>
+            <a:endParaRPr/>
+          </a:p>
         </p:txBody>
       </p:sp>
       <p:sp>
         <p:nvSpPr>
           <p:cNvPr id="30" name="Google Shape;30;p7"/>
-          <p:cNvSpPr txBox="1"/>
+          <p:cNvSpPr txBox="1">
+            <a:spLocks noGrp="1"/>
+          </p:cNvSpPr>
           <p:nvPr>
-            <p:ph idx="1" type="body"/>
+            <p:ph type="body" idx="1"/>
           </p:nvPr>
         </p:nvSpPr>
         <p:spPr>
@@ -3683,11 +3795,11 @@
           </a:prstGeom>
         </p:spPr>
         <p:txBody>
-          <a:bodyPr anchorCtr="0" anchor="t" bIns="91425" lIns="91425" spcFirstLastPara="1" rIns="91425" wrap="square" tIns="91425">
+          <a:bodyPr spcFirstLastPara="1" wrap="square" lIns="91425" tIns="91425" rIns="91425" bIns="91425" anchor="t" anchorCtr="0">
             <a:normAutofit/>
           </a:bodyPr>
           <a:lstStyle>
-            <a:lvl1pPr indent="-304800" lvl="0" marL="457200">
+            <a:lvl1pPr marL="457200" lvl="0" indent="-304800">
               <a:spcBef>
                 <a:spcPts val="0"/>
               </a:spcBef>
@@ -3698,7 +3810,7 @@
               <a:buChar char="●"/>
               <a:defRPr sz="1200"/>
             </a:lvl1pPr>
-            <a:lvl2pPr indent="-304800" lvl="1" marL="914400">
+            <a:lvl2pPr marL="914400" lvl="1" indent="-304800">
               <a:spcBef>
                 <a:spcPts val="0"/>
               </a:spcBef>
@@ -3709,7 +3821,7 @@
               <a:buChar char="○"/>
               <a:defRPr sz="1200"/>
             </a:lvl2pPr>
-            <a:lvl3pPr indent="-304800" lvl="2" marL="1371600">
+            <a:lvl3pPr marL="1371600" lvl="2" indent="-304800">
               <a:spcBef>
                 <a:spcPts val="0"/>
               </a:spcBef>
@@ -3720,7 +3832,7 @@
               <a:buChar char="■"/>
               <a:defRPr sz="1200"/>
             </a:lvl3pPr>
-            <a:lvl4pPr indent="-304800" lvl="3" marL="1828800">
+            <a:lvl4pPr marL="1828800" lvl="3" indent="-304800">
               <a:spcBef>
                 <a:spcPts val="0"/>
               </a:spcBef>
@@ -3731,7 +3843,7 @@
               <a:buChar char="●"/>
               <a:defRPr sz="1200"/>
             </a:lvl4pPr>
-            <a:lvl5pPr indent="-304800" lvl="4" marL="2286000">
+            <a:lvl5pPr marL="2286000" lvl="4" indent="-304800">
               <a:spcBef>
                 <a:spcPts val="0"/>
               </a:spcBef>
@@ -3742,7 +3854,7 @@
               <a:buChar char="○"/>
               <a:defRPr sz="1200"/>
             </a:lvl5pPr>
-            <a:lvl6pPr indent="-304800" lvl="5" marL="2743200">
+            <a:lvl6pPr marL="2743200" lvl="5" indent="-304800">
               <a:spcBef>
                 <a:spcPts val="0"/>
               </a:spcBef>
@@ -3753,7 +3865,7 @@
               <a:buChar char="■"/>
               <a:defRPr sz="1200"/>
             </a:lvl6pPr>
-            <a:lvl7pPr indent="-304800" lvl="6" marL="3200400">
+            <a:lvl7pPr marL="3200400" lvl="6" indent="-304800">
               <a:spcBef>
                 <a:spcPts val="0"/>
               </a:spcBef>
@@ -3764,7 +3876,7 @@
               <a:buChar char="●"/>
               <a:defRPr sz="1200"/>
             </a:lvl7pPr>
-            <a:lvl8pPr indent="-304800" lvl="7" marL="3657600">
+            <a:lvl8pPr marL="3657600" lvl="7" indent="-304800">
               <a:spcBef>
                 <a:spcPts val="0"/>
               </a:spcBef>
@@ -3775,7 +3887,7 @@
               <a:buChar char="○"/>
               <a:defRPr sz="1200"/>
             </a:lvl8pPr>
-            <a:lvl9pPr indent="-304800" lvl="8" marL="4114800">
+            <a:lvl9pPr marL="4114800" lvl="8" indent="-304800">
               <a:spcBef>
                 <a:spcPts val="0"/>
               </a:spcBef>
@@ -3787,15 +3899,19 @@
               <a:defRPr sz="1200"/>
             </a:lvl9pPr>
           </a:lstStyle>
-          <a:p/>
+          <a:p>
+            <a:endParaRPr/>
+          </a:p>
         </p:txBody>
       </p:sp>
       <p:sp>
         <p:nvSpPr>
           <p:cNvPr id="31" name="Google Shape;31;p7"/>
-          <p:cNvSpPr txBox="1"/>
+          <p:cNvSpPr txBox="1">
+            <a:spLocks noGrp="1"/>
+          </p:cNvSpPr>
           <p:nvPr>
-            <p:ph idx="12" type="sldNum"/>
+            <p:ph type="sldNum" idx="12"/>
           </p:nvPr>
         </p:nvSpPr>
         <p:spPr>
@@ -3808,7 +3924,7 @@
           </a:prstGeom>
         </p:spPr>
         <p:txBody>
-          <a:bodyPr anchorCtr="0" anchor="ctr" bIns="91425" lIns="91425" spcFirstLastPara="1" rIns="91425" wrap="square" tIns="91425">
+          <a:bodyPr spcFirstLastPara="1" wrap="square" lIns="91425" tIns="91425" rIns="91425" bIns="91425" anchor="ctr" anchorCtr="0">
             <a:normAutofit/>
           </a:bodyPr>
           <a:lstStyle>
@@ -3850,7 +3966,7 @@
             </a:lvl9pPr>
           </a:lstStyle>
           <a:p>
-            <a:pPr indent="0" lvl="0" marL="0" rtl="0" algn="r">
+            <a:pPr marL="0" lvl="0" indent="0" algn="r" rtl="0">
               <a:spcBef>
                 <a:spcPts val="0"/>
               </a:spcBef>
@@ -3876,11 +3992,11 @@
 </file>
 
 <file path=ppt/slideLayouts/slideLayout7.xml><?xml version="1.0" encoding="utf-8"?>
-<p:sldLayout xmlns:a="http://schemas.openxmlformats.org/drawingml/2006/main" xmlns:r="http://schemas.openxmlformats.org/officeDocument/2006/relationships" xmlns:mc="http://schemas.openxmlformats.org/markup-compatibility/2006" xmlns:mv="urn:schemas-microsoft-com:mac:vml" xmlns:p="http://schemas.openxmlformats.org/presentationml/2006/main" xmlns:c="http://schemas.openxmlformats.org/drawingml/2006/chart" xmlns:dgm="http://schemas.openxmlformats.org/drawingml/2006/diagram" xmlns:o="urn:schemas-microsoft-com:office:office" xmlns:v="urn:schemas-microsoft-com:vml" xmlns:pvml="urn:schemas-microsoft-com:office:powerpoint" xmlns:com="http://schemas.openxmlformats.org/drawingml/2006/compatibility" xmlns:p14="http://schemas.microsoft.com/office/powerpoint/2010/main" xmlns:p15="http://schemas.microsoft.com/office/powerpoint/2012/main" xmlns:ahyp="http://schemas.microsoft.com/office/drawing/2018/hyperlinkcolor" matchingName="Main point">
+<p:sldLayout xmlns:a="http://schemas.openxmlformats.org/drawingml/2006/main" xmlns:r="http://schemas.openxmlformats.org/officeDocument/2006/relationships" xmlns:p="http://schemas.openxmlformats.org/presentationml/2006/main" matchingName="Main point">
   <p:cSld name="MAIN_POINT">
     <p:spTree>
       <p:nvGrpSpPr>
-        <p:cNvPr id="32" name="Shape 32"/>
+        <p:cNvPr id="1" name="Shape 32"/>
         <p:cNvGrpSpPr/>
         <p:nvPr/>
       </p:nvGrpSpPr>
@@ -3895,7 +4011,9 @@
       <p:sp>
         <p:nvSpPr>
           <p:cNvPr id="33" name="Google Shape;33;p8"/>
-          <p:cNvSpPr txBox="1"/>
+          <p:cNvSpPr txBox="1">
+            <a:spLocks noGrp="1"/>
+          </p:cNvSpPr>
           <p:nvPr>
             <p:ph type="title"/>
           </p:nvPr>
@@ -3910,7 +4028,7 @@
           </a:prstGeom>
         </p:spPr>
         <p:txBody>
-          <a:bodyPr anchorCtr="0" anchor="ctr" bIns="91425" lIns="91425" spcFirstLastPara="1" rIns="91425" wrap="square" tIns="91425">
+          <a:bodyPr spcFirstLastPara="1" wrap="square" lIns="91425" tIns="91425" rIns="91425" bIns="91425" anchor="ctr" anchorCtr="0">
             <a:normAutofit/>
           </a:bodyPr>
           <a:lstStyle>
@@ -4014,15 +4132,19 @@
               <a:defRPr sz="4800"/>
             </a:lvl9pPr>
           </a:lstStyle>
-          <a:p/>
+          <a:p>
+            <a:endParaRPr/>
+          </a:p>
         </p:txBody>
       </p:sp>
       <p:sp>
         <p:nvSpPr>
           <p:cNvPr id="34" name="Google Shape;34;p8"/>
-          <p:cNvSpPr txBox="1"/>
+          <p:cNvSpPr txBox="1">
+            <a:spLocks noGrp="1"/>
+          </p:cNvSpPr>
           <p:nvPr>
-            <p:ph idx="12" type="sldNum"/>
+            <p:ph type="sldNum" idx="12"/>
           </p:nvPr>
         </p:nvSpPr>
         <p:spPr>
@@ -4035,7 +4157,7 @@
           </a:prstGeom>
         </p:spPr>
         <p:txBody>
-          <a:bodyPr anchorCtr="0" anchor="ctr" bIns="91425" lIns="91425" spcFirstLastPara="1" rIns="91425" wrap="square" tIns="91425">
+          <a:bodyPr spcFirstLastPara="1" wrap="square" lIns="91425" tIns="91425" rIns="91425" bIns="91425" anchor="ctr" anchorCtr="0">
             <a:normAutofit/>
           </a:bodyPr>
           <a:lstStyle>
@@ -4077,7 +4199,7 @@
             </a:lvl9pPr>
           </a:lstStyle>
           <a:p>
-            <a:pPr indent="0" lvl="0" marL="0" rtl="0" algn="r">
+            <a:pPr marL="0" lvl="0" indent="0" algn="r" rtl="0">
               <a:spcBef>
                 <a:spcPts val="0"/>
               </a:spcBef>
@@ -4103,11 +4225,11 @@
 </file>
 
 <file path=ppt/slideLayouts/slideLayout8.xml><?xml version="1.0" encoding="utf-8"?>
-<p:sldLayout xmlns:a="http://schemas.openxmlformats.org/drawingml/2006/main" xmlns:r="http://schemas.openxmlformats.org/officeDocument/2006/relationships" xmlns:mc="http://schemas.openxmlformats.org/markup-compatibility/2006" xmlns:mv="urn:schemas-microsoft-com:mac:vml" xmlns:p="http://schemas.openxmlformats.org/presentationml/2006/main" xmlns:c="http://schemas.openxmlformats.org/drawingml/2006/chart" xmlns:dgm="http://schemas.openxmlformats.org/drawingml/2006/diagram" xmlns:o="urn:schemas-microsoft-com:office:office" xmlns:v="urn:schemas-microsoft-com:vml" xmlns:pvml="urn:schemas-microsoft-com:office:powerpoint" xmlns:com="http://schemas.openxmlformats.org/drawingml/2006/compatibility" xmlns:p14="http://schemas.microsoft.com/office/powerpoint/2010/main" xmlns:p15="http://schemas.microsoft.com/office/powerpoint/2012/main" xmlns:ahyp="http://schemas.microsoft.com/office/drawing/2018/hyperlinkcolor" matchingName="Section title and description">
+<p:sldLayout xmlns:a="http://schemas.openxmlformats.org/drawingml/2006/main" xmlns:r="http://schemas.openxmlformats.org/officeDocument/2006/relationships" xmlns:p="http://schemas.openxmlformats.org/presentationml/2006/main" matchingName="Section title and description">
   <p:cSld name="SECTION_TITLE_AND_DESCRIPTION">
     <p:spTree>
       <p:nvGrpSpPr>
-        <p:cNvPr id="35" name="Shape 35"/>
+        <p:cNvPr id="1" name="Shape 35"/>
         <p:cNvGrpSpPr/>
         <p:nvPr/>
       </p:nvGrpSpPr>
@@ -4141,12 +4263,12 @@
           </a:ln>
         </p:spPr>
         <p:txBody>
-          <a:bodyPr anchorCtr="0" anchor="ctr" bIns="91425" lIns="91425" spcFirstLastPara="1" rIns="91425" wrap="square" tIns="91425">
+          <a:bodyPr spcFirstLastPara="1" wrap="square" lIns="91425" tIns="91425" rIns="91425" bIns="91425" anchor="ctr" anchorCtr="0">
             <a:noAutofit/>
           </a:bodyPr>
           <a:lstStyle/>
           <a:p>
-            <a:pPr indent="0" lvl="0" marL="0" rtl="0" algn="l">
+            <a:pPr marL="0" lvl="0" indent="0" algn="l" rtl="0">
               <a:spcBef>
                 <a:spcPts val="0"/>
               </a:spcBef>
@@ -4155,9 +4277,6 @@
               </a:spcAft>
               <a:buNone/>
             </a:pPr>
-            <a:r>
-              <a:t/>
-            </a:r>
             <a:endParaRPr/>
           </a:p>
         </p:txBody>
@@ -4165,7 +4284,9 @@
       <p:sp>
         <p:nvSpPr>
           <p:cNvPr id="37" name="Google Shape;37;p9"/>
-          <p:cNvSpPr txBox="1"/>
+          <p:cNvSpPr txBox="1">
+            <a:spLocks noGrp="1"/>
+          </p:cNvSpPr>
           <p:nvPr>
             <p:ph type="title"/>
           </p:nvPr>
@@ -4180,7 +4301,7 @@
           </a:prstGeom>
         </p:spPr>
         <p:txBody>
-          <a:bodyPr anchorCtr="0" anchor="b" bIns="91425" lIns="91425" spcFirstLastPara="1" rIns="91425" wrap="square" tIns="91425">
+          <a:bodyPr spcFirstLastPara="1" wrap="square" lIns="91425" tIns="91425" rIns="91425" bIns="91425" anchor="b" anchorCtr="0">
             <a:normAutofit/>
           </a:bodyPr>
           <a:lstStyle>
@@ -4284,15 +4405,19 @@
               <a:defRPr sz="4200"/>
             </a:lvl9pPr>
           </a:lstStyle>
-          <a:p/>
+          <a:p>
+            <a:endParaRPr/>
+          </a:p>
         </p:txBody>
       </p:sp>
       <p:sp>
         <p:nvSpPr>
           <p:cNvPr id="38" name="Google Shape;38;p9"/>
-          <p:cNvSpPr txBox="1"/>
+          <p:cNvSpPr txBox="1">
+            <a:spLocks noGrp="1"/>
+          </p:cNvSpPr>
           <p:nvPr>
-            <p:ph idx="1" type="subTitle"/>
+            <p:ph type="subTitle" idx="1"/>
           </p:nvPr>
         </p:nvSpPr>
         <p:spPr>
@@ -4305,7 +4430,7 @@
           </a:prstGeom>
         </p:spPr>
         <p:txBody>
-          <a:bodyPr anchorCtr="0" anchor="t" bIns="91425" lIns="91425" spcFirstLastPara="1" rIns="91425" wrap="square" tIns="91425">
+          <a:bodyPr spcFirstLastPara="1" wrap="square" lIns="91425" tIns="91425" rIns="91425" bIns="91425" anchor="t" anchorCtr="0">
             <a:normAutofit/>
           </a:bodyPr>
           <a:lstStyle>
@@ -4436,15 +4561,19 @@
               <a:defRPr sz="2100"/>
             </a:lvl9pPr>
           </a:lstStyle>
-          <a:p/>
+          <a:p>
+            <a:endParaRPr/>
+          </a:p>
         </p:txBody>
       </p:sp>
       <p:sp>
         <p:nvSpPr>
           <p:cNvPr id="39" name="Google Shape;39;p9"/>
-          <p:cNvSpPr txBox="1"/>
+          <p:cNvSpPr txBox="1">
+            <a:spLocks noGrp="1"/>
+          </p:cNvSpPr>
           <p:nvPr>
-            <p:ph idx="2" type="body"/>
+            <p:ph type="body" idx="2"/>
           </p:nvPr>
         </p:nvSpPr>
         <p:spPr>
@@ -4457,11 +4586,11 @@
           </a:prstGeom>
         </p:spPr>
         <p:txBody>
-          <a:bodyPr anchorCtr="0" anchor="ctr" bIns="91425" lIns="91425" spcFirstLastPara="1" rIns="91425" wrap="square" tIns="91425">
+          <a:bodyPr spcFirstLastPara="1" wrap="square" lIns="91425" tIns="91425" rIns="91425" bIns="91425" anchor="ctr" anchorCtr="0">
             <a:normAutofit/>
           </a:bodyPr>
           <a:lstStyle>
-            <a:lvl1pPr indent="-342900" lvl="0" marL="457200">
+            <a:lvl1pPr marL="457200" lvl="0" indent="-342900">
               <a:spcBef>
                 <a:spcPts val="0"/>
               </a:spcBef>
@@ -4472,7 +4601,7 @@
               <a:buChar char="●"/>
               <a:defRPr/>
             </a:lvl1pPr>
-            <a:lvl2pPr indent="-317500" lvl="1" marL="914400">
+            <a:lvl2pPr marL="914400" lvl="1" indent="-317500">
               <a:spcBef>
                 <a:spcPts val="0"/>
               </a:spcBef>
@@ -4483,7 +4612,7 @@
               <a:buChar char="○"/>
               <a:defRPr/>
             </a:lvl2pPr>
-            <a:lvl3pPr indent="-317500" lvl="2" marL="1371600">
+            <a:lvl3pPr marL="1371600" lvl="2" indent="-317500">
               <a:spcBef>
                 <a:spcPts val="0"/>
               </a:spcBef>
@@ -4494,7 +4623,7 @@
               <a:buChar char="■"/>
               <a:defRPr/>
             </a:lvl3pPr>
-            <a:lvl4pPr indent="-317500" lvl="3" marL="1828800">
+            <a:lvl4pPr marL="1828800" lvl="3" indent="-317500">
               <a:spcBef>
                 <a:spcPts val="0"/>
               </a:spcBef>
@@ -4505,7 +4634,7 @@
               <a:buChar char="●"/>
               <a:defRPr/>
             </a:lvl4pPr>
-            <a:lvl5pPr indent="-317500" lvl="4" marL="2286000">
+            <a:lvl5pPr marL="2286000" lvl="4" indent="-317500">
               <a:spcBef>
                 <a:spcPts val="0"/>
               </a:spcBef>
@@ -4516,7 +4645,7 @@
               <a:buChar char="○"/>
               <a:defRPr/>
             </a:lvl5pPr>
-            <a:lvl6pPr indent="-317500" lvl="5" marL="2743200">
+            <a:lvl6pPr marL="2743200" lvl="5" indent="-317500">
               <a:spcBef>
                 <a:spcPts val="0"/>
               </a:spcBef>
@@ -4527,7 +4656,7 @@
               <a:buChar char="■"/>
               <a:defRPr/>
             </a:lvl6pPr>
-            <a:lvl7pPr indent="-317500" lvl="6" marL="3200400">
+            <a:lvl7pPr marL="3200400" lvl="6" indent="-317500">
               <a:spcBef>
                 <a:spcPts val="0"/>
               </a:spcBef>
@@ -4538,7 +4667,7 @@
               <a:buChar char="●"/>
               <a:defRPr/>
             </a:lvl7pPr>
-            <a:lvl8pPr indent="-317500" lvl="7" marL="3657600">
+            <a:lvl8pPr marL="3657600" lvl="7" indent="-317500">
               <a:spcBef>
                 <a:spcPts val="0"/>
               </a:spcBef>
@@ -4549,7 +4678,7 @@
               <a:buChar char="○"/>
               <a:defRPr/>
             </a:lvl8pPr>
-            <a:lvl9pPr indent="-317500" lvl="8" marL="4114800">
+            <a:lvl9pPr marL="4114800" lvl="8" indent="-317500">
               <a:spcBef>
                 <a:spcPts val="0"/>
               </a:spcBef>
@@ -4561,15 +4690,19 @@
               <a:defRPr/>
             </a:lvl9pPr>
           </a:lstStyle>
-          <a:p/>
+          <a:p>
+            <a:endParaRPr/>
+          </a:p>
         </p:txBody>
       </p:sp>
       <p:sp>
         <p:nvSpPr>
           <p:cNvPr id="40" name="Google Shape;40;p9"/>
-          <p:cNvSpPr txBox="1"/>
+          <p:cNvSpPr txBox="1">
+            <a:spLocks noGrp="1"/>
+          </p:cNvSpPr>
           <p:nvPr>
-            <p:ph idx="12" type="sldNum"/>
+            <p:ph type="sldNum" idx="12"/>
           </p:nvPr>
         </p:nvSpPr>
         <p:spPr>
@@ -4582,7 +4715,7 @@
           </a:prstGeom>
         </p:spPr>
         <p:txBody>
-          <a:bodyPr anchorCtr="0" anchor="ctr" bIns="91425" lIns="91425" spcFirstLastPara="1" rIns="91425" wrap="square" tIns="91425">
+          <a:bodyPr spcFirstLastPara="1" wrap="square" lIns="91425" tIns="91425" rIns="91425" bIns="91425" anchor="ctr" anchorCtr="0">
             <a:normAutofit/>
           </a:bodyPr>
           <a:lstStyle>
@@ -4624,7 +4757,7 @@
             </a:lvl9pPr>
           </a:lstStyle>
           <a:p>
-            <a:pPr indent="0" lvl="0" marL="0" rtl="0" algn="r">
+            <a:pPr marL="0" lvl="0" indent="0" algn="r" rtl="0">
               <a:spcBef>
                 <a:spcPts val="0"/>
               </a:spcBef>
@@ -4650,11 +4783,11 @@
 </file>
 
 <file path=ppt/slideLayouts/slideLayout9.xml><?xml version="1.0" encoding="utf-8"?>
-<p:sldLayout xmlns:a="http://schemas.openxmlformats.org/drawingml/2006/main" xmlns:r="http://schemas.openxmlformats.org/officeDocument/2006/relationships" xmlns:mc="http://schemas.openxmlformats.org/markup-compatibility/2006" xmlns:mv="urn:schemas-microsoft-com:mac:vml" xmlns:p="http://schemas.openxmlformats.org/presentationml/2006/main" xmlns:c="http://schemas.openxmlformats.org/drawingml/2006/chart" xmlns:dgm="http://schemas.openxmlformats.org/drawingml/2006/diagram" xmlns:o="urn:schemas-microsoft-com:office:office" xmlns:v="urn:schemas-microsoft-com:vml" xmlns:pvml="urn:schemas-microsoft-com:office:powerpoint" xmlns:com="http://schemas.openxmlformats.org/drawingml/2006/compatibility" xmlns:p14="http://schemas.microsoft.com/office/powerpoint/2010/main" xmlns:p15="http://schemas.microsoft.com/office/powerpoint/2012/main" xmlns:ahyp="http://schemas.microsoft.com/office/drawing/2018/hyperlinkcolor" matchingName="Caption">
+<p:sldLayout xmlns:a="http://schemas.openxmlformats.org/drawingml/2006/main" xmlns:r="http://schemas.openxmlformats.org/officeDocument/2006/relationships" xmlns:p="http://schemas.openxmlformats.org/presentationml/2006/main" matchingName="Caption">
   <p:cSld name="CAPTION_ONLY">
     <p:spTree>
       <p:nvGrpSpPr>
-        <p:cNvPr id="41" name="Shape 41"/>
+        <p:cNvPr id="1" name="Shape 41"/>
         <p:cNvGrpSpPr/>
         <p:nvPr/>
       </p:nvGrpSpPr>
@@ -4669,9 +4802,11 @@
       <p:sp>
         <p:nvSpPr>
           <p:cNvPr id="42" name="Google Shape;42;p10"/>
-          <p:cNvSpPr txBox="1"/>
+          <p:cNvSpPr txBox="1">
+            <a:spLocks noGrp="1"/>
+          </p:cNvSpPr>
           <p:nvPr>
-            <p:ph idx="1" type="body"/>
+            <p:ph type="body" idx="1"/>
           </p:nvPr>
         </p:nvSpPr>
         <p:spPr>
@@ -4684,11 +4819,11 @@
           </a:prstGeom>
         </p:spPr>
         <p:txBody>
-          <a:bodyPr anchorCtr="0" anchor="ctr" bIns="91425" lIns="91425" spcFirstLastPara="1" rIns="91425" wrap="square" tIns="91425">
+          <a:bodyPr spcFirstLastPara="1" wrap="square" lIns="91425" tIns="91425" rIns="91425" bIns="91425" anchor="ctr" anchorCtr="0">
             <a:normAutofit/>
           </a:bodyPr>
           <a:lstStyle>
-            <a:lvl1pPr indent="-228600" lvl="0" marL="457200">
+            <a:lvl1pPr marL="457200" lvl="0" indent="-228600">
               <a:lnSpc>
                 <a:spcPct val="100000"/>
               </a:lnSpc>
@@ -4703,15 +4838,19 @@
               <a:defRPr/>
             </a:lvl1pPr>
           </a:lstStyle>
-          <a:p/>
+          <a:p>
+            <a:endParaRPr/>
+          </a:p>
         </p:txBody>
       </p:sp>
       <p:sp>
         <p:nvSpPr>
           <p:cNvPr id="43" name="Google Shape;43;p10"/>
-          <p:cNvSpPr txBox="1"/>
+          <p:cNvSpPr txBox="1">
+            <a:spLocks noGrp="1"/>
+          </p:cNvSpPr>
           <p:nvPr>
-            <p:ph idx="12" type="sldNum"/>
+            <p:ph type="sldNum" idx="12"/>
           </p:nvPr>
         </p:nvSpPr>
         <p:spPr>
@@ -4724,7 +4863,7 @@
           </a:prstGeom>
         </p:spPr>
         <p:txBody>
-          <a:bodyPr anchorCtr="0" anchor="ctr" bIns="91425" lIns="91425" spcFirstLastPara="1" rIns="91425" wrap="square" tIns="91425">
+          <a:bodyPr spcFirstLastPara="1" wrap="square" lIns="91425" tIns="91425" rIns="91425" bIns="91425" anchor="ctr" anchorCtr="0">
             <a:normAutofit/>
           </a:bodyPr>
           <a:lstStyle>
@@ -4766,7 +4905,7 @@
             </a:lvl9pPr>
           </a:lstStyle>
           <a:p>
-            <a:pPr indent="0" lvl="0" marL="0" rtl="0" algn="r">
+            <a:pPr marL="0" lvl="0" indent="0" algn="r" rtl="0">
               <a:spcBef>
                 <a:spcPts val="0"/>
               </a:spcBef>
@@ -4792,18 +4931,19 @@
 </file>
 
 <file path=ppt/slideMasters/slideMaster1.xml><?xml version="1.0" encoding="utf-8"?>
-<p:sldMaster xmlns:a="http://schemas.openxmlformats.org/drawingml/2006/main" xmlns:r="http://schemas.openxmlformats.org/officeDocument/2006/relationships" xmlns:mc="http://schemas.openxmlformats.org/markup-compatibility/2006" xmlns:mv="urn:schemas-microsoft-com:mac:vml" xmlns:p="http://schemas.openxmlformats.org/presentationml/2006/main" xmlns:c="http://schemas.openxmlformats.org/drawingml/2006/chart" xmlns:dgm="http://schemas.openxmlformats.org/drawingml/2006/diagram" xmlns:o="urn:schemas-microsoft-com:office:office" xmlns:v="urn:schemas-microsoft-com:vml" xmlns:pvml="urn:schemas-microsoft-com:office:powerpoint" xmlns:com="http://schemas.openxmlformats.org/drawingml/2006/compatibility" xmlns:p14="http://schemas.microsoft.com/office/powerpoint/2010/main" xmlns:p15="http://schemas.microsoft.com/office/powerpoint/2012/main" xmlns:ahyp="http://schemas.microsoft.com/office/drawing/2018/hyperlinkcolor">
+<p:sldMaster xmlns:a="http://schemas.openxmlformats.org/drawingml/2006/main" xmlns:r="http://schemas.openxmlformats.org/officeDocument/2006/relationships" xmlns:p="http://schemas.openxmlformats.org/presentationml/2006/main">
   <p:cSld name="simple-light-2">
     <p:bg>
       <p:bgPr>
         <a:solidFill>
           <a:schemeClr val="lt1"/>
         </a:solidFill>
+        <a:effectLst/>
       </p:bgPr>
     </p:bg>
     <p:spTree>
       <p:nvGrpSpPr>
-        <p:cNvPr id="5" name="Shape 5"/>
+        <p:cNvPr id="1" name="Shape 5"/>
         <p:cNvGrpSpPr/>
         <p:nvPr/>
       </p:nvGrpSpPr>
@@ -4818,7 +4958,9 @@
       <p:sp>
         <p:nvSpPr>
           <p:cNvPr id="6" name="Google Shape;6;p1"/>
-          <p:cNvSpPr txBox="1"/>
+          <p:cNvSpPr txBox="1">
+            <a:spLocks noGrp="1"/>
+          </p:cNvSpPr>
           <p:nvPr>
             <p:ph type="title"/>
           </p:nvPr>
@@ -4837,7 +4979,7 @@
           </a:ln>
         </p:spPr>
         <p:txBody>
-          <a:bodyPr anchorCtr="0" anchor="t" bIns="91425" lIns="91425" spcFirstLastPara="1" rIns="91425" wrap="square" tIns="91425">
+          <a:bodyPr spcFirstLastPara="1" wrap="square" lIns="91425" tIns="91425" rIns="91425" bIns="91425" anchor="t" anchorCtr="0">
             <a:normAutofit/>
           </a:bodyPr>
           <a:lstStyle>
@@ -5004,15 +5146,19 @@
               </a:defRPr>
             </a:lvl9pPr>
           </a:lstStyle>
-          <a:p/>
+          <a:p>
+            <a:endParaRPr/>
+          </a:p>
         </p:txBody>
       </p:sp>
       <p:sp>
         <p:nvSpPr>
           <p:cNvPr id="7" name="Google Shape;7;p1"/>
-          <p:cNvSpPr txBox="1"/>
+          <p:cNvSpPr txBox="1">
+            <a:spLocks noGrp="1"/>
+          </p:cNvSpPr>
           <p:nvPr>
-            <p:ph idx="1" type="body"/>
+            <p:ph type="body" idx="1"/>
           </p:nvPr>
         </p:nvSpPr>
         <p:spPr>
@@ -5029,11 +5175,11 @@
           </a:ln>
         </p:spPr>
         <p:txBody>
-          <a:bodyPr anchorCtr="0" anchor="t" bIns="91425" lIns="91425" spcFirstLastPara="1" rIns="91425" wrap="square" tIns="91425">
+          <a:bodyPr spcFirstLastPara="1" wrap="square" lIns="91425" tIns="91425" rIns="91425" bIns="91425" anchor="t" anchorCtr="0">
             <a:normAutofit/>
           </a:bodyPr>
           <a:lstStyle>
-            <a:lvl1pPr indent="-342900" lvl="0" marL="457200">
+            <a:lvl1pPr marL="457200" lvl="0" indent="-342900">
               <a:lnSpc>
                 <a:spcPct val="115000"/>
               </a:lnSpc>
@@ -5054,7 +5200,7 @@
                 </a:solidFill>
               </a:defRPr>
             </a:lvl1pPr>
-            <a:lvl2pPr indent="-317500" lvl="1" marL="914400">
+            <a:lvl2pPr marL="914400" lvl="1" indent="-317500">
               <a:lnSpc>
                 <a:spcPct val="115000"/>
               </a:lnSpc>
@@ -5075,7 +5221,7 @@
                 </a:solidFill>
               </a:defRPr>
             </a:lvl2pPr>
-            <a:lvl3pPr indent="-317500" lvl="2" marL="1371600">
+            <a:lvl3pPr marL="1371600" lvl="2" indent="-317500">
               <a:lnSpc>
                 <a:spcPct val="115000"/>
               </a:lnSpc>
@@ -5096,7 +5242,7 @@
                 </a:solidFill>
               </a:defRPr>
             </a:lvl3pPr>
-            <a:lvl4pPr indent="-317500" lvl="3" marL="1828800">
+            <a:lvl4pPr marL="1828800" lvl="3" indent="-317500">
               <a:lnSpc>
                 <a:spcPct val="115000"/>
               </a:lnSpc>
@@ -5117,7 +5263,7 @@
                 </a:solidFill>
               </a:defRPr>
             </a:lvl4pPr>
-            <a:lvl5pPr indent="-317500" lvl="4" marL="2286000">
+            <a:lvl5pPr marL="2286000" lvl="4" indent="-317500">
               <a:lnSpc>
                 <a:spcPct val="115000"/>
               </a:lnSpc>
@@ -5138,7 +5284,7 @@
                 </a:solidFill>
               </a:defRPr>
             </a:lvl5pPr>
-            <a:lvl6pPr indent="-317500" lvl="5" marL="2743200">
+            <a:lvl6pPr marL="2743200" lvl="5" indent="-317500">
               <a:lnSpc>
                 <a:spcPct val="115000"/>
               </a:lnSpc>
@@ -5159,7 +5305,7 @@
                 </a:solidFill>
               </a:defRPr>
             </a:lvl6pPr>
-            <a:lvl7pPr indent="-317500" lvl="6" marL="3200400">
+            <a:lvl7pPr marL="3200400" lvl="6" indent="-317500">
               <a:lnSpc>
                 <a:spcPct val="115000"/>
               </a:lnSpc>
@@ -5180,7 +5326,7 @@
                 </a:solidFill>
               </a:defRPr>
             </a:lvl7pPr>
-            <a:lvl8pPr indent="-317500" lvl="7" marL="3657600">
+            <a:lvl8pPr marL="3657600" lvl="7" indent="-317500">
               <a:lnSpc>
                 <a:spcPct val="115000"/>
               </a:lnSpc>
@@ -5201,7 +5347,7 @@
                 </a:solidFill>
               </a:defRPr>
             </a:lvl8pPr>
-            <a:lvl9pPr indent="-317500" lvl="8" marL="4114800">
+            <a:lvl9pPr marL="4114800" lvl="8" indent="-317500">
               <a:lnSpc>
                 <a:spcPct val="115000"/>
               </a:lnSpc>
@@ -5223,15 +5369,19 @@
               </a:defRPr>
             </a:lvl9pPr>
           </a:lstStyle>
-          <a:p/>
+          <a:p>
+            <a:endParaRPr/>
+          </a:p>
         </p:txBody>
       </p:sp>
       <p:sp>
         <p:nvSpPr>
           <p:cNvPr id="8" name="Google Shape;8;p1"/>
-          <p:cNvSpPr txBox="1"/>
+          <p:cNvSpPr txBox="1">
+            <a:spLocks noGrp="1"/>
+          </p:cNvSpPr>
           <p:nvPr>
-            <p:ph idx="12" type="sldNum"/>
+            <p:ph type="sldNum" idx="12"/>
           </p:nvPr>
         </p:nvSpPr>
         <p:spPr>
@@ -5248,7 +5398,7 @@
           </a:ln>
         </p:spPr>
         <p:txBody>
-          <a:bodyPr anchorCtr="0" anchor="ctr" bIns="91425" lIns="91425" spcFirstLastPara="1" rIns="91425" wrap="square" tIns="91425">
+          <a:bodyPr spcFirstLastPara="1" wrap="square" lIns="91425" tIns="91425" rIns="91425" bIns="91425" anchor="ctr" anchorCtr="0">
             <a:normAutofit/>
           </a:bodyPr>
           <a:lstStyle>
@@ -5326,7 +5476,7 @@
             </a:lvl9pPr>
           </a:lstStyle>
           <a:p>
-            <a:pPr indent="0" lvl="0" marL="0" rtl="0" algn="r">
+            <a:pPr marL="0" lvl="0" indent="0" algn="r" rtl="0">
               <a:spcBef>
                 <a:spcPts val="0"/>
               </a:spcBef>
@@ -5345,7 +5495,7 @@
       </p:sp>
     </p:spTree>
   </p:cSld>
-  <p:clrMap accent1="accent1" accent2="accent2" accent3="accent3" accent4="accent4" accent5="accent5" accent6="accent6" bg1="lt1" bg2="dk2" tx1="dk1" tx2="lt2" folHlink="folHlink" hlink="hlink"/>
+  <p:clrMap bg1="lt1" tx1="dk1" bg2="dk2" tx2="lt2" accent1="accent1" accent2="accent2" accent3="accent3" accent4="accent4" accent5="accent5" accent6="accent6" hlink="hlink" folHlink="folHlink"/>
   <p:sldLayoutIdLst>
     <p:sldLayoutId id="2147483648" r:id="rId1"/>
     <p:sldLayoutId id="2147483649" r:id="rId2"/>
@@ -5359,10 +5509,10 @@
     <p:sldLayoutId id="2147483657" r:id="rId10"/>
     <p:sldLayoutId id="2147483658" r:id="rId11"/>
   </p:sldLayoutIdLst>
-  <p:hf dt="0" ftr="0" hdr="0" sldNum="0"/>
+  <p:hf sldNum="0" hdr="0" ftr="0" dt="0"/>
   <p:txStyles>
     <p:titleStyle>
-      <a:defPPr lvl="0" marR="0" rtl="0" algn="l">
+      <a:defPPr marR="0" lvl="0" algn="l" rtl="0">
         <a:lnSpc>
           <a:spcPct val="100000"/>
         </a:lnSpc>
@@ -5373,7 +5523,7 @@
           <a:spcPts val="0"/>
         </a:spcAft>
       </a:defPPr>
-      <a:lvl1pPr lvl="0" marR="0" rtl="0" algn="l">
+      <a:lvl1pPr marR="0" lvl="0" algn="l" rtl="0">
         <a:lnSpc>
           <a:spcPct val="100000"/>
         </a:lnSpc>
@@ -5387,7 +5537,7 @@
           <a:srgbClr val="000000"/>
         </a:buClr>
         <a:buFont typeface="Arial"/>
-        <a:defRPr b="0" i="0" sz="1400" u="none" cap="none" strike="noStrike">
+        <a:defRPr sz="1400" b="0" i="0" u="none" strike="noStrike" cap="none">
           <a:solidFill>
             <a:srgbClr val="000000"/>
           </a:solidFill>
@@ -5397,7 +5547,7 @@
           <a:sym typeface="Arial"/>
         </a:defRPr>
       </a:lvl1pPr>
-      <a:lvl2pPr lvl="1" marR="0" rtl="0" algn="l">
+      <a:lvl2pPr marR="0" lvl="1" algn="l" rtl="0">
         <a:lnSpc>
           <a:spcPct val="100000"/>
         </a:lnSpc>
@@ -5411,7 +5561,7 @@
           <a:srgbClr val="000000"/>
         </a:buClr>
         <a:buFont typeface="Arial"/>
-        <a:defRPr b="0" i="0" sz="1400" u="none" cap="none" strike="noStrike">
+        <a:defRPr sz="1400" b="0" i="0" u="none" strike="noStrike" cap="none">
           <a:solidFill>
             <a:srgbClr val="000000"/>
           </a:solidFill>
@@ -5421,7 +5571,7 @@
           <a:sym typeface="Arial"/>
         </a:defRPr>
       </a:lvl2pPr>
-      <a:lvl3pPr lvl="2" marR="0" rtl="0" algn="l">
+      <a:lvl3pPr marR="0" lvl="2" algn="l" rtl="0">
         <a:lnSpc>
           <a:spcPct val="100000"/>
         </a:lnSpc>
@@ -5435,7 +5585,7 @@
           <a:srgbClr val="000000"/>
         </a:buClr>
         <a:buFont typeface="Arial"/>
-        <a:defRPr b="0" i="0" sz="1400" u="none" cap="none" strike="noStrike">
+        <a:defRPr sz="1400" b="0" i="0" u="none" strike="noStrike" cap="none">
           <a:solidFill>
             <a:srgbClr val="000000"/>
           </a:solidFill>
@@ -5445,7 +5595,7 @@
           <a:sym typeface="Arial"/>
         </a:defRPr>
       </a:lvl3pPr>
-      <a:lvl4pPr lvl="3" marR="0" rtl="0" algn="l">
+      <a:lvl4pPr marR="0" lvl="3" algn="l" rtl="0">
         <a:lnSpc>
           <a:spcPct val="100000"/>
         </a:lnSpc>
@@ -5459,7 +5609,7 @@
           <a:srgbClr val="000000"/>
         </a:buClr>
         <a:buFont typeface="Arial"/>
-        <a:defRPr b="0" i="0" sz="1400" u="none" cap="none" strike="noStrike">
+        <a:defRPr sz="1400" b="0" i="0" u="none" strike="noStrike" cap="none">
           <a:solidFill>
             <a:srgbClr val="000000"/>
           </a:solidFill>
@@ -5469,7 +5619,7 @@
           <a:sym typeface="Arial"/>
         </a:defRPr>
       </a:lvl4pPr>
-      <a:lvl5pPr lvl="4" marR="0" rtl="0" algn="l">
+      <a:lvl5pPr marR="0" lvl="4" algn="l" rtl="0">
         <a:lnSpc>
           <a:spcPct val="100000"/>
         </a:lnSpc>
@@ -5483,7 +5633,7 @@
           <a:srgbClr val="000000"/>
         </a:buClr>
         <a:buFont typeface="Arial"/>
-        <a:defRPr b="0" i="0" sz="1400" u="none" cap="none" strike="noStrike">
+        <a:defRPr sz="1400" b="0" i="0" u="none" strike="noStrike" cap="none">
           <a:solidFill>
             <a:srgbClr val="000000"/>
           </a:solidFill>
@@ -5493,7 +5643,7 @@
           <a:sym typeface="Arial"/>
         </a:defRPr>
       </a:lvl5pPr>
-      <a:lvl6pPr lvl="5" marR="0" rtl="0" algn="l">
+      <a:lvl6pPr marR="0" lvl="5" algn="l" rtl="0">
         <a:lnSpc>
           <a:spcPct val="100000"/>
         </a:lnSpc>
@@ -5507,7 +5657,7 @@
           <a:srgbClr val="000000"/>
         </a:buClr>
         <a:buFont typeface="Arial"/>
-        <a:defRPr b="0" i="0" sz="1400" u="none" cap="none" strike="noStrike">
+        <a:defRPr sz="1400" b="0" i="0" u="none" strike="noStrike" cap="none">
           <a:solidFill>
             <a:srgbClr val="000000"/>
           </a:solidFill>
@@ -5517,7 +5667,7 @@
           <a:sym typeface="Arial"/>
         </a:defRPr>
       </a:lvl6pPr>
-      <a:lvl7pPr lvl="6" marR="0" rtl="0" algn="l">
+      <a:lvl7pPr marR="0" lvl="6" algn="l" rtl="0">
         <a:lnSpc>
           <a:spcPct val="100000"/>
         </a:lnSpc>
@@ -5531,7 +5681,7 @@
           <a:srgbClr val="000000"/>
         </a:buClr>
         <a:buFont typeface="Arial"/>
-        <a:defRPr b="0" i="0" sz="1400" u="none" cap="none" strike="noStrike">
+        <a:defRPr sz="1400" b="0" i="0" u="none" strike="noStrike" cap="none">
           <a:solidFill>
             <a:srgbClr val="000000"/>
           </a:solidFill>
@@ -5541,7 +5691,7 @@
           <a:sym typeface="Arial"/>
         </a:defRPr>
       </a:lvl7pPr>
-      <a:lvl8pPr lvl="7" marR="0" rtl="0" algn="l">
+      <a:lvl8pPr marR="0" lvl="7" algn="l" rtl="0">
         <a:lnSpc>
           <a:spcPct val="100000"/>
         </a:lnSpc>
@@ -5555,7 +5705,7 @@
           <a:srgbClr val="000000"/>
         </a:buClr>
         <a:buFont typeface="Arial"/>
-        <a:defRPr b="0" i="0" sz="1400" u="none" cap="none" strike="noStrike">
+        <a:defRPr sz="1400" b="0" i="0" u="none" strike="noStrike" cap="none">
           <a:solidFill>
             <a:srgbClr val="000000"/>
           </a:solidFill>
@@ -5565,7 +5715,7 @@
           <a:sym typeface="Arial"/>
         </a:defRPr>
       </a:lvl8pPr>
-      <a:lvl9pPr lvl="8" marR="0" rtl="0" algn="l">
+      <a:lvl9pPr marR="0" lvl="8" algn="l" rtl="0">
         <a:lnSpc>
           <a:spcPct val="100000"/>
         </a:lnSpc>
@@ -5579,7 +5729,7 @@
           <a:srgbClr val="000000"/>
         </a:buClr>
         <a:buFont typeface="Arial"/>
-        <a:defRPr b="0" i="0" sz="1400" u="none" cap="none" strike="noStrike">
+        <a:defRPr sz="1400" b="0" i="0" u="none" strike="noStrike" cap="none">
           <a:solidFill>
             <a:srgbClr val="000000"/>
           </a:solidFill>
@@ -5591,7 +5741,7 @@
       </a:lvl9pPr>
     </p:titleStyle>
     <p:bodyStyle>
-      <a:defPPr lvl="0" marR="0" rtl="0" algn="l">
+      <a:defPPr marR="0" lvl="0" algn="l" rtl="0">
         <a:lnSpc>
           <a:spcPct val="100000"/>
         </a:lnSpc>
@@ -5602,7 +5752,7 @@
           <a:spcPts val="0"/>
         </a:spcAft>
       </a:defPPr>
-      <a:lvl1pPr lvl="0" marR="0" rtl="0" algn="l">
+      <a:lvl1pPr marR="0" lvl="0" algn="l" rtl="0">
         <a:lnSpc>
           <a:spcPct val="100000"/>
         </a:lnSpc>
@@ -5616,7 +5766,7 @@
           <a:srgbClr val="000000"/>
         </a:buClr>
         <a:buFont typeface="Arial"/>
-        <a:defRPr b="0" i="0" sz="1400" u="none" cap="none" strike="noStrike">
+        <a:defRPr sz="1400" b="0" i="0" u="none" strike="noStrike" cap="none">
           <a:solidFill>
             <a:srgbClr val="000000"/>
           </a:solidFill>
@@ -5626,7 +5776,7 @@
           <a:sym typeface="Arial"/>
         </a:defRPr>
       </a:lvl1pPr>
-      <a:lvl2pPr lvl="1" marR="0" rtl="0" algn="l">
+      <a:lvl2pPr marR="0" lvl="1" algn="l" rtl="0">
         <a:lnSpc>
           <a:spcPct val="100000"/>
         </a:lnSpc>
@@ -5640,7 +5790,7 @@
           <a:srgbClr val="000000"/>
         </a:buClr>
         <a:buFont typeface="Arial"/>
-        <a:defRPr b="0" i="0" sz="1400" u="none" cap="none" strike="noStrike">
+        <a:defRPr sz="1400" b="0" i="0" u="none" strike="noStrike" cap="none">
           <a:solidFill>
             <a:srgbClr val="000000"/>
           </a:solidFill>
@@ -5650,7 +5800,7 @@
           <a:sym typeface="Arial"/>
         </a:defRPr>
       </a:lvl2pPr>
-      <a:lvl3pPr lvl="2" marR="0" rtl="0" algn="l">
+      <a:lvl3pPr marR="0" lvl="2" algn="l" rtl="0">
         <a:lnSpc>
           <a:spcPct val="100000"/>
         </a:lnSpc>
@@ -5664,7 +5814,7 @@
           <a:srgbClr val="000000"/>
         </a:buClr>
         <a:buFont typeface="Arial"/>
-        <a:defRPr b="0" i="0" sz="1400" u="none" cap="none" strike="noStrike">
+        <a:defRPr sz="1400" b="0" i="0" u="none" strike="noStrike" cap="none">
           <a:solidFill>
             <a:srgbClr val="000000"/>
           </a:solidFill>
@@ -5674,7 +5824,7 @@
           <a:sym typeface="Arial"/>
         </a:defRPr>
       </a:lvl3pPr>
-      <a:lvl4pPr lvl="3" marR="0" rtl="0" algn="l">
+      <a:lvl4pPr marR="0" lvl="3" algn="l" rtl="0">
         <a:lnSpc>
           <a:spcPct val="100000"/>
         </a:lnSpc>
@@ -5688,7 +5838,7 @@
           <a:srgbClr val="000000"/>
         </a:buClr>
         <a:buFont typeface="Arial"/>
-        <a:defRPr b="0" i="0" sz="1400" u="none" cap="none" strike="noStrike">
+        <a:defRPr sz="1400" b="0" i="0" u="none" strike="noStrike" cap="none">
           <a:solidFill>
             <a:srgbClr val="000000"/>
           </a:solidFill>
@@ -5698,7 +5848,7 @@
           <a:sym typeface="Arial"/>
         </a:defRPr>
       </a:lvl4pPr>
-      <a:lvl5pPr lvl="4" marR="0" rtl="0" algn="l">
+      <a:lvl5pPr marR="0" lvl="4" algn="l" rtl="0">
         <a:lnSpc>
           <a:spcPct val="100000"/>
         </a:lnSpc>
@@ -5712,7 +5862,7 @@
           <a:srgbClr val="000000"/>
         </a:buClr>
         <a:buFont typeface="Arial"/>
-        <a:defRPr b="0" i="0" sz="1400" u="none" cap="none" strike="noStrike">
+        <a:defRPr sz="1400" b="0" i="0" u="none" strike="noStrike" cap="none">
           <a:solidFill>
             <a:srgbClr val="000000"/>
           </a:solidFill>
@@ -5722,7 +5872,7 @@
           <a:sym typeface="Arial"/>
         </a:defRPr>
       </a:lvl5pPr>
-      <a:lvl6pPr lvl="5" marR="0" rtl="0" algn="l">
+      <a:lvl6pPr marR="0" lvl="5" algn="l" rtl="0">
         <a:lnSpc>
           <a:spcPct val="100000"/>
         </a:lnSpc>
@@ -5736,7 +5886,7 @@
           <a:srgbClr val="000000"/>
         </a:buClr>
         <a:buFont typeface="Arial"/>
-        <a:defRPr b="0" i="0" sz="1400" u="none" cap="none" strike="noStrike">
+        <a:defRPr sz="1400" b="0" i="0" u="none" strike="noStrike" cap="none">
           <a:solidFill>
             <a:srgbClr val="000000"/>
           </a:solidFill>
@@ -5746,7 +5896,7 @@
           <a:sym typeface="Arial"/>
         </a:defRPr>
       </a:lvl6pPr>
-      <a:lvl7pPr lvl="6" marR="0" rtl="0" algn="l">
+      <a:lvl7pPr marR="0" lvl="6" algn="l" rtl="0">
         <a:lnSpc>
           <a:spcPct val="100000"/>
         </a:lnSpc>
@@ -5760,7 +5910,7 @@
           <a:srgbClr val="000000"/>
         </a:buClr>
         <a:buFont typeface="Arial"/>
-        <a:defRPr b="0" i="0" sz="1400" u="none" cap="none" strike="noStrike">
+        <a:defRPr sz="1400" b="0" i="0" u="none" strike="noStrike" cap="none">
           <a:solidFill>
             <a:srgbClr val="000000"/>
           </a:solidFill>
@@ -5770,7 +5920,7 @@
           <a:sym typeface="Arial"/>
         </a:defRPr>
       </a:lvl7pPr>
-      <a:lvl8pPr lvl="7" marR="0" rtl="0" algn="l">
+      <a:lvl8pPr marR="0" lvl="7" algn="l" rtl="0">
         <a:lnSpc>
           <a:spcPct val="100000"/>
         </a:lnSpc>
@@ -5784,7 +5934,7 @@
           <a:srgbClr val="000000"/>
         </a:buClr>
         <a:buFont typeface="Arial"/>
-        <a:defRPr b="0" i="0" sz="1400" u="none" cap="none" strike="noStrike">
+        <a:defRPr sz="1400" b="0" i="0" u="none" strike="noStrike" cap="none">
           <a:solidFill>
             <a:srgbClr val="000000"/>
           </a:solidFill>
@@ -5794,7 +5944,7 @@
           <a:sym typeface="Arial"/>
         </a:defRPr>
       </a:lvl8pPr>
-      <a:lvl9pPr lvl="8" marR="0" rtl="0" algn="l">
+      <a:lvl9pPr marR="0" lvl="8" algn="l" rtl="0">
         <a:lnSpc>
           <a:spcPct val="100000"/>
         </a:lnSpc>
@@ -5808,7 +5958,7 @@
           <a:srgbClr val="000000"/>
         </a:buClr>
         <a:buFont typeface="Arial"/>
-        <a:defRPr b="0" i="0" sz="1400" u="none" cap="none" strike="noStrike">
+        <a:defRPr sz="1400" b="0" i="0" u="none" strike="noStrike" cap="none">
           <a:solidFill>
             <a:srgbClr val="000000"/>
           </a:solidFill>
@@ -5820,7 +5970,7 @@
       </a:lvl9pPr>
     </p:bodyStyle>
     <p:otherStyle>
-      <a:defPPr lvl="0" marR="0" rtl="0" algn="l">
+      <a:defPPr marR="0" lvl="0" algn="l" rtl="0">
         <a:lnSpc>
           <a:spcPct val="100000"/>
         </a:lnSpc>
@@ -5831,7 +5981,7 @@
           <a:spcPts val="0"/>
         </a:spcAft>
       </a:defPPr>
-      <a:lvl1pPr lvl="0" marR="0" rtl="0" algn="l">
+      <a:lvl1pPr marR="0" lvl="0" algn="l" rtl="0">
         <a:lnSpc>
           <a:spcPct val="100000"/>
         </a:lnSpc>
@@ -5845,7 +5995,7 @@
           <a:srgbClr val="000000"/>
         </a:buClr>
         <a:buFont typeface="Arial"/>
-        <a:defRPr b="0" i="0" sz="1400" u="none" cap="none" strike="noStrike">
+        <a:defRPr sz="1400" b="0" i="0" u="none" strike="noStrike" cap="none">
           <a:solidFill>
             <a:srgbClr val="000000"/>
           </a:solidFill>
@@ -5855,7 +6005,7 @@
           <a:sym typeface="Arial"/>
         </a:defRPr>
       </a:lvl1pPr>
-      <a:lvl2pPr lvl="1" marR="0" rtl="0" algn="l">
+      <a:lvl2pPr marR="0" lvl="1" algn="l" rtl="0">
         <a:lnSpc>
           <a:spcPct val="100000"/>
         </a:lnSpc>
@@ -5869,7 +6019,7 @@
           <a:srgbClr val="000000"/>
         </a:buClr>
         <a:buFont typeface="Arial"/>
-        <a:defRPr b="0" i="0" sz="1400" u="none" cap="none" strike="noStrike">
+        <a:defRPr sz="1400" b="0" i="0" u="none" strike="noStrike" cap="none">
           <a:solidFill>
             <a:srgbClr val="000000"/>
           </a:solidFill>
@@ -5879,7 +6029,7 @@
           <a:sym typeface="Arial"/>
         </a:defRPr>
       </a:lvl2pPr>
-      <a:lvl3pPr lvl="2" marR="0" rtl="0" algn="l">
+      <a:lvl3pPr marR="0" lvl="2" algn="l" rtl="0">
         <a:lnSpc>
           <a:spcPct val="100000"/>
         </a:lnSpc>
@@ -5893,7 +6043,7 @@
           <a:srgbClr val="000000"/>
         </a:buClr>
         <a:buFont typeface="Arial"/>
-        <a:defRPr b="0" i="0" sz="1400" u="none" cap="none" strike="noStrike">
+        <a:defRPr sz="1400" b="0" i="0" u="none" strike="noStrike" cap="none">
           <a:solidFill>
             <a:srgbClr val="000000"/>
           </a:solidFill>
@@ -5903,7 +6053,7 @@
           <a:sym typeface="Arial"/>
         </a:defRPr>
       </a:lvl3pPr>
-      <a:lvl4pPr lvl="3" marR="0" rtl="0" algn="l">
+      <a:lvl4pPr marR="0" lvl="3" algn="l" rtl="0">
         <a:lnSpc>
           <a:spcPct val="100000"/>
         </a:lnSpc>
@@ -5917,7 +6067,7 @@
           <a:srgbClr val="000000"/>
         </a:buClr>
         <a:buFont typeface="Arial"/>
-        <a:defRPr b="0" i="0" sz="1400" u="none" cap="none" strike="noStrike">
+        <a:defRPr sz="1400" b="0" i="0" u="none" strike="noStrike" cap="none">
           <a:solidFill>
             <a:srgbClr val="000000"/>
           </a:solidFill>
@@ -5927,7 +6077,7 @@
           <a:sym typeface="Arial"/>
         </a:defRPr>
       </a:lvl4pPr>
-      <a:lvl5pPr lvl="4" marR="0" rtl="0" algn="l">
+      <a:lvl5pPr marR="0" lvl="4" algn="l" rtl="0">
         <a:lnSpc>
           <a:spcPct val="100000"/>
         </a:lnSpc>
@@ -5941,7 +6091,7 @@
           <a:srgbClr val="000000"/>
         </a:buClr>
         <a:buFont typeface="Arial"/>
-        <a:defRPr b="0" i="0" sz="1400" u="none" cap="none" strike="noStrike">
+        <a:defRPr sz="1400" b="0" i="0" u="none" strike="noStrike" cap="none">
           <a:solidFill>
             <a:srgbClr val="000000"/>
           </a:solidFill>
@@ -5951,7 +6101,7 @@
           <a:sym typeface="Arial"/>
         </a:defRPr>
       </a:lvl5pPr>
-      <a:lvl6pPr lvl="5" marR="0" rtl="0" algn="l">
+      <a:lvl6pPr marR="0" lvl="5" algn="l" rtl="0">
         <a:lnSpc>
           <a:spcPct val="100000"/>
         </a:lnSpc>
@@ -5965,7 +6115,7 @@
           <a:srgbClr val="000000"/>
         </a:buClr>
         <a:buFont typeface="Arial"/>
-        <a:defRPr b="0" i="0" sz="1400" u="none" cap="none" strike="noStrike">
+        <a:defRPr sz="1400" b="0" i="0" u="none" strike="noStrike" cap="none">
           <a:solidFill>
             <a:srgbClr val="000000"/>
           </a:solidFill>
@@ -5975,7 +6125,7 @@
           <a:sym typeface="Arial"/>
         </a:defRPr>
       </a:lvl6pPr>
-      <a:lvl7pPr lvl="6" marR="0" rtl="0" algn="l">
+      <a:lvl7pPr marR="0" lvl="6" algn="l" rtl="0">
         <a:lnSpc>
           <a:spcPct val="100000"/>
         </a:lnSpc>
@@ -5989,7 +6139,7 @@
           <a:srgbClr val="000000"/>
         </a:buClr>
         <a:buFont typeface="Arial"/>
-        <a:defRPr b="0" i="0" sz="1400" u="none" cap="none" strike="noStrike">
+        <a:defRPr sz="1400" b="0" i="0" u="none" strike="noStrike" cap="none">
           <a:solidFill>
             <a:srgbClr val="000000"/>
           </a:solidFill>
@@ -5999,7 +6149,7 @@
           <a:sym typeface="Arial"/>
         </a:defRPr>
       </a:lvl7pPr>
-      <a:lvl8pPr lvl="7" marR="0" rtl="0" algn="l">
+      <a:lvl8pPr marR="0" lvl="7" algn="l" rtl="0">
         <a:lnSpc>
           <a:spcPct val="100000"/>
         </a:lnSpc>
@@ -6013,7 +6163,7 @@
           <a:srgbClr val="000000"/>
         </a:buClr>
         <a:buFont typeface="Arial"/>
-        <a:defRPr b="0" i="0" sz="1400" u="none" cap="none" strike="noStrike">
+        <a:defRPr sz="1400" b="0" i="0" u="none" strike="noStrike" cap="none">
           <a:solidFill>
             <a:srgbClr val="000000"/>
           </a:solidFill>
@@ -6023,7 +6173,7 @@
           <a:sym typeface="Arial"/>
         </a:defRPr>
       </a:lvl8pPr>
-      <a:lvl9pPr lvl="8" marR="0" rtl="0" algn="l">
+      <a:lvl9pPr marR="0" lvl="8" algn="l" rtl="0">
         <a:lnSpc>
           <a:spcPct val="100000"/>
         </a:lnSpc>
@@ -6037,7 +6187,7 @@
           <a:srgbClr val="000000"/>
         </a:buClr>
         <a:buFont typeface="Arial"/>
-        <a:defRPr b="0" i="0" sz="1400" u="none" cap="none" strike="noStrike">
+        <a:defRPr sz="1400" b="0" i="0" u="none" strike="noStrike" cap="none">
           <a:solidFill>
             <a:srgbClr val="000000"/>
           </a:solidFill>
@@ -6053,11 +6203,11 @@
 </file>
 
 <file path=ppt/slides/slide1.xml><?xml version="1.0" encoding="utf-8"?>
-<p:sld xmlns:a="http://schemas.openxmlformats.org/drawingml/2006/main" xmlns:r="http://schemas.openxmlformats.org/officeDocument/2006/relationships" xmlns:mc="http://schemas.openxmlformats.org/markup-compatibility/2006" xmlns:mv="urn:schemas-microsoft-com:mac:vml" xmlns:p="http://schemas.openxmlformats.org/presentationml/2006/main" xmlns:c="http://schemas.openxmlformats.org/drawingml/2006/chart" xmlns:dgm="http://schemas.openxmlformats.org/drawingml/2006/diagram" xmlns:o="urn:schemas-microsoft-com:office:office" xmlns:v="urn:schemas-microsoft-com:vml" xmlns:pvml="urn:schemas-microsoft-com:office:powerpoint" xmlns:com="http://schemas.openxmlformats.org/drawingml/2006/compatibility" xmlns:p14="http://schemas.microsoft.com/office/powerpoint/2010/main" xmlns:p15="http://schemas.microsoft.com/office/powerpoint/2012/main" xmlns:ahyp="http://schemas.microsoft.com/office/drawing/2018/hyperlinkcolor">
+<p:sld xmlns:a="http://schemas.openxmlformats.org/drawingml/2006/main" xmlns:r="http://schemas.openxmlformats.org/officeDocument/2006/relationships" xmlns:p="http://schemas.openxmlformats.org/presentationml/2006/main">
   <p:cSld>
     <p:spTree>
       <p:nvGrpSpPr>
-        <p:cNvPr id="53" name="Shape 53"/>
+        <p:cNvPr id="1" name="Shape 53"/>
         <p:cNvGrpSpPr/>
         <p:nvPr/>
       </p:nvGrpSpPr>
@@ -6072,7 +6222,9 @@
       <p:sp>
         <p:nvSpPr>
           <p:cNvPr id="54" name="Google Shape;54;p13"/>
-          <p:cNvSpPr txBox="1"/>
+          <p:cNvSpPr txBox="1">
+            <a:spLocks noGrp="1"/>
+          </p:cNvSpPr>
           <p:nvPr>
             <p:ph type="ctrTitle"/>
           </p:nvPr>
@@ -6091,12 +6243,12 @@
           </a:ln>
         </p:spPr>
         <p:txBody>
-          <a:bodyPr anchorCtr="0" anchor="b" bIns="91425" lIns="91425" spcFirstLastPara="1" rIns="91425" wrap="square" tIns="91425">
+          <a:bodyPr spcFirstLastPara="1" wrap="square" lIns="91425" tIns="91425" rIns="91425" bIns="91425" anchor="b" anchorCtr="0">
             <a:normAutofit/>
           </a:bodyPr>
           <a:lstStyle/>
           <a:p>
-            <a:pPr indent="0" lvl="0" marL="0" rtl="0" algn="ctr">
+            <a:pPr marL="0" lvl="0" indent="0" algn="ctr" rtl="0">
               <a:lnSpc>
                 <a:spcPct val="100000"/>
               </a:lnSpc>
@@ -6110,26 +6262,28 @@
               <a:buNone/>
             </a:pPr>
             <a:r>
-              <a:rPr lang="en"/>
+              <a:rPr lang="en" sz="3600" dirty="0"/>
               <a:t>RESIN Terrorist Mass Shooting Schema</a:t>
             </a:r>
             <a:br>
-              <a:rPr lang="en"/>
+              <a:rPr lang="en" dirty="0"/>
             </a:br>
             <a:r>
-              <a:rPr lang="en" sz="1600"/>
-              <a:t>Quizlet 9</a:t>
+              <a:rPr lang="en" sz="1600" dirty="0"/>
+              <a:t>Updated March 20, 2022</a:t>
             </a:r>
-            <a:endParaRPr/>
+            <a:endParaRPr dirty="0"/>
           </a:p>
         </p:txBody>
       </p:sp>
       <p:sp>
         <p:nvSpPr>
           <p:cNvPr id="55" name="Google Shape;55;p13"/>
-          <p:cNvSpPr txBox="1"/>
+          <p:cNvSpPr txBox="1">
+            <a:spLocks noGrp="1"/>
+          </p:cNvSpPr>
           <p:nvPr>
-            <p:ph idx="1" type="subTitle"/>
+            <p:ph type="subTitle" idx="1"/>
           </p:nvPr>
         </p:nvSpPr>
         <p:spPr>
@@ -6146,12 +6300,12 @@
           </a:ln>
         </p:spPr>
         <p:txBody>
-          <a:bodyPr anchorCtr="0" anchor="t" bIns="91425" lIns="91425" spcFirstLastPara="1" rIns="91425" wrap="square" tIns="91425">
-            <a:normAutofit fontScale="85000" lnSpcReduction="20000"/>
+          <a:bodyPr spcFirstLastPara="1" wrap="square" lIns="91425" tIns="91425" rIns="91425" bIns="91425" anchor="t" anchorCtr="0">
+            <a:normAutofit/>
           </a:bodyPr>
           <a:lstStyle/>
           <a:p>
-            <a:pPr indent="0" lvl="0" marL="0" rtl="0" algn="ctr">
+            <a:pPr marL="0" lvl="0" indent="0" algn="ctr" rtl="0">
               <a:lnSpc>
                 <a:spcPct val="100000"/>
               </a:lnSpc>
@@ -6165,25 +6319,25 @@
               <a:buNone/>
             </a:pPr>
             <a:r>
-              <a:rPr lang="en"/>
-              <a:t>Ghazaleh Kazeminejad, </a:t>
+              <a:rPr lang="en" sz="1600" dirty="0" err="1"/>
+              <a:t>Ghazaleh</a:t>
             </a:r>
             <a:r>
-              <a:rPr lang="en"/>
-              <a:t>Sha Li, </a:t>
+              <a:rPr lang="en" sz="1600" dirty="0"/>
+              <a:t> </a:t>
             </a:r>
             <a:r>
-              <a:rPr lang="en"/>
-              <a:t>Iris Liu, </a:t>
+              <a:rPr lang="en" sz="1600" dirty="0" err="1"/>
+              <a:t>Kazeminejad</a:t>
             </a:r>
             <a:r>
-              <a:rPr lang="en"/>
-              <a:t>Michael Regan,</a:t>
+              <a:rPr lang="en" sz="1600" dirty="0"/>
+              <a:t>, Sha Li, Iris Liu, Michael Regan,</a:t>
             </a:r>
-            <a:endParaRPr/>
+            <a:endParaRPr sz="1600" dirty="0"/>
           </a:p>
           <a:p>
-            <a:pPr indent="0" lvl="0" marL="0" rtl="0" algn="ctr">
+            <a:pPr marL="0" lvl="0" indent="0" algn="ctr" rtl="0">
               <a:lnSpc>
                 <a:spcPct val="100000"/>
               </a:lnSpc>
@@ -6197,10 +6351,10 @@
               <a:buNone/>
             </a:pPr>
             <a:r>
-              <a:rPr lang="en"/>
+              <a:rPr lang="en" sz="1600" dirty="0"/>
               <a:t>Susan Brown, Martha Palmer, Heng Ji</a:t>
             </a:r>
-            <a:endParaRPr/>
+            <a:endParaRPr sz="1600" dirty="0"/>
           </a:p>
         </p:txBody>
       </p:sp>
@@ -6213,11 +6367,11 @@
 </file>
 
 <file path=ppt/slides/slide2.xml><?xml version="1.0" encoding="utf-8"?>
-<p:sld xmlns:a="http://schemas.openxmlformats.org/drawingml/2006/main" xmlns:r="http://schemas.openxmlformats.org/officeDocument/2006/relationships" xmlns:mc="http://schemas.openxmlformats.org/markup-compatibility/2006" xmlns:mv="urn:schemas-microsoft-com:mac:vml" xmlns:p="http://schemas.openxmlformats.org/presentationml/2006/main" xmlns:c="http://schemas.openxmlformats.org/drawingml/2006/chart" xmlns:dgm="http://schemas.openxmlformats.org/drawingml/2006/diagram" xmlns:o="urn:schemas-microsoft-com:office:office" xmlns:v="urn:schemas-microsoft-com:vml" xmlns:pvml="urn:schemas-microsoft-com:office:powerpoint" xmlns:com="http://schemas.openxmlformats.org/drawingml/2006/compatibility" xmlns:p14="http://schemas.microsoft.com/office/powerpoint/2010/main" xmlns:p15="http://schemas.microsoft.com/office/powerpoint/2012/main" xmlns:ahyp="http://schemas.microsoft.com/office/drawing/2018/hyperlinkcolor">
+<p:sld xmlns:a="http://schemas.openxmlformats.org/drawingml/2006/main" xmlns:r="http://schemas.openxmlformats.org/officeDocument/2006/relationships" xmlns:p="http://schemas.openxmlformats.org/presentationml/2006/main">
   <p:cSld>
     <p:spTree>
       <p:nvGrpSpPr>
-        <p:cNvPr id="59" name="Shape 59"/>
+        <p:cNvPr id="1" name="Shape 59"/>
         <p:cNvGrpSpPr/>
         <p:nvPr/>
       </p:nvGrpSpPr>
@@ -6232,7 +6386,9 @@
       <p:sp>
         <p:nvSpPr>
           <p:cNvPr id="60" name="Google Shape;60;p14"/>
-          <p:cNvSpPr txBox="1"/>
+          <p:cNvSpPr txBox="1">
+            <a:spLocks noGrp="1"/>
+          </p:cNvSpPr>
           <p:nvPr>
             <p:ph type="title"/>
           </p:nvPr>
@@ -6247,12 +6403,12 @@
           </a:prstGeom>
         </p:spPr>
         <p:txBody>
-          <a:bodyPr anchorCtr="0" anchor="t" bIns="91425" lIns="91425" spcFirstLastPara="1" rIns="91425" wrap="square" tIns="91425">
+          <a:bodyPr spcFirstLastPara="1" wrap="square" lIns="91425" tIns="91425" rIns="91425" bIns="91425" anchor="t" anchorCtr="0">
             <a:normAutofit fontScale="90000"/>
           </a:bodyPr>
           <a:lstStyle/>
           <a:p>
-            <a:pPr indent="0" lvl="0" marL="0" rtl="0" algn="l">
+            <a:pPr marL="0" lvl="0" indent="0" algn="l" rtl="0">
               <a:spcBef>
                 <a:spcPts val="0"/>
               </a:spcBef>
@@ -6334,11 +6490,11 @@
 </file>
 
 <file path=ppt/slides/slide3.xml><?xml version="1.0" encoding="utf-8"?>
-<p:sld xmlns:a="http://schemas.openxmlformats.org/drawingml/2006/main" xmlns:r="http://schemas.openxmlformats.org/officeDocument/2006/relationships" xmlns:mc="http://schemas.openxmlformats.org/markup-compatibility/2006" xmlns:mv="urn:schemas-microsoft-com:mac:vml" xmlns:p="http://schemas.openxmlformats.org/presentationml/2006/main" xmlns:c="http://schemas.openxmlformats.org/drawingml/2006/chart" xmlns:dgm="http://schemas.openxmlformats.org/drawingml/2006/diagram" xmlns:o="urn:schemas-microsoft-com:office:office" xmlns:v="urn:schemas-microsoft-com:vml" xmlns:pvml="urn:schemas-microsoft-com:office:powerpoint" xmlns:com="http://schemas.openxmlformats.org/drawingml/2006/compatibility" xmlns:p14="http://schemas.microsoft.com/office/powerpoint/2010/main" xmlns:p15="http://schemas.microsoft.com/office/powerpoint/2012/main" xmlns:ahyp="http://schemas.microsoft.com/office/drawing/2018/hyperlinkcolor">
+<p:sld xmlns:a="http://schemas.openxmlformats.org/drawingml/2006/main" xmlns:r="http://schemas.openxmlformats.org/officeDocument/2006/relationships" xmlns:p="http://schemas.openxmlformats.org/presentationml/2006/main">
   <p:cSld>
     <p:spTree>
       <p:nvGrpSpPr>
-        <p:cNvPr id="66" name="Shape 66"/>
+        <p:cNvPr id="1" name="Shape 66"/>
         <p:cNvGrpSpPr/>
         <p:nvPr/>
       </p:nvGrpSpPr>
@@ -6353,7 +6509,9 @@
       <p:sp>
         <p:nvSpPr>
           <p:cNvPr id="67" name="Google Shape;67;p15"/>
-          <p:cNvSpPr txBox="1"/>
+          <p:cNvSpPr txBox="1">
+            <a:spLocks noGrp="1"/>
+          </p:cNvSpPr>
           <p:nvPr>
             <p:ph type="title"/>
           </p:nvPr>
@@ -6368,12 +6526,12 @@
           </a:prstGeom>
         </p:spPr>
         <p:txBody>
-          <a:bodyPr anchorCtr="0" anchor="b" bIns="91425" lIns="91425" spcFirstLastPara="1" rIns="91425" wrap="square" tIns="91425">
+          <a:bodyPr spcFirstLastPara="1" wrap="square" lIns="91425" tIns="91425" rIns="91425" bIns="91425" anchor="b" anchorCtr="0">
             <a:normAutofit/>
           </a:bodyPr>
           <a:lstStyle/>
           <a:p>
-            <a:pPr indent="0" lvl="0" marL="0" rtl="0" algn="l">
+            <a:pPr marL="0" lvl="0" indent="0" algn="l" rtl="0">
               <a:spcBef>
                 <a:spcPts val="0"/>
               </a:spcBef>
@@ -6383,19 +6541,21 @@
               <a:buNone/>
             </a:pPr>
             <a:r>
-              <a:rPr lang="en"/>
-              <a:t>Motive (10296)</a:t>
+              <a:rPr lang="en" dirty="0"/>
+              <a:t>Motive</a:t>
             </a:r>
-            <a:endParaRPr/>
+            <a:endParaRPr dirty="0"/>
           </a:p>
         </p:txBody>
       </p:sp>
       <p:sp>
         <p:nvSpPr>
           <p:cNvPr id="68" name="Google Shape;68;p15"/>
-          <p:cNvSpPr txBox="1"/>
+          <p:cNvSpPr txBox="1">
+            <a:spLocks noGrp="1"/>
+          </p:cNvSpPr>
           <p:nvPr>
-            <p:ph idx="1" type="body"/>
+            <p:ph type="body" idx="1"/>
           </p:nvPr>
         </p:nvSpPr>
         <p:spPr>
@@ -6408,12 +6568,12 @@
           </a:prstGeom>
         </p:spPr>
         <p:txBody>
-          <a:bodyPr anchorCtr="0" anchor="t" bIns="91425" lIns="91425" spcFirstLastPara="1" rIns="91425" wrap="square" tIns="91425">
+          <a:bodyPr spcFirstLastPara="1" wrap="square" lIns="91425" tIns="91425" rIns="91425" bIns="91425" anchor="t" anchorCtr="0">
             <a:normAutofit/>
           </a:bodyPr>
           <a:lstStyle/>
           <a:p>
-            <a:pPr indent="0" lvl="0" marL="0" rtl="0" algn="l">
+            <a:pPr marL="0" lvl="0" indent="0" algn="l" rtl="0">
               <a:spcBef>
                 <a:spcPts val="0"/>
               </a:spcBef>
@@ -6423,17 +6583,17 @@
               <a:buNone/>
             </a:pPr>
             <a:r>
-              <a:rPr b="1" lang="en"/>
-              <a:t>Failure (10303)</a:t>
+              <a:rPr lang="en" b="1" dirty="0"/>
+              <a:t>Failure</a:t>
             </a:r>
             <a:r>
-              <a:rPr lang="en"/>
+              <a:rPr lang="en" dirty="0"/>
               <a:t>: state or event of not meeting a desirable or intended objective, relative to a particular observer or belief system</a:t>
             </a:r>
-            <a:endParaRPr/>
+            <a:endParaRPr dirty="0"/>
           </a:p>
           <a:p>
-            <a:pPr indent="0" lvl="0" marL="0" rtl="0" algn="l">
+            <a:pPr marL="0" lvl="0" indent="0" algn="l" rtl="0">
               <a:spcBef>
                 <a:spcPts val="1200"/>
               </a:spcBef>
@@ -6443,17 +6603,17 @@
               <a:buNone/>
             </a:pPr>
             <a:r>
-              <a:rPr b="1" lang="en"/>
-              <a:t>Social conflict (10301)</a:t>
+              <a:rPr lang="en" b="1" dirty="0"/>
+              <a:t>Social conflict</a:t>
             </a:r>
             <a:r>
-              <a:rPr lang="en"/>
+              <a:rPr lang="en" dirty="0"/>
               <a:t>: struggle for agency or power in society, when two or more actors oppose each other in social interaction</a:t>
             </a:r>
-            <a:endParaRPr/>
+            <a:endParaRPr dirty="0"/>
           </a:p>
           <a:p>
-            <a:pPr indent="0" lvl="0" marL="0" rtl="0" algn="l">
+            <a:pPr marL="0" lvl="0" indent="0" algn="l" rtl="0">
               <a:spcBef>
                 <a:spcPts val="1200"/>
               </a:spcBef>
@@ -6463,14 +6623,14 @@
               <a:buNone/>
             </a:pPr>
             <a:r>
-              <a:rPr b="1" lang="en"/>
-              <a:t>Revenge (10302)</a:t>
+              <a:rPr lang="en" b="1" dirty="0"/>
+              <a:t>Revenge</a:t>
             </a:r>
             <a:r>
-              <a:rPr lang="en"/>
+              <a:rPr lang="en" dirty="0"/>
               <a:t>: harmful action in response to a grievance</a:t>
             </a:r>
-            <a:endParaRPr/>
+            <a:endParaRPr dirty="0"/>
           </a:p>
         </p:txBody>
       </p:sp>
@@ -6511,11 +6671,11 @@
 </file>
 
 <file path=ppt/slides/slide4.xml><?xml version="1.0" encoding="utf-8"?>
-<p:sld xmlns:a="http://schemas.openxmlformats.org/drawingml/2006/main" xmlns:r="http://schemas.openxmlformats.org/officeDocument/2006/relationships" xmlns:mc="http://schemas.openxmlformats.org/markup-compatibility/2006" xmlns:mv="urn:schemas-microsoft-com:mac:vml" xmlns:p="http://schemas.openxmlformats.org/presentationml/2006/main" xmlns:c="http://schemas.openxmlformats.org/drawingml/2006/chart" xmlns:dgm="http://schemas.openxmlformats.org/drawingml/2006/diagram" xmlns:o="urn:schemas-microsoft-com:office:office" xmlns:v="urn:schemas-microsoft-com:vml" xmlns:pvml="urn:schemas-microsoft-com:office:powerpoint" xmlns:com="http://schemas.openxmlformats.org/drawingml/2006/compatibility" xmlns:p14="http://schemas.microsoft.com/office/powerpoint/2010/main" xmlns:p15="http://schemas.microsoft.com/office/powerpoint/2012/main" xmlns:ahyp="http://schemas.microsoft.com/office/drawing/2018/hyperlinkcolor">
+<p:sld xmlns:a="http://schemas.openxmlformats.org/drawingml/2006/main" xmlns:r="http://schemas.openxmlformats.org/officeDocument/2006/relationships" xmlns:p="http://schemas.openxmlformats.org/presentationml/2006/main">
   <p:cSld>
     <p:spTree>
       <p:nvGrpSpPr>
-        <p:cNvPr id="73" name="Shape 73"/>
+        <p:cNvPr id="1" name="Shape 73"/>
         <p:cNvGrpSpPr/>
         <p:nvPr/>
       </p:nvGrpSpPr>
@@ -6530,7 +6690,9 @@
       <p:sp>
         <p:nvSpPr>
           <p:cNvPr id="74" name="Google Shape;74;p16"/>
-          <p:cNvSpPr txBox="1"/>
+          <p:cNvSpPr txBox="1">
+            <a:spLocks noGrp="1"/>
+          </p:cNvSpPr>
           <p:nvPr>
             <p:ph type="title"/>
           </p:nvPr>
@@ -6545,12 +6707,12 @@
           </a:prstGeom>
         </p:spPr>
         <p:txBody>
-          <a:bodyPr anchorCtr="0" anchor="b" bIns="91425" lIns="91425" spcFirstLastPara="1" rIns="91425" wrap="square" tIns="91425">
+          <a:bodyPr spcFirstLastPara="1" wrap="square" lIns="91425" tIns="91425" rIns="91425" bIns="91425" anchor="b" anchorCtr="0">
             <a:normAutofit/>
           </a:bodyPr>
           <a:lstStyle/>
           <a:p>
-            <a:pPr indent="0" lvl="0" marL="0" rtl="0" algn="l">
+            <a:pPr marL="0" lvl="0" indent="0" algn="l" rtl="0">
               <a:spcBef>
                 <a:spcPts val="0"/>
               </a:spcBef>
@@ -6560,19 +6722,21 @@
               <a:buNone/>
             </a:pPr>
             <a:r>
-              <a:rPr lang="en"/>
-              <a:t>Planning (10297)</a:t>
+              <a:rPr lang="en" dirty="0"/>
+              <a:t>Planning</a:t>
             </a:r>
-            <a:endParaRPr/>
+            <a:endParaRPr dirty="0"/>
           </a:p>
         </p:txBody>
       </p:sp>
       <p:sp>
         <p:nvSpPr>
           <p:cNvPr id="75" name="Google Shape;75;p16"/>
-          <p:cNvSpPr txBox="1"/>
+          <p:cNvSpPr txBox="1">
+            <a:spLocks noGrp="1"/>
+          </p:cNvSpPr>
           <p:nvPr>
-            <p:ph idx="1" type="body"/>
+            <p:ph type="body" idx="1"/>
           </p:nvPr>
         </p:nvSpPr>
         <p:spPr>
@@ -6585,12 +6749,12 @@
           </a:prstGeom>
         </p:spPr>
         <p:txBody>
-          <a:bodyPr anchorCtr="0" anchor="t" bIns="91425" lIns="91425" spcFirstLastPara="1" rIns="91425" wrap="square" tIns="91425">
+          <a:bodyPr spcFirstLastPara="1" wrap="square" lIns="91425" tIns="91425" rIns="91425" bIns="91425" anchor="t" anchorCtr="0">
             <a:normAutofit/>
           </a:bodyPr>
           <a:lstStyle/>
           <a:p>
-            <a:pPr indent="0" lvl="0" marL="0" rtl="0" algn="l">
+            <a:pPr marL="0" lvl="0" indent="0" algn="l" rtl="0">
               <a:spcBef>
                 <a:spcPts val="0"/>
               </a:spcBef>
@@ -6600,17 +6764,17 @@
               <a:buNone/>
             </a:pPr>
             <a:r>
-              <a:rPr b="1" lang="en"/>
-              <a:t>Intentional human activity (10304)</a:t>
+              <a:rPr lang="en" b="1" dirty="0"/>
+              <a:t>Intentional human activity</a:t>
             </a:r>
             <a:r>
-              <a:rPr lang="en"/>
+              <a:rPr lang="en" dirty="0"/>
               <a:t>: human activity driven by purposeful motives</a:t>
             </a:r>
-            <a:endParaRPr/>
+            <a:endParaRPr dirty="0"/>
           </a:p>
           <a:p>
-            <a:pPr indent="0" lvl="0" marL="0" rtl="0" algn="l">
+            <a:pPr marL="0" lvl="0" indent="0" algn="l" rtl="0">
               <a:spcBef>
                 <a:spcPts val="1200"/>
               </a:spcBef>
@@ -6620,17 +6784,17 @@
               <a:buNone/>
             </a:pPr>
             <a:r>
-              <a:rPr b="1" lang="en"/>
-              <a:t>Decision (10305)</a:t>
+              <a:rPr lang="en" b="1" dirty="0"/>
+              <a:t>Decision</a:t>
             </a:r>
             <a:r>
-              <a:rPr lang="en"/>
+              <a:rPr lang="en" dirty="0"/>
               <a:t>: result of deliberation</a:t>
             </a:r>
-            <a:endParaRPr/>
+            <a:endParaRPr dirty="0"/>
           </a:p>
           <a:p>
-            <a:pPr indent="0" lvl="0" marL="0" rtl="0" algn="l">
+            <a:pPr marL="0" lvl="0" indent="0" algn="l" rtl="0">
               <a:spcBef>
                 <a:spcPts val="1200"/>
               </a:spcBef>
@@ -6640,17 +6804,17 @@
               <a:buNone/>
             </a:pPr>
             <a:r>
-              <a:rPr b="1" lang="en"/>
-              <a:t>Buy (10306)</a:t>
+              <a:rPr lang="en" b="1" dirty="0"/>
+              <a:t>Buy</a:t>
             </a:r>
             <a:r>
-              <a:rPr lang="en"/>
+              <a:rPr lang="en" dirty="0"/>
               <a:t>: purchase weapon for crime</a:t>
             </a:r>
-            <a:endParaRPr/>
+            <a:endParaRPr dirty="0"/>
           </a:p>
           <a:p>
-            <a:pPr indent="0" lvl="0" marL="0" rtl="0" algn="l">
+            <a:pPr marL="0" lvl="0" indent="0" algn="l" rtl="0">
               <a:spcBef>
                 <a:spcPts val="1200"/>
               </a:spcBef>
@@ -6660,14 +6824,14 @@
               <a:buNone/>
             </a:pPr>
             <a:r>
-              <a:rPr b="1" lang="en"/>
-              <a:t>Announcement (10307)</a:t>
+              <a:rPr lang="en" b="1" dirty="0"/>
+              <a:t>Announcement</a:t>
             </a:r>
             <a:r>
-              <a:rPr lang="en"/>
+              <a:rPr lang="en" dirty="0"/>
               <a:t>: printed, spoken, or published statement or notice of intent of mass shooting</a:t>
             </a:r>
-            <a:endParaRPr/>
+            <a:endParaRPr dirty="0"/>
           </a:p>
         </p:txBody>
       </p:sp>
@@ -6708,11 +6872,11 @@
 </file>
 
 <file path=ppt/slides/slide5.xml><?xml version="1.0" encoding="utf-8"?>
-<p:sld xmlns:a="http://schemas.openxmlformats.org/drawingml/2006/main" xmlns:r="http://schemas.openxmlformats.org/officeDocument/2006/relationships" xmlns:mc="http://schemas.openxmlformats.org/markup-compatibility/2006" xmlns:mv="urn:schemas-microsoft-com:mac:vml" xmlns:p="http://schemas.openxmlformats.org/presentationml/2006/main" xmlns:c="http://schemas.openxmlformats.org/drawingml/2006/chart" xmlns:dgm="http://schemas.openxmlformats.org/drawingml/2006/diagram" xmlns:o="urn:schemas-microsoft-com:office:office" xmlns:v="urn:schemas-microsoft-com:vml" xmlns:pvml="urn:schemas-microsoft-com:office:powerpoint" xmlns:com="http://schemas.openxmlformats.org/drawingml/2006/compatibility" xmlns:p14="http://schemas.microsoft.com/office/powerpoint/2010/main" xmlns:p15="http://schemas.microsoft.com/office/powerpoint/2012/main" xmlns:ahyp="http://schemas.microsoft.com/office/drawing/2018/hyperlinkcolor">
+<p:sld xmlns:a="http://schemas.openxmlformats.org/drawingml/2006/main" xmlns:r="http://schemas.openxmlformats.org/officeDocument/2006/relationships" xmlns:p="http://schemas.openxmlformats.org/presentationml/2006/main">
   <p:cSld>
     <p:spTree>
       <p:nvGrpSpPr>
-        <p:cNvPr id="80" name="Shape 80"/>
+        <p:cNvPr id="1" name="Shape 80"/>
         <p:cNvGrpSpPr/>
         <p:nvPr/>
       </p:nvGrpSpPr>
@@ -6727,7 +6891,9 @@
       <p:sp>
         <p:nvSpPr>
           <p:cNvPr id="81" name="Google Shape;81;p17"/>
-          <p:cNvSpPr txBox="1"/>
+          <p:cNvSpPr txBox="1">
+            <a:spLocks noGrp="1"/>
+          </p:cNvSpPr>
           <p:nvPr>
             <p:ph type="title"/>
           </p:nvPr>
@@ -6742,12 +6908,12 @@
           </a:prstGeom>
         </p:spPr>
         <p:txBody>
-          <a:bodyPr anchorCtr="0" anchor="b" bIns="91425" lIns="91425" spcFirstLastPara="1" rIns="91425" wrap="square" tIns="91425">
+          <a:bodyPr spcFirstLastPara="1" wrap="square" lIns="91425" tIns="91425" rIns="91425" bIns="91425" anchor="b" anchorCtr="0">
             <a:normAutofit/>
           </a:bodyPr>
           <a:lstStyle/>
           <a:p>
-            <a:pPr indent="0" lvl="0" marL="0" rtl="0" algn="l">
+            <a:pPr marL="0" lvl="0" indent="0" algn="l" rtl="0">
               <a:spcBef>
                 <a:spcPts val="0"/>
               </a:spcBef>
@@ -6757,19 +6923,21 @@
               <a:buNone/>
             </a:pPr>
             <a:r>
-              <a:rPr lang="en"/>
-              <a:t>Attack (10298)</a:t>
+              <a:rPr lang="en" dirty="0"/>
+              <a:t>Attack</a:t>
             </a:r>
-            <a:endParaRPr/>
+            <a:endParaRPr dirty="0"/>
           </a:p>
         </p:txBody>
       </p:sp>
       <p:sp>
         <p:nvSpPr>
           <p:cNvPr id="82" name="Google Shape;82;p17"/>
-          <p:cNvSpPr txBox="1"/>
+          <p:cNvSpPr txBox="1">
+            <a:spLocks noGrp="1"/>
+          </p:cNvSpPr>
           <p:nvPr>
-            <p:ph idx="1" type="body"/>
+            <p:ph type="body" idx="1"/>
           </p:nvPr>
         </p:nvSpPr>
         <p:spPr>
@@ -6782,12 +6950,12 @@
           </a:prstGeom>
         </p:spPr>
         <p:txBody>
-          <a:bodyPr anchorCtr="0" anchor="t" bIns="91425" lIns="91425" spcFirstLastPara="1" rIns="91425" wrap="square" tIns="91425">
-            <a:normAutofit fontScale="85000" lnSpcReduction="10000"/>
+          <a:bodyPr spcFirstLastPara="1" wrap="square" lIns="91425" tIns="91425" rIns="91425" bIns="91425" anchor="t" anchorCtr="0">
+            <a:normAutofit fontScale="92500" lnSpcReduction="20000"/>
           </a:bodyPr>
           <a:lstStyle/>
           <a:p>
-            <a:pPr indent="0" lvl="0" marL="0" rtl="0" algn="l">
+            <a:pPr marL="0" lvl="0" indent="0" algn="l" rtl="0">
               <a:spcBef>
                 <a:spcPts val="0"/>
               </a:spcBef>
@@ -6797,17 +6965,17 @@
               <a:buNone/>
             </a:pPr>
             <a:r>
-              <a:rPr b="1" lang="en"/>
-              <a:t>Motion (10308)</a:t>
+              <a:rPr lang="en" b="1" dirty="0"/>
+              <a:t>Motion</a:t>
             </a:r>
             <a:r>
-              <a:rPr lang="en"/>
+              <a:rPr lang="en" dirty="0"/>
               <a:t>: change in position of an object over time; a body is said to be in motion if it changes its position with respect to its immediate surroundings</a:t>
             </a:r>
-            <a:endParaRPr/>
+            <a:endParaRPr dirty="0"/>
           </a:p>
           <a:p>
-            <a:pPr indent="0" lvl="0" marL="0" rtl="0" algn="l">
+            <a:pPr marL="0" lvl="0" indent="0" algn="l" rtl="0">
               <a:spcBef>
                 <a:spcPts val="1200"/>
               </a:spcBef>
@@ -6817,17 +6985,17 @@
               <a:buNone/>
             </a:pPr>
             <a:r>
-              <a:rPr b="1" lang="en"/>
-              <a:t>Gun violence (10309)</a:t>
+              <a:rPr lang="en" b="1" dirty="0"/>
+              <a:t>Gun violence</a:t>
             </a:r>
             <a:r>
-              <a:rPr lang="en"/>
+              <a:rPr lang="en" dirty="0"/>
               <a:t>: broadly defined as violence committed with the use of a gun</a:t>
             </a:r>
-            <a:endParaRPr/>
+            <a:endParaRPr dirty="0"/>
           </a:p>
           <a:p>
-            <a:pPr indent="0" lvl="0" marL="0" rtl="0" algn="l">
+            <a:pPr marL="0" lvl="0" indent="0" algn="l" rtl="0">
               <a:spcBef>
                 <a:spcPts val="1200"/>
               </a:spcBef>
@@ -6837,17 +7005,17 @@
               <a:buNone/>
             </a:pPr>
             <a:r>
-              <a:rPr b="1" lang="en"/>
-              <a:t>Injury (10312)</a:t>
+              <a:rPr lang="en" b="1" dirty="0"/>
+              <a:t>Injury</a:t>
             </a:r>
             <a:r>
-              <a:rPr lang="en"/>
+              <a:rPr lang="en" dirty="0"/>
               <a:t>: physiological wound caused by shooter</a:t>
             </a:r>
-            <a:endParaRPr/>
+            <a:endParaRPr dirty="0"/>
           </a:p>
           <a:p>
-            <a:pPr indent="0" lvl="0" marL="0" rtl="0" algn="l">
+            <a:pPr marL="0" lvl="0" indent="0" algn="l" rtl="0">
               <a:spcBef>
                 <a:spcPts val="1200"/>
               </a:spcBef>
@@ -6857,17 +7025,17 @@
               <a:buNone/>
             </a:pPr>
             <a:r>
-              <a:rPr b="1" lang="en"/>
-              <a:t>Killing (10311)</a:t>
+              <a:rPr lang="en" b="1" dirty="0"/>
+              <a:t>Killing</a:t>
             </a:r>
             <a:r>
-              <a:rPr lang="en"/>
+              <a:rPr lang="en" dirty="0"/>
               <a:t>: act of killing a living being</a:t>
             </a:r>
-            <a:endParaRPr/>
+            <a:endParaRPr dirty="0"/>
           </a:p>
           <a:p>
-            <a:pPr indent="0" lvl="0" marL="0" rtl="0" algn="l">
+            <a:pPr marL="0" lvl="0" indent="0" algn="l" rtl="0">
               <a:spcBef>
                 <a:spcPts val="1200"/>
               </a:spcBef>
@@ -6877,17 +7045,17 @@
               <a:buNone/>
             </a:pPr>
             <a:r>
-              <a:rPr b="1" lang="en"/>
-              <a:t>Survival (10313)</a:t>
+              <a:rPr lang="en" b="1" dirty="0"/>
+              <a:t>Survival</a:t>
             </a:r>
             <a:r>
-              <a:rPr lang="en"/>
+              <a:rPr lang="en" dirty="0"/>
               <a:t>: act of being still alive after a threatening or dangerous situation</a:t>
             </a:r>
-            <a:endParaRPr/>
+            <a:endParaRPr dirty="0"/>
           </a:p>
           <a:p>
-            <a:pPr indent="0" lvl="0" marL="0" rtl="0" algn="l">
+            <a:pPr marL="0" lvl="0" indent="0" algn="l" rtl="0">
               <a:spcBef>
                 <a:spcPts val="1200"/>
               </a:spcBef>
@@ -6897,14 +7065,14 @@
               <a:buNone/>
             </a:pPr>
             <a:r>
-              <a:rPr b="1" lang="en"/>
-              <a:t>Violent death (10310)</a:t>
+              <a:rPr lang="en" b="1" dirty="0"/>
+              <a:t>Violent death</a:t>
             </a:r>
             <a:r>
-              <a:rPr lang="en"/>
+              <a:rPr lang="en" dirty="0"/>
               <a:t>: death caused by violence through the shooting</a:t>
             </a:r>
-            <a:endParaRPr/>
+            <a:endParaRPr dirty="0"/>
           </a:p>
         </p:txBody>
       </p:sp>
@@ -6945,11 +7113,11 @@
 </file>
 
 <file path=ppt/slides/slide6.xml><?xml version="1.0" encoding="utf-8"?>
-<p:sld xmlns:a="http://schemas.openxmlformats.org/drawingml/2006/main" xmlns:r="http://schemas.openxmlformats.org/officeDocument/2006/relationships" xmlns:mc="http://schemas.openxmlformats.org/markup-compatibility/2006" xmlns:mv="urn:schemas-microsoft-com:mac:vml" xmlns:p="http://schemas.openxmlformats.org/presentationml/2006/main" xmlns:c="http://schemas.openxmlformats.org/drawingml/2006/chart" xmlns:dgm="http://schemas.openxmlformats.org/drawingml/2006/diagram" xmlns:o="urn:schemas-microsoft-com:office:office" xmlns:v="urn:schemas-microsoft-com:vml" xmlns:pvml="urn:schemas-microsoft-com:office:powerpoint" xmlns:com="http://schemas.openxmlformats.org/drawingml/2006/compatibility" xmlns:p14="http://schemas.microsoft.com/office/powerpoint/2010/main" xmlns:p15="http://schemas.microsoft.com/office/powerpoint/2012/main" xmlns:ahyp="http://schemas.microsoft.com/office/drawing/2018/hyperlinkcolor">
+<p:sld xmlns:a="http://schemas.openxmlformats.org/drawingml/2006/main" xmlns:r="http://schemas.openxmlformats.org/officeDocument/2006/relationships" xmlns:p="http://schemas.openxmlformats.org/presentationml/2006/main">
   <p:cSld>
     <p:spTree>
       <p:nvGrpSpPr>
-        <p:cNvPr id="87" name="Shape 87"/>
+        <p:cNvPr id="1" name="Shape 87"/>
         <p:cNvGrpSpPr/>
         <p:nvPr/>
       </p:nvGrpSpPr>
@@ -6964,7 +7132,9 @@
       <p:sp>
         <p:nvSpPr>
           <p:cNvPr id="88" name="Google Shape;88;p18"/>
-          <p:cNvSpPr txBox="1"/>
+          <p:cNvSpPr txBox="1">
+            <a:spLocks noGrp="1"/>
+          </p:cNvSpPr>
           <p:nvPr>
             <p:ph type="title"/>
           </p:nvPr>
@@ -6979,12 +7149,12 @@
           </a:prstGeom>
         </p:spPr>
         <p:txBody>
-          <a:bodyPr anchorCtr="0" anchor="b" bIns="91425" lIns="91425" spcFirstLastPara="1" rIns="91425" wrap="square" tIns="91425">
-            <a:normAutofit fontScale="90000"/>
+          <a:bodyPr spcFirstLastPara="1" wrap="square" lIns="91425" tIns="91425" rIns="91425" bIns="91425" anchor="b" anchorCtr="0">
+            <a:normAutofit/>
           </a:bodyPr>
           <a:lstStyle/>
           <a:p>
-            <a:pPr indent="0" lvl="0" marL="0" rtl="0" algn="l">
+            <a:pPr marL="0" lvl="0" indent="0" algn="l" rtl="0">
               <a:spcBef>
                 <a:spcPts val="0"/>
               </a:spcBef>
@@ -6994,19 +7164,21 @@
               <a:buNone/>
             </a:pPr>
             <a:r>
-              <a:rPr lang="en"/>
-              <a:t>Medical Response (10299)</a:t>
+              <a:rPr lang="en" dirty="0"/>
+              <a:t>Medical Response</a:t>
             </a:r>
-            <a:endParaRPr/>
+            <a:endParaRPr dirty="0"/>
           </a:p>
         </p:txBody>
       </p:sp>
       <p:sp>
         <p:nvSpPr>
           <p:cNvPr id="89" name="Google Shape;89;p18"/>
-          <p:cNvSpPr txBox="1"/>
+          <p:cNvSpPr txBox="1">
+            <a:spLocks noGrp="1"/>
+          </p:cNvSpPr>
           <p:nvPr>
-            <p:ph idx="1" type="body"/>
+            <p:ph type="body" idx="1"/>
           </p:nvPr>
         </p:nvSpPr>
         <p:spPr>
@@ -7019,12 +7191,12 @@
           </a:prstGeom>
         </p:spPr>
         <p:txBody>
-          <a:bodyPr anchorCtr="0" anchor="t" bIns="91425" lIns="91425" spcFirstLastPara="1" rIns="91425" wrap="square" tIns="91425">
+          <a:bodyPr spcFirstLastPara="1" wrap="square" lIns="91425" tIns="91425" rIns="91425" bIns="91425" anchor="t" anchorCtr="0">
             <a:normAutofit lnSpcReduction="10000"/>
           </a:bodyPr>
           <a:lstStyle/>
           <a:p>
-            <a:pPr indent="0" lvl="0" marL="0" rtl="0" algn="l">
+            <a:pPr marL="0" lvl="0" indent="0" algn="l" rtl="0">
               <a:spcBef>
                 <a:spcPts val="0"/>
               </a:spcBef>
@@ -7034,17 +7206,17 @@
               <a:buNone/>
             </a:pPr>
             <a:r>
-              <a:rPr b="1" lang="en"/>
-              <a:t>Emergency call (10314)</a:t>
+              <a:rPr lang="en" b="1" dirty="0"/>
+              <a:t>Emergency call</a:t>
             </a:r>
             <a:r>
-              <a:rPr lang="en"/>
+              <a:rPr lang="en" dirty="0"/>
               <a:t>: way of contacting an emergency call center usually by a phone to an emergency telephone number</a:t>
             </a:r>
-            <a:endParaRPr/>
+            <a:endParaRPr dirty="0"/>
           </a:p>
           <a:p>
-            <a:pPr indent="0" lvl="0" marL="0" rtl="0" algn="l">
+            <a:pPr marL="0" lvl="0" indent="0" algn="l" rtl="0">
               <a:spcBef>
                 <a:spcPts val="1200"/>
               </a:spcBef>
@@ -7054,17 +7226,17 @@
               <a:buNone/>
             </a:pPr>
             <a:r>
-              <a:rPr b="1" lang="en"/>
-              <a:t>Driving (10315)</a:t>
+              <a:rPr lang="en" b="1" dirty="0"/>
+              <a:t>Driving</a:t>
             </a:r>
             <a:r>
-              <a:rPr lang="en"/>
+              <a:rPr lang="en" dirty="0"/>
               <a:t>: operation of a vehicle to the crime scene</a:t>
             </a:r>
-            <a:endParaRPr/>
+            <a:endParaRPr dirty="0"/>
           </a:p>
           <a:p>
-            <a:pPr indent="0" lvl="0" marL="0" rtl="0" algn="l">
+            <a:pPr marL="0" lvl="0" indent="0" algn="l" rtl="0">
               <a:spcBef>
                 <a:spcPts val="1200"/>
               </a:spcBef>
@@ -7074,17 +7246,17 @@
               <a:buNone/>
             </a:pPr>
             <a:r>
-              <a:rPr b="1" lang="en"/>
-              <a:t>First aid (10316)</a:t>
+              <a:rPr lang="en" b="1" dirty="0"/>
+              <a:t>First aid</a:t>
             </a:r>
             <a:r>
-              <a:rPr lang="en"/>
+              <a:rPr lang="en" dirty="0"/>
               <a:t>: first and immediate assistance given to any person suffering from shooting injury</a:t>
             </a:r>
-            <a:endParaRPr/>
+            <a:endParaRPr dirty="0"/>
           </a:p>
           <a:p>
-            <a:pPr indent="0" lvl="0" marL="0" rtl="0" algn="l">
+            <a:pPr marL="0" lvl="0" indent="0" algn="l" rtl="0">
               <a:spcBef>
                 <a:spcPts val="1200"/>
               </a:spcBef>
@@ -7094,14 +7266,14 @@
               <a:buNone/>
             </a:pPr>
             <a:r>
-              <a:rPr b="1" lang="en"/>
-              <a:t>Rescue (10317)</a:t>
+              <a:rPr lang="en" b="1" dirty="0"/>
+              <a:t>Rescue</a:t>
             </a:r>
             <a:r>
-              <a:rPr lang="en"/>
+              <a:rPr lang="en" dirty="0"/>
               <a:t>: comprises responsive operations that usually involve the saving of life, or prevention of injury</a:t>
             </a:r>
-            <a:endParaRPr/>
+            <a:endParaRPr dirty="0"/>
           </a:p>
         </p:txBody>
       </p:sp>
@@ -7142,11 +7314,11 @@
 </file>
 
 <file path=ppt/slides/slide7.xml><?xml version="1.0" encoding="utf-8"?>
-<p:sld xmlns:a="http://schemas.openxmlformats.org/drawingml/2006/main" xmlns:r="http://schemas.openxmlformats.org/officeDocument/2006/relationships" xmlns:mc="http://schemas.openxmlformats.org/markup-compatibility/2006" xmlns:mv="urn:schemas-microsoft-com:mac:vml" xmlns:p="http://schemas.openxmlformats.org/presentationml/2006/main" xmlns:c="http://schemas.openxmlformats.org/drawingml/2006/chart" xmlns:dgm="http://schemas.openxmlformats.org/drawingml/2006/diagram" xmlns:o="urn:schemas-microsoft-com:office:office" xmlns:v="urn:schemas-microsoft-com:vml" xmlns:pvml="urn:schemas-microsoft-com:office:powerpoint" xmlns:com="http://schemas.openxmlformats.org/drawingml/2006/compatibility" xmlns:p14="http://schemas.microsoft.com/office/powerpoint/2010/main" xmlns:p15="http://schemas.microsoft.com/office/powerpoint/2012/main" xmlns:ahyp="http://schemas.microsoft.com/office/drawing/2018/hyperlinkcolor">
+<p:sld xmlns:a="http://schemas.openxmlformats.org/drawingml/2006/main" xmlns:r="http://schemas.openxmlformats.org/officeDocument/2006/relationships" xmlns:p="http://schemas.openxmlformats.org/presentationml/2006/main">
   <p:cSld>
     <p:spTree>
       <p:nvGrpSpPr>
-        <p:cNvPr id="94" name="Shape 94"/>
+        <p:cNvPr id="1" name="Shape 94"/>
         <p:cNvGrpSpPr/>
         <p:nvPr/>
       </p:nvGrpSpPr>
@@ -7161,7 +7333,9 @@
       <p:sp>
         <p:nvSpPr>
           <p:cNvPr id="95" name="Google Shape;95;p19"/>
-          <p:cNvSpPr txBox="1"/>
+          <p:cNvSpPr txBox="1">
+            <a:spLocks noGrp="1"/>
+          </p:cNvSpPr>
           <p:nvPr>
             <p:ph type="title"/>
           </p:nvPr>
@@ -7176,12 +7350,12 @@
           </a:prstGeom>
         </p:spPr>
         <p:txBody>
-          <a:bodyPr anchorCtr="0" anchor="b" bIns="91425" lIns="91425" spcFirstLastPara="1" rIns="91425" wrap="square" tIns="91425">
+          <a:bodyPr spcFirstLastPara="1" wrap="square" lIns="91425" tIns="91425" rIns="91425" bIns="91425" anchor="b" anchorCtr="0">
             <a:normAutofit/>
           </a:bodyPr>
           <a:lstStyle/>
           <a:p>
-            <a:pPr indent="0" lvl="0" marL="0" rtl="0" algn="l">
+            <a:pPr marL="0" lvl="0" indent="0" algn="l" rtl="0">
               <a:spcBef>
                 <a:spcPts val="0"/>
               </a:spcBef>
@@ -7192,18 +7366,20 @@
             </a:pPr>
             <a:r>
               <a:rPr lang="en"/>
-              <a:t>Criminal Investigation (10300)</a:t>
+              <a:t>Criminal Investigation</a:t>
             </a:r>
-            <a:endParaRPr/>
+            <a:endParaRPr dirty="0"/>
           </a:p>
         </p:txBody>
       </p:sp>
       <p:sp>
         <p:nvSpPr>
           <p:cNvPr id="96" name="Google Shape;96;p19"/>
-          <p:cNvSpPr txBox="1"/>
+          <p:cNvSpPr txBox="1">
+            <a:spLocks noGrp="1"/>
+          </p:cNvSpPr>
           <p:nvPr>
-            <p:ph idx="1" type="body"/>
+            <p:ph type="body" idx="1"/>
           </p:nvPr>
         </p:nvSpPr>
         <p:spPr>
@@ -7216,12 +7392,12 @@
           </a:prstGeom>
         </p:spPr>
         <p:txBody>
-          <a:bodyPr anchorCtr="0" anchor="t" bIns="91425" lIns="91425" spcFirstLastPara="1" rIns="91425" wrap="square" tIns="91425">
-            <a:normAutofit lnSpcReduction="10000"/>
+          <a:bodyPr spcFirstLastPara="1" wrap="square" lIns="91425" tIns="91425" rIns="91425" bIns="91425" anchor="t" anchorCtr="0">
+            <a:normAutofit fontScale="92500" lnSpcReduction="20000"/>
           </a:bodyPr>
           <a:lstStyle/>
           <a:p>
-            <a:pPr indent="0" lvl="0" marL="0" rtl="0" algn="l">
+            <a:pPr marL="0" lvl="0" indent="0" algn="l" rtl="0">
               <a:lnSpc>
                 <a:spcPct val="80000"/>
               </a:lnSpc>
@@ -7235,17 +7411,17 @@
               <a:buNone/>
             </a:pPr>
             <a:r>
-              <a:rPr b="1" lang="en" sz="820"/>
-              <a:t>Accusation (10318)</a:t>
+              <a:rPr lang="en" sz="820" b="1" dirty="0"/>
+              <a:t>Accusation</a:t>
             </a:r>
             <a:r>
-              <a:rPr lang="en" sz="820"/>
+              <a:rPr lang="en" sz="820" dirty="0"/>
               <a:t>: act of accusing or charging another with a crime</a:t>
             </a:r>
-            <a:endParaRPr sz="820"/>
+            <a:endParaRPr sz="820" dirty="0"/>
           </a:p>
           <a:p>
-            <a:pPr indent="0" lvl="0" marL="0" rtl="0" algn="l">
+            <a:pPr marL="0" lvl="0" indent="0" algn="l" rtl="0">
               <a:lnSpc>
                 <a:spcPct val="80000"/>
               </a:lnSpc>
@@ -7259,25 +7435,17 @@
               <a:buNone/>
             </a:pPr>
             <a:r>
-              <a:rPr b="1" lang="en" sz="820"/>
-              <a:t>Arrest (10319)</a:t>
+              <a:rPr lang="en" sz="820" b="1" dirty="0"/>
+              <a:t>Arrest</a:t>
             </a:r>
             <a:r>
-              <a:rPr lang="en" sz="820"/>
-              <a:t>: detention of a person and taking </a:t>
+              <a:rPr lang="en" sz="820" dirty="0"/>
+              <a:t>: detention of a person and taking them into custody, usually because it has been suspected of committing a crime</a:t>
             </a:r>
-            <a:r>
-              <a:rPr lang="en" sz="820"/>
-              <a:t>them</a:t>
-            </a:r>
-            <a:r>
-              <a:rPr lang="en" sz="820"/>
-              <a:t> into custody, usually because it has been suspected of committing a crime</a:t>
-            </a:r>
-            <a:endParaRPr sz="820"/>
+            <a:endParaRPr sz="820" dirty="0"/>
           </a:p>
           <a:p>
-            <a:pPr indent="0" lvl="0" marL="0" rtl="0" algn="l">
+            <a:pPr marL="0" lvl="0" indent="0" algn="l" rtl="0">
               <a:lnSpc>
                 <a:spcPct val="80000"/>
               </a:lnSpc>
@@ -7291,17 +7459,17 @@
               <a:buNone/>
             </a:pPr>
             <a:r>
-              <a:rPr b="1" lang="en" sz="820"/>
-              <a:t>Detention (10320)</a:t>
+              <a:rPr lang="en" sz="820" b="1" dirty="0"/>
+              <a:t>Detention</a:t>
             </a:r>
             <a:r>
-              <a:rPr lang="en" sz="820"/>
+              <a:rPr lang="en" sz="820" dirty="0"/>
               <a:t>: removal of the freedom of liberty by a state</a:t>
             </a:r>
-            <a:endParaRPr sz="820"/>
+            <a:endParaRPr sz="820" dirty="0"/>
           </a:p>
           <a:p>
-            <a:pPr indent="0" lvl="0" marL="0" rtl="0" algn="l">
+            <a:pPr marL="0" lvl="0" indent="0" algn="l" rtl="0">
               <a:lnSpc>
                 <a:spcPct val="80000"/>
               </a:lnSpc>
@@ -7315,17 +7483,17 @@
               <a:buNone/>
             </a:pPr>
             <a:r>
-              <a:rPr b="1" lang="en" sz="820"/>
-              <a:t>Conviction (10321)</a:t>
+              <a:rPr lang="en" sz="820" b="1" dirty="0"/>
+              <a:t>Conviction</a:t>
             </a:r>
             <a:r>
-              <a:rPr lang="en" sz="820"/>
+              <a:rPr lang="en" sz="820" dirty="0"/>
               <a:t>: verdict that results when a court of law finds a defendant guilty of a crime</a:t>
             </a:r>
-            <a:endParaRPr sz="820"/>
+            <a:endParaRPr sz="820" dirty="0"/>
           </a:p>
           <a:p>
-            <a:pPr indent="0" lvl="0" marL="0" rtl="0" algn="l">
+            <a:pPr marL="0" lvl="0" indent="0" algn="l" rtl="0">
               <a:lnSpc>
                 <a:spcPct val="80000"/>
               </a:lnSpc>
@@ -7339,17 +7507,17 @@
               <a:buNone/>
             </a:pPr>
             <a:r>
-              <a:rPr b="1" lang="en" sz="820"/>
-              <a:t>Plea (10322)</a:t>
+              <a:rPr lang="en" sz="820" b="1" dirty="0"/>
+              <a:t>Plea</a:t>
             </a:r>
             <a:r>
-              <a:rPr lang="en" sz="820"/>
+              <a:rPr lang="en" sz="820" dirty="0"/>
               <a:t>: answer to a claim made by someone in a criminal case under common law using the adversarial system</a:t>
             </a:r>
-            <a:endParaRPr sz="820"/>
+            <a:endParaRPr sz="820" dirty="0"/>
           </a:p>
           <a:p>
-            <a:pPr indent="0" lvl="0" marL="0" rtl="0" algn="l">
+            <a:pPr marL="0" lvl="0" indent="0" algn="l" rtl="0">
               <a:lnSpc>
                 <a:spcPct val="80000"/>
               </a:lnSpc>
@@ -7363,14 +7531,14 @@
               <a:buNone/>
             </a:pPr>
             <a:r>
-              <a:rPr b="1" lang="en" sz="820"/>
-              <a:t>Trial (10323)</a:t>
+              <a:rPr lang="en" sz="820" b="1" dirty="0"/>
+              <a:t>Trial</a:t>
             </a:r>
             <a:r>
-              <a:rPr lang="en" sz="820"/>
+              <a:rPr lang="en" sz="820" dirty="0"/>
               <a:t>: coming together of parties to a dispute, to present information in a tribunal</a:t>
             </a:r>
-            <a:endParaRPr sz="820"/>
+            <a:endParaRPr sz="820" dirty="0"/>
           </a:p>
         </p:txBody>
       </p:sp>
@@ -7405,9 +7573,11 @@
       <p:sp>
         <p:nvSpPr>
           <p:cNvPr id="98" name="Google Shape;98;p19"/>
-          <p:cNvSpPr txBox="1"/>
+          <p:cNvSpPr txBox="1">
+            <a:spLocks noGrp="1"/>
+          </p:cNvSpPr>
           <p:nvPr>
-            <p:ph idx="1" type="body"/>
+            <p:ph type="body" idx="1"/>
           </p:nvPr>
         </p:nvSpPr>
         <p:spPr>
@@ -7420,12 +7590,12 @@
           </a:prstGeom>
         </p:spPr>
         <p:txBody>
-          <a:bodyPr anchorCtr="0" anchor="t" bIns="91425" lIns="91425" spcFirstLastPara="1" rIns="91425" wrap="square" tIns="91425">
-            <a:normAutofit/>
+          <a:bodyPr spcFirstLastPara="1" wrap="square" lIns="91425" tIns="91425" rIns="91425" bIns="91425" anchor="t" anchorCtr="0">
+            <a:normAutofit lnSpcReduction="10000"/>
           </a:bodyPr>
           <a:lstStyle/>
           <a:p>
-            <a:pPr indent="0" lvl="0" marL="0" rtl="0" algn="l">
+            <a:pPr marL="0" lvl="0" indent="0" algn="l" rtl="0">
               <a:lnSpc>
                 <a:spcPct val="100000"/>
               </a:lnSpc>
@@ -7438,17 +7608,17 @@
               <a:buNone/>
             </a:pPr>
             <a:r>
-              <a:rPr b="1" lang="en" sz="800"/>
-              <a:t>Legal hearing (10324)</a:t>
+              <a:rPr lang="en" sz="800" b="1" dirty="0"/>
+              <a:t>Legal hearing</a:t>
             </a:r>
             <a:r>
-              <a:rPr lang="en" sz="800"/>
+              <a:rPr lang="en" sz="800" dirty="0"/>
               <a:t>: A legal hearing about the crime</a:t>
             </a:r>
-            <a:endParaRPr sz="800"/>
+            <a:endParaRPr sz="800" dirty="0"/>
           </a:p>
           <a:p>
-            <a:pPr indent="0" lvl="0" marL="0" rtl="0" algn="l">
+            <a:pPr marL="0" lvl="0" indent="0" algn="l" rtl="0">
               <a:lnSpc>
                 <a:spcPct val="100000"/>
               </a:lnSpc>
@@ -7461,17 +7631,17 @@
               <a:buNone/>
             </a:pPr>
             <a:r>
-              <a:rPr b="1" lang="en" sz="800"/>
-              <a:t>Court decision (10325)</a:t>
+              <a:rPr lang="en" sz="800" b="1" dirty="0"/>
+              <a:t>Court decision</a:t>
             </a:r>
             <a:r>
-              <a:rPr lang="en" sz="800"/>
+              <a:rPr lang="en" sz="800" dirty="0"/>
               <a:t>: formal decision made by a court</a:t>
             </a:r>
-            <a:endParaRPr sz="800"/>
+            <a:endParaRPr sz="800" dirty="0"/>
           </a:p>
           <a:p>
-            <a:pPr indent="0" lvl="0" marL="0" rtl="0" algn="l">
+            <a:pPr marL="0" lvl="0" indent="0" algn="l" rtl="0">
               <a:lnSpc>
                 <a:spcPct val="100000"/>
               </a:lnSpc>
@@ -7484,17 +7654,17 @@
               <a:buNone/>
             </a:pPr>
             <a:r>
-              <a:rPr b="1" lang="en" sz="800"/>
-              <a:t>Acquittal (10327)</a:t>
+              <a:rPr lang="en" sz="800" b="1" dirty="0"/>
+              <a:t>Acquittal</a:t>
             </a:r>
             <a:r>
-              <a:rPr lang="en" sz="800"/>
+              <a:rPr lang="en" sz="800" dirty="0"/>
               <a:t>: the legal result of a verdict of not guilty</a:t>
             </a:r>
-            <a:endParaRPr sz="800"/>
+            <a:endParaRPr sz="800" dirty="0"/>
           </a:p>
           <a:p>
-            <a:pPr indent="0" lvl="0" marL="0" rtl="0" algn="l">
+            <a:pPr marL="0" lvl="0" indent="0" algn="l" rtl="0">
               <a:lnSpc>
                 <a:spcPct val="100000"/>
               </a:lnSpc>
@@ -7507,17 +7677,17 @@
               <a:buNone/>
             </a:pPr>
             <a:r>
-              <a:rPr b="1" lang="en" sz="800"/>
-              <a:t>Sentence (10326)</a:t>
+              <a:rPr lang="en" sz="800" b="1" dirty="0"/>
+              <a:t>Sentence</a:t>
             </a:r>
             <a:r>
-              <a:rPr lang="en" sz="800"/>
+              <a:rPr lang="en" sz="800" dirty="0"/>
               <a:t>: decree of punishment in law</a:t>
             </a:r>
-            <a:endParaRPr sz="800"/>
+            <a:endParaRPr sz="800" dirty="0"/>
           </a:p>
           <a:p>
-            <a:pPr indent="0" lvl="0" marL="0" rtl="0" algn="l">
+            <a:pPr marL="0" lvl="0" indent="0" algn="l" rtl="0">
               <a:lnSpc>
                 <a:spcPct val="100000"/>
               </a:lnSpc>
@@ -7530,17 +7700,17 @@
               <a:buNone/>
             </a:pPr>
             <a:r>
-              <a:rPr b="1" lang="en" sz="800"/>
-              <a:t>Imprisonment (10328)</a:t>
+              <a:rPr lang="en" sz="800" b="1" dirty="0"/>
+              <a:t>Imprisonment</a:t>
             </a:r>
             <a:r>
-              <a:rPr lang="en" sz="800"/>
+              <a:rPr lang="en" sz="800" dirty="0"/>
               <a:t>: restraint of a person's liberty by judicial or other detention</a:t>
             </a:r>
-            <a:endParaRPr sz="800"/>
+            <a:endParaRPr sz="800" dirty="0"/>
           </a:p>
           <a:p>
-            <a:pPr indent="0" lvl="0" marL="0" rtl="0" algn="l">
+            <a:pPr marL="0" lvl="0" indent="0" algn="l" rtl="0">
               <a:lnSpc>
                 <a:spcPct val="100000"/>
               </a:lnSpc>
@@ -7553,14 +7723,14 @@
               <a:buNone/>
             </a:pPr>
             <a:r>
-              <a:rPr b="1" lang="en" sz="800"/>
-              <a:t>Execution (10329)</a:t>
+              <a:rPr lang="en" sz="800" b="1" dirty="0"/>
+              <a:t>Execution</a:t>
             </a:r>
             <a:r>
-              <a:rPr lang="en" sz="800"/>
+              <a:rPr lang="en" sz="800" dirty="0"/>
               <a:t>: homicide as capital punishment</a:t>
             </a:r>
-            <a:endParaRPr sz="800"/>
+            <a:endParaRPr sz="800" dirty="0"/>
           </a:p>
         </p:txBody>
       </p:sp>
@@ -7573,7 +7743,7 @@
 </file>
 
 <file path=ppt/theme/theme1.xml><?xml version="1.0" encoding="utf-8"?>
-<a:theme xmlns:a="http://schemas.openxmlformats.org/drawingml/2006/main" xmlns:r="http://schemas.openxmlformats.org/officeDocument/2006/relationships" name="Simple Light">
+<a:theme xmlns:a="http://schemas.openxmlformats.org/drawingml/2006/main" name="Simple Light">
   <a:themeElements>
     <a:clrScheme name="Simple Light">
       <a:dk1>
@@ -7848,11 +8018,13 @@
       </a:bgFillStyleLst>
     </a:fmtScheme>
   </a:themeElements>
+  <a:objectDefaults/>
+  <a:extraClrSchemeLst/>
 </a:theme>
 </file>
 
 <file path=ppt/theme/theme2.xml><?xml version="1.0" encoding="utf-8"?>
-<a:theme xmlns:a="http://schemas.openxmlformats.org/drawingml/2006/main" xmlns:r="http://schemas.openxmlformats.org/officeDocument/2006/relationships">
+<a:theme xmlns:a="http://schemas.openxmlformats.org/drawingml/2006/main">
   <a:themeElements>
     <a:clrScheme name="Default">
       <a:dk1>
@@ -8127,5 +8299,7 @@
       </a:bgFillStyleLst>
     </a:fmtScheme>
   </a:themeElements>
+  <a:objectDefaults/>
+  <a:extraClrSchemeLst/>
 </a:theme>
 </file>